--- a/2021/03/惠科彩虹面板玻璃检测/液晶面板AI寻边检测项目方案组(第二版).pptx
+++ b/2021/03/惠科彩虹面板玻璃检测/液晶面板AI寻边检测项目方案组(第二版).pptx
@@ -5,7 +5,8 @@
     <p:sldMasterId id="2147483648" r:id="rId1"/>
   </p:sldMasterIdLst>
   <p:sldIdLst>
-    <p:sldId id="11089032" r:id="rId2"/>
+    <p:sldId id="11089033" r:id="rId2"/>
+    <p:sldId id="11089032" r:id="rId3"/>
   </p:sldIdLst>
   <p:sldSz cx="12192000" cy="6858000"/>
   <p:notesSz cx="6858000" cy="9144000"/>
@@ -3711,6 +3712,2455 @@
 </file>
 
 <file path=ppt/slides/slide1.xml><?xml version="1.0" encoding="utf-8"?>
+<p:sld xmlns:a="http://schemas.openxmlformats.org/drawingml/2006/main" xmlns:r="http://schemas.openxmlformats.org/officeDocument/2006/relationships" xmlns:p="http://schemas.openxmlformats.org/presentationml/2006/main">
+  <p:cSld>
+    <p:spTree>
+      <p:nvGrpSpPr>
+        <p:cNvPr id="1" name=""/>
+        <p:cNvGrpSpPr/>
+        <p:nvPr/>
+      </p:nvGrpSpPr>
+      <p:grpSpPr>
+        <a:xfrm>
+          <a:off x="0" y="0"/>
+          <a:ext cx="0" cy="0"/>
+          <a:chOff x="0" y="0"/>
+          <a:chExt cx="0" cy="0"/>
+        </a:xfrm>
+      </p:grpSpPr>
+      <p:sp>
+        <p:nvSpPr>
+          <p:cNvPr id="2" name="标题 1"/>
+          <p:cNvSpPr>
+            <a:spLocks noGrp="1"/>
+          </p:cNvSpPr>
+          <p:nvPr>
+            <p:ph type="title"/>
+          </p:nvPr>
+        </p:nvSpPr>
+        <p:spPr/>
+        <p:txBody>
+          <a:bodyPr vert="horz" rtlCol="0">
+            <a:normAutofit fontScale="90000"/>
+          </a:bodyPr>
+          <a:lstStyle/>
+          <a:p>
+            <a:pPr lvl="0" algn="l">
+              <a:buClrTx/>
+              <a:buSzTx/>
+              <a:buFontTx/>
+            </a:pPr>
+            <a:r>
+              <a:rPr lang="zh-CN" altLang="en-US" dirty="0">
+                <a:solidFill>
+                  <a:srgbClr val="006DB2"/>
+                </a:solidFill>
+                <a:latin typeface="+mn-ea"/>
+                <a:ea typeface="+mn-ea"/>
+                <a:cs typeface="+mn-ea"/>
+                <a:sym typeface="+mn-ea"/>
+              </a:rPr>
+              <a:t>市场突破</a:t>
+            </a:r>
+            <a:r>
+              <a:rPr lang="en-US" altLang="zh-CN" dirty="0">
+                <a:solidFill>
+                  <a:srgbClr val="006DB2"/>
+                </a:solidFill>
+                <a:latin typeface="+mn-ea"/>
+                <a:ea typeface="+mn-ea"/>
+                <a:cs typeface="+mn-ea"/>
+                <a:sym typeface="+mn-ea"/>
+              </a:rPr>
+              <a:t>—</a:t>
+            </a:r>
+            <a:r>
+              <a:rPr lang="zh-CN" altLang="en-US" dirty="0">
+                <a:solidFill>
+                  <a:srgbClr val="006DB2"/>
+                </a:solidFill>
+                <a:latin typeface="+mn-ea"/>
+                <a:ea typeface="+mn-ea"/>
+                <a:cs typeface="+mn-ea"/>
+                <a:sym typeface="+mn-ea"/>
+              </a:rPr>
+              <a:t>液晶面板</a:t>
+            </a:r>
+            <a:r>
+              <a:rPr lang="en-US" altLang="zh-CN" dirty="0">
+                <a:solidFill>
+                  <a:srgbClr val="006DB2"/>
+                </a:solidFill>
+                <a:latin typeface="+mn-ea"/>
+                <a:ea typeface="+mn-ea"/>
+                <a:cs typeface="+mn-ea"/>
+                <a:sym typeface="+mn-ea"/>
+              </a:rPr>
+              <a:t>AI</a:t>
+            </a:r>
+            <a:r>
+              <a:rPr lang="zh-CN" altLang="en-US" dirty="0">
+                <a:solidFill>
+                  <a:srgbClr val="006DB2"/>
+                </a:solidFill>
+                <a:latin typeface="+mn-ea"/>
+                <a:ea typeface="+mn-ea"/>
+                <a:cs typeface="+mn-ea"/>
+                <a:sym typeface="+mn-ea"/>
+              </a:rPr>
+              <a:t>寻边检测项目方案组</a:t>
+            </a:r>
+          </a:p>
+        </p:txBody>
+      </p:sp>
+      <p:grpSp>
+        <p:nvGrpSpPr>
+          <p:cNvPr id="8" name="组合 7">
+            <a:extLst>
+              <a:ext uri="{FF2B5EF4-FFF2-40B4-BE49-F238E27FC236}">
+                <a16:creationId xmlns:a16="http://schemas.microsoft.com/office/drawing/2014/main" id="{AF11A775-5357-43A6-B353-B9FAAB8E155F}"/>
+              </a:ext>
+            </a:extLst>
+          </p:cNvPr>
+          <p:cNvGrpSpPr/>
+          <p:nvPr/>
+        </p:nvGrpSpPr>
+        <p:grpSpPr>
+          <a:xfrm>
+            <a:off x="354487" y="4948508"/>
+            <a:ext cx="11009110" cy="1571032"/>
+            <a:chOff x="479505" y="4726254"/>
+            <a:chExt cx="11009110" cy="1229668"/>
+          </a:xfrm>
+        </p:grpSpPr>
+        <p:sp>
+          <p:nvSpPr>
+            <p:cNvPr id="6" name="文本框 5">
+              <a:extLst>
+                <a:ext uri="{FF2B5EF4-FFF2-40B4-BE49-F238E27FC236}">
+                  <a16:creationId xmlns:a16="http://schemas.microsoft.com/office/drawing/2014/main" id="{B6A77415-EFAC-427B-ACE2-8FDD2EB979BE}"/>
+                </a:ext>
+              </a:extLst>
+            </p:cNvPr>
+            <p:cNvSpPr txBox="1"/>
+            <p:nvPr/>
+          </p:nvSpPr>
+          <p:spPr>
+            <a:xfrm>
+              <a:off x="479505" y="4788305"/>
+              <a:ext cx="11009110" cy="1167617"/>
+            </a:xfrm>
+            <a:prstGeom prst="rect">
+              <a:avLst/>
+            </a:prstGeom>
+            <a:noFill/>
+          </p:spPr>
+          <p:txBody>
+            <a:bodyPr wrap="square" rtlCol="0">
+              <a:spAutoFit/>
+            </a:bodyPr>
+            <a:lstStyle/>
+            <a:p>
+              <a:pPr>
+                <a:lnSpc>
+                  <a:spcPct val="130000"/>
+                </a:lnSpc>
+                <a:spcBef>
+                  <a:spcPts val="600"/>
+                </a:spcBef>
+              </a:pPr>
+              <a:endParaRPr lang="en-US" altLang="zh-CN" sz="1200" kern="0" dirty="0">
+                <a:latin typeface="微软雅黑" panose="020B0503020204020204" pitchFamily="34" charset="-122"/>
+                <a:ea typeface="微软雅黑" panose="020B0503020204020204" pitchFamily="34" charset="-122"/>
+                <a:cs typeface="+mn-ea"/>
+                <a:sym typeface="+mn-lt"/>
+              </a:endParaRPr>
+            </a:p>
+            <a:p>
+              <a:pPr>
+                <a:lnSpc>
+                  <a:spcPct val="130000"/>
+                </a:lnSpc>
+                <a:spcBef>
+                  <a:spcPts val="600"/>
+                </a:spcBef>
+              </a:pPr>
+              <a:r>
+                <a:rPr lang="zh-CN" altLang="en-US" sz="1599" dirty="0">
+                  <a:solidFill>
+                    <a:sysClr val="windowText" lastClr="000000"/>
+                  </a:solidFill>
+                  <a:latin typeface="微软雅黑" pitchFamily="34" charset="-122"/>
+                  <a:ea typeface="微软雅黑" pitchFamily="34" charset="-122"/>
+                  <a:sym typeface="+mn-lt"/>
+                </a:rPr>
+                <a:t>商务端</a:t>
+              </a:r>
+              <a:r>
+                <a:rPr lang="en-US" altLang="zh-CN" sz="1599" dirty="0">
+                  <a:solidFill>
+                    <a:sysClr val="windowText" lastClr="000000"/>
+                  </a:solidFill>
+                  <a:latin typeface="微软雅黑" pitchFamily="34" charset="-122"/>
+                  <a:ea typeface="微软雅黑" pitchFamily="34" charset="-122"/>
+                  <a:sym typeface="+mn-lt"/>
+                </a:rPr>
+                <a:t>:</a:t>
+              </a:r>
+              <a:r>
+                <a:rPr lang="zh-CN" altLang="en-US" sz="1599" dirty="0">
+                  <a:solidFill>
+                    <a:sysClr val="windowText" lastClr="000000"/>
+                  </a:solidFill>
+                  <a:latin typeface="微软雅黑" pitchFamily="34" charset="-122"/>
+                  <a:ea typeface="微软雅黑" pitchFamily="34" charset="-122"/>
+                  <a:sym typeface="+mn-lt"/>
+                </a:rPr>
+                <a:t>雷朋、王律、武彦林、曾珂</a:t>
+              </a:r>
+              <a:endParaRPr lang="en-US" altLang="zh-CN" sz="1599" dirty="0">
+                <a:solidFill>
+                  <a:sysClr val="windowText" lastClr="000000"/>
+                </a:solidFill>
+                <a:latin typeface="微软雅黑" pitchFamily="34" charset="-122"/>
+                <a:ea typeface="微软雅黑" pitchFamily="34" charset="-122"/>
+                <a:sym typeface="+mn-lt"/>
+              </a:endParaRPr>
+            </a:p>
+            <a:p>
+              <a:pPr>
+                <a:lnSpc>
+                  <a:spcPct val="130000"/>
+                </a:lnSpc>
+                <a:spcBef>
+                  <a:spcPts val="600"/>
+                </a:spcBef>
+              </a:pPr>
+              <a:r>
+                <a:rPr lang="zh-CN" altLang="en-US" sz="1599" dirty="0">
+                  <a:solidFill>
+                    <a:sysClr val="windowText" lastClr="000000"/>
+                  </a:solidFill>
+                  <a:latin typeface="微软雅黑" pitchFamily="34" charset="-122"/>
+                  <a:ea typeface="微软雅黑" pitchFamily="34" charset="-122"/>
+                  <a:sym typeface="+mn-lt"/>
+                </a:rPr>
+                <a:t>算法、软件</a:t>
+              </a:r>
+              <a:r>
+                <a:rPr lang="en-US" altLang="zh-CN" sz="1599" dirty="0">
+                  <a:solidFill>
+                    <a:sysClr val="windowText" lastClr="000000"/>
+                  </a:solidFill>
+                  <a:latin typeface="微软雅黑" pitchFamily="34" charset="-122"/>
+                  <a:ea typeface="微软雅黑" pitchFamily="34" charset="-122"/>
+                  <a:sym typeface="+mn-lt"/>
+                </a:rPr>
+                <a:t>:</a:t>
+              </a:r>
+              <a:r>
+                <a:rPr lang="zh-CN" altLang="en-US" sz="1599" dirty="0">
+                  <a:solidFill>
+                    <a:sysClr val="windowText" lastClr="000000"/>
+                  </a:solidFill>
+                  <a:latin typeface="微软雅黑" pitchFamily="34" charset="-122"/>
+                  <a:ea typeface="微软雅黑" pitchFamily="34" charset="-122"/>
+                  <a:sym typeface="+mn-lt"/>
+                </a:rPr>
+                <a:t>王远、莫宇、周震东、何水源、马海洋、王超</a:t>
+              </a:r>
+              <a:endParaRPr lang="en-US" altLang="zh-CN" sz="1599" dirty="0">
+                <a:solidFill>
+                  <a:sysClr val="windowText" lastClr="000000"/>
+                </a:solidFill>
+                <a:latin typeface="微软雅黑" pitchFamily="34" charset="-122"/>
+                <a:ea typeface="微软雅黑" pitchFamily="34" charset="-122"/>
+                <a:sym typeface="+mn-lt"/>
+              </a:endParaRPr>
+            </a:p>
+            <a:p>
+              <a:pPr>
+                <a:lnSpc>
+                  <a:spcPct val="130000"/>
+                </a:lnSpc>
+                <a:spcBef>
+                  <a:spcPts val="600"/>
+                </a:spcBef>
+              </a:pPr>
+              <a:r>
+                <a:rPr lang="en-US" altLang="zh-CN" sz="1599" dirty="0">
+                  <a:solidFill>
+                    <a:sysClr val="windowText" lastClr="000000"/>
+                  </a:solidFill>
+                  <a:latin typeface="微软雅黑" pitchFamily="34" charset="-122"/>
+                  <a:ea typeface="微软雅黑" pitchFamily="34" charset="-122"/>
+                  <a:sym typeface="+mn-lt"/>
+                </a:rPr>
+                <a:t>PM</a:t>
+              </a:r>
+              <a:r>
+                <a:rPr lang="zh-CN" altLang="en-US" sz="1599" dirty="0">
+                  <a:solidFill>
+                    <a:sysClr val="windowText" lastClr="000000"/>
+                  </a:solidFill>
+                  <a:latin typeface="微软雅黑" pitchFamily="34" charset="-122"/>
+                  <a:ea typeface="微软雅黑" pitchFamily="34" charset="-122"/>
+                  <a:sym typeface="+mn-lt"/>
+                </a:rPr>
+                <a:t>、</a:t>
+              </a:r>
+              <a:r>
+                <a:rPr lang="en-US" altLang="zh-CN" sz="1599" dirty="0">
+                  <a:solidFill>
+                    <a:sysClr val="windowText" lastClr="000000"/>
+                  </a:solidFill>
+                  <a:latin typeface="微软雅黑" pitchFamily="34" charset="-122"/>
+                  <a:ea typeface="微软雅黑" pitchFamily="34" charset="-122"/>
+                  <a:sym typeface="+mn-lt"/>
+                </a:rPr>
+                <a:t>FAE</a:t>
+              </a:r>
+              <a:r>
+                <a:rPr lang="zh-CN" altLang="en-US" sz="1599" dirty="0">
+                  <a:solidFill>
+                    <a:sysClr val="windowText" lastClr="000000"/>
+                  </a:solidFill>
+                  <a:latin typeface="微软雅黑" pitchFamily="34" charset="-122"/>
+                  <a:ea typeface="微软雅黑" pitchFamily="34" charset="-122"/>
+                  <a:sym typeface="+mn-lt"/>
+                </a:rPr>
+                <a:t>：汪远、林力、汪桃</a:t>
+              </a:r>
+            </a:p>
+          </p:txBody>
+        </p:sp>
+        <p:sp>
+          <p:nvSpPr>
+            <p:cNvPr id="7" name="矩形 6">
+              <a:extLst>
+                <a:ext uri="{FF2B5EF4-FFF2-40B4-BE49-F238E27FC236}">
+                  <a16:creationId xmlns:a16="http://schemas.microsoft.com/office/drawing/2014/main" id="{5D7729DF-84CE-4F6E-B5D4-DD9C6357DE4E}"/>
+                </a:ext>
+              </a:extLst>
+            </p:cNvPr>
+            <p:cNvSpPr/>
+            <p:nvPr/>
+          </p:nvSpPr>
+          <p:spPr>
+            <a:xfrm>
+              <a:off x="479505" y="4726254"/>
+              <a:ext cx="1983475" cy="308200"/>
+            </a:xfrm>
+            <a:prstGeom prst="rect">
+              <a:avLst/>
+            </a:prstGeom>
+            <a:solidFill>
+              <a:schemeClr val="accent1"/>
+            </a:solidFill>
+          </p:spPr>
+          <p:txBody>
+            <a:bodyPr wrap="square" rtlCol="0" anchor="ctr">
+              <a:noAutofit/>
+            </a:bodyPr>
+            <a:lstStyle/>
+            <a:p>
+              <a:pPr algn="l"/>
+              <a:r>
+                <a:rPr lang="zh-CN" altLang="en-US" sz="2000" dirty="0">
+                  <a:solidFill>
+                    <a:schemeClr val="bg1"/>
+                  </a:solidFill>
+                  <a:latin typeface="Arial" panose="020B0604020202020204" pitchFamily="34" charset="0"/>
+                  <a:ea typeface="黑体" panose="02010609060101010101" pitchFamily="49" charset="-122"/>
+                  <a:cs typeface="Arial" panose="020B0604020202020204" pitchFamily="34" charset="0"/>
+                  <a:sym typeface="Arial" panose="020B0604020202020204" pitchFamily="34" charset="0"/>
+                </a:rPr>
+                <a:t>团队成员</a:t>
+              </a:r>
+            </a:p>
+          </p:txBody>
+        </p:sp>
+      </p:grpSp>
+      <p:sp>
+        <p:nvSpPr>
+          <p:cNvPr id="128" name="AutoShape 2">
+            <a:extLst>
+              <a:ext uri="{FF2B5EF4-FFF2-40B4-BE49-F238E27FC236}">
+                <a16:creationId xmlns:a16="http://schemas.microsoft.com/office/drawing/2014/main" id="{2C8E54E3-6918-408F-9B85-1492734B98E9}"/>
+              </a:ext>
+            </a:extLst>
+          </p:cNvPr>
+          <p:cNvSpPr>
+            <a:spLocks noChangeAspect="1" noChangeArrowheads="1"/>
+          </p:cNvSpPr>
+          <p:nvPr/>
+        </p:nvSpPr>
+        <p:spPr bwMode="auto">
+          <a:xfrm>
+            <a:off x="5943600" y="3276600"/>
+            <a:ext cx="304800" cy="304800"/>
+          </a:xfrm>
+          <a:prstGeom prst="rect">
+            <a:avLst/>
+          </a:prstGeom>
+          <a:noFill/>
+          <a:extLst>
+            <a:ext uri="{909E8E84-426E-40DD-AFC4-6F175D3DCCD1}">
+              <a14:hiddenFill xmlns:a14="http://schemas.microsoft.com/office/drawing/2010/main">
+                <a:solidFill>
+                  <a:srgbClr val="FFFFFF"/>
+                </a:solidFill>
+              </a14:hiddenFill>
+            </a:ext>
+          </a:extLst>
+        </p:spPr>
+        <p:txBody>
+          <a:bodyPr vert="horz" wrap="square" lIns="91440" tIns="45720" rIns="91440" bIns="45720" numCol="1" anchor="t" anchorCtr="0" compatLnSpc="1">
+            <a:prstTxWarp prst="textNoShape">
+              <a:avLst/>
+            </a:prstTxWarp>
+          </a:bodyPr>
+          <a:lstStyle/>
+          <a:p>
+            <a:endParaRPr lang="zh-CN" altLang="en-US"/>
+          </a:p>
+        </p:txBody>
+      </p:sp>
+      <p:sp>
+        <p:nvSpPr>
+          <p:cNvPr id="295" name="矩形 294">
+            <a:extLst>
+              <a:ext uri="{FF2B5EF4-FFF2-40B4-BE49-F238E27FC236}">
+                <a16:creationId xmlns:a16="http://schemas.microsoft.com/office/drawing/2014/main" id="{2FC6538C-1E4C-4D7A-AD26-F4A8D80C05CB}"/>
+              </a:ext>
+            </a:extLst>
+          </p:cNvPr>
+          <p:cNvSpPr/>
+          <p:nvPr/>
+        </p:nvSpPr>
+        <p:spPr>
+          <a:xfrm>
+            <a:off x="391510" y="1394400"/>
+            <a:ext cx="2988024" cy="3435527"/>
+          </a:xfrm>
+          <a:prstGeom prst="rect">
+            <a:avLst/>
+          </a:prstGeom>
+          <a:solidFill>
+            <a:schemeClr val="bg1">
+              <a:lumMod val="85000"/>
+            </a:schemeClr>
+          </a:solidFill>
+          <a:ln>
+            <a:solidFill>
+              <a:srgbClr val="E8E8E6"/>
+            </a:solidFill>
+          </a:ln>
+        </p:spPr>
+        <p:style>
+          <a:lnRef idx="2">
+            <a:schemeClr val="accent1">
+              <a:shade val="50000"/>
+            </a:schemeClr>
+          </a:lnRef>
+          <a:fillRef idx="1">
+            <a:schemeClr val="accent1"/>
+          </a:fillRef>
+          <a:effectRef idx="0">
+            <a:schemeClr val="accent1"/>
+          </a:effectRef>
+          <a:fontRef idx="minor">
+            <a:schemeClr val="lt1"/>
+          </a:fontRef>
+        </p:style>
+        <p:txBody>
+          <a:bodyPr lIns="91424" tIns="45712" rIns="91424" bIns="45712" rtlCol="0" anchor="ctr"/>
+          <a:lstStyle/>
+          <a:p>
+            <a:pPr algn="ctr" defTabSz="1219017"/>
+            <a:endParaRPr lang="zh-CN" altLang="en-US" sz="2399">
+              <a:solidFill>
+                <a:prstClr val="white"/>
+              </a:solidFill>
+              <a:latin typeface="Calibri"/>
+              <a:ea typeface="宋体" panose="02010600030101010101" pitchFamily="2" charset="-122"/>
+            </a:endParaRPr>
+          </a:p>
+        </p:txBody>
+      </p:sp>
+      <p:sp>
+        <p:nvSpPr>
+          <p:cNvPr id="296" name="AutoShape 12">
+            <a:extLst>
+              <a:ext uri="{FF2B5EF4-FFF2-40B4-BE49-F238E27FC236}">
+                <a16:creationId xmlns:a16="http://schemas.microsoft.com/office/drawing/2014/main" id="{6BCA3978-EBFB-446B-B277-CB98BF3084AE}"/>
+              </a:ext>
+            </a:extLst>
+          </p:cNvPr>
+          <p:cNvSpPr>
+            <a:spLocks noChangeArrowheads="1"/>
+          </p:cNvSpPr>
+          <p:nvPr/>
+        </p:nvSpPr>
+        <p:spPr bwMode="auto">
+          <a:xfrm>
+            <a:off x="397670" y="1216460"/>
+            <a:ext cx="2994889" cy="410633"/>
+          </a:xfrm>
+          <a:prstGeom prst="homePlate">
+            <a:avLst>
+              <a:gd name="adj" fmla="val 63872"/>
+            </a:avLst>
+          </a:prstGeom>
+          <a:solidFill>
+            <a:schemeClr val="accent1"/>
+          </a:solidFill>
+          <a:ln w="9525">
+            <a:noFill/>
+            <a:miter lim="800000"/>
+            <a:headEnd/>
+            <a:tailEnd/>
+          </a:ln>
+        </p:spPr>
+        <p:txBody>
+          <a:bodyPr wrap="none" lIns="91424" tIns="45712" rIns="91424" bIns="45712" anchor="ctr"/>
+          <a:lstStyle/>
+          <a:p>
+            <a:pPr algn="ctr" defTabSz="1219017"/>
+            <a:r>
+              <a:rPr lang="zh-CN" altLang="en-US" sz="2399" b="1" dirty="0">
+                <a:solidFill>
+                  <a:prstClr val="white"/>
+                </a:solidFill>
+                <a:latin typeface="微软雅黑" pitchFamily="34" charset="-122"/>
+                <a:ea typeface="微软雅黑" pitchFamily="34" charset="-122"/>
+              </a:rPr>
+              <a:t>成果</a:t>
+            </a:r>
+          </a:p>
+        </p:txBody>
+      </p:sp>
+      <p:sp>
+        <p:nvSpPr>
+          <p:cNvPr id="297" name="TextBox 5">
+            <a:extLst>
+              <a:ext uri="{FF2B5EF4-FFF2-40B4-BE49-F238E27FC236}">
+                <a16:creationId xmlns:a16="http://schemas.microsoft.com/office/drawing/2014/main" id="{5845C5F9-A9A1-4493-9C5A-D882C8FA63B3}"/>
+              </a:ext>
+            </a:extLst>
+          </p:cNvPr>
+          <p:cNvSpPr txBox="1"/>
+          <p:nvPr/>
+        </p:nvSpPr>
+        <p:spPr>
+          <a:xfrm>
+            <a:off x="354487" y="1574616"/>
+            <a:ext cx="2988024" cy="3260107"/>
+          </a:xfrm>
+          <a:prstGeom prst="rect">
+            <a:avLst/>
+          </a:prstGeom>
+          <a:noFill/>
+        </p:spPr>
+        <p:txBody>
+          <a:bodyPr wrap="square" lIns="91424" tIns="45712" rIns="91424" bIns="45712" rtlCol="0">
+            <a:spAutoFit/>
+          </a:bodyPr>
+          <a:lstStyle/>
+          <a:p>
+            <a:pPr marL="285750" indent="-285750" defTabSz="1219017">
+              <a:lnSpc>
+                <a:spcPct val="130000"/>
+              </a:lnSpc>
+              <a:buFont typeface="Wingdings" panose="05000000000000000000" pitchFamily="2" charset="2"/>
+              <a:buChar char="n"/>
+            </a:pPr>
+            <a:r>
+              <a:rPr lang="zh-CN" altLang="en-US" sz="1599" dirty="0">
+                <a:solidFill>
+                  <a:sysClr val="windowText" lastClr="000000"/>
+                </a:solidFill>
+                <a:latin typeface="微软雅黑" pitchFamily="34" charset="-122"/>
+                <a:ea typeface="微软雅黑" pitchFamily="34" charset="-122"/>
+              </a:rPr>
+              <a:t>灵活性</a:t>
+            </a:r>
+            <a:r>
+              <a:rPr lang="en-US" altLang="zh-CN" sz="1599" dirty="0">
+                <a:solidFill>
+                  <a:sysClr val="windowText" lastClr="000000"/>
+                </a:solidFill>
+                <a:latin typeface="微软雅黑" pitchFamily="34" charset="-122"/>
+                <a:ea typeface="微软雅黑" pitchFamily="34" charset="-122"/>
+              </a:rPr>
+              <a:t>:</a:t>
+            </a:r>
+            <a:r>
+              <a:rPr lang="zh-CN" altLang="en-US" sz="1599" dirty="0">
+                <a:solidFill>
+                  <a:sysClr val="windowText" lastClr="000000"/>
+                </a:solidFill>
+                <a:latin typeface="微软雅黑" pitchFamily="34" charset="-122"/>
+                <a:ea typeface="微软雅黑" pitchFamily="34" charset="-122"/>
+              </a:rPr>
+              <a:t>硬件可根据客户需求快速调整。</a:t>
+            </a:r>
+            <a:endParaRPr lang="en-US" altLang="zh-CN" sz="1599" dirty="0">
+              <a:solidFill>
+                <a:sysClr val="windowText" lastClr="000000"/>
+              </a:solidFill>
+              <a:latin typeface="微软雅黑" pitchFamily="34" charset="-122"/>
+              <a:ea typeface="微软雅黑" pitchFamily="34" charset="-122"/>
+            </a:endParaRPr>
+          </a:p>
+          <a:p>
+            <a:pPr marL="285750" indent="-285750" defTabSz="1219017">
+              <a:lnSpc>
+                <a:spcPct val="130000"/>
+              </a:lnSpc>
+              <a:buFont typeface="Wingdings" panose="05000000000000000000" pitchFamily="2" charset="2"/>
+              <a:buChar char="n"/>
+            </a:pPr>
+            <a:r>
+              <a:rPr lang="zh-CN" altLang="en-US" sz="1599" dirty="0">
+                <a:solidFill>
+                  <a:sysClr val="windowText" lastClr="000000"/>
+                </a:solidFill>
+                <a:latin typeface="微软雅黑" pitchFamily="34" charset="-122"/>
+                <a:ea typeface="微软雅黑" pitchFamily="34" charset="-122"/>
+              </a:rPr>
+              <a:t>兼容性</a:t>
+            </a:r>
+            <a:r>
+              <a:rPr lang="en-US" altLang="zh-CN" sz="1599" dirty="0">
+                <a:solidFill>
+                  <a:sysClr val="windowText" lastClr="000000"/>
+                </a:solidFill>
+                <a:latin typeface="微软雅黑" pitchFamily="34" charset="-122"/>
+                <a:ea typeface="微软雅黑" pitchFamily="34" charset="-122"/>
+              </a:rPr>
+              <a:t>:</a:t>
+            </a:r>
+            <a:r>
+              <a:rPr lang="zh-CN" altLang="en-US" sz="1599" dirty="0">
+                <a:solidFill>
+                  <a:sysClr val="windowText" lastClr="000000"/>
+                </a:solidFill>
+                <a:latin typeface="微软雅黑" pitchFamily="34" charset="-122"/>
+                <a:ea typeface="微软雅黑" pitchFamily="34" charset="-122"/>
+              </a:rPr>
+              <a:t>软件可以兼容多种不同类型、不同背景产品，并可以快速切换。</a:t>
+            </a:r>
+            <a:endParaRPr lang="en-US" altLang="zh-CN" sz="1599" dirty="0">
+              <a:solidFill>
+                <a:sysClr val="windowText" lastClr="000000"/>
+              </a:solidFill>
+              <a:latin typeface="微软雅黑" pitchFamily="34" charset="-122"/>
+              <a:ea typeface="微软雅黑" pitchFamily="34" charset="-122"/>
+            </a:endParaRPr>
+          </a:p>
+          <a:p>
+            <a:pPr marL="285750" indent="-285750" defTabSz="1219017">
+              <a:lnSpc>
+                <a:spcPct val="130000"/>
+              </a:lnSpc>
+              <a:buFont typeface="Wingdings" panose="05000000000000000000" pitchFamily="2" charset="2"/>
+              <a:buChar char="n"/>
+            </a:pPr>
+            <a:r>
+              <a:rPr lang="zh-CN" altLang="en-US" sz="1599" dirty="0">
+                <a:solidFill>
+                  <a:sysClr val="windowText" lastClr="000000"/>
+                </a:solidFill>
+                <a:latin typeface="微软雅黑" pitchFamily="34" charset="-122"/>
+                <a:ea typeface="微软雅黑" pitchFamily="34" charset="-122"/>
+              </a:rPr>
+              <a:t>稳定性</a:t>
+            </a:r>
+            <a:r>
+              <a:rPr lang="en-US" altLang="zh-CN" sz="1599" dirty="0">
+                <a:solidFill>
+                  <a:sysClr val="windowText" lastClr="000000"/>
+                </a:solidFill>
+                <a:latin typeface="微软雅黑" pitchFamily="34" charset="-122"/>
+                <a:ea typeface="微软雅黑" pitchFamily="34" charset="-122"/>
+              </a:rPr>
+              <a:t>:</a:t>
+            </a:r>
+            <a:r>
+              <a:rPr lang="zh-CN" altLang="en-US" sz="1599" dirty="0">
+                <a:solidFill>
+                  <a:sysClr val="windowText" lastClr="000000"/>
+                </a:solidFill>
+                <a:latin typeface="微软雅黑" pitchFamily="34" charset="-122"/>
+                <a:ea typeface="微软雅黑" pitchFamily="34" charset="-122"/>
+              </a:rPr>
+              <a:t>软硬件上线</a:t>
+            </a:r>
+            <a:r>
+              <a:rPr lang="en-US" altLang="zh-CN" sz="1599" dirty="0">
+                <a:solidFill>
+                  <a:sysClr val="windowText" lastClr="000000"/>
+                </a:solidFill>
+                <a:latin typeface="微软雅黑" pitchFamily="34" charset="-122"/>
+                <a:ea typeface="微软雅黑" pitchFamily="34" charset="-122"/>
+              </a:rPr>
+              <a:t>1000h+</a:t>
+            </a:r>
+            <a:r>
+              <a:rPr lang="zh-CN" altLang="en-US" sz="1599" dirty="0">
+                <a:solidFill>
+                  <a:sysClr val="windowText" lastClr="000000"/>
+                </a:solidFill>
+                <a:latin typeface="微软雅黑" pitchFamily="34" charset="-122"/>
+                <a:ea typeface="微软雅黑" pitchFamily="34" charset="-122"/>
+              </a:rPr>
+              <a:t>正常运行。</a:t>
+            </a:r>
+            <a:endParaRPr lang="en-US" altLang="zh-CN" sz="1599" dirty="0">
+              <a:solidFill>
+                <a:sysClr val="windowText" lastClr="000000"/>
+              </a:solidFill>
+              <a:latin typeface="微软雅黑" pitchFamily="34" charset="-122"/>
+              <a:ea typeface="微软雅黑" pitchFamily="34" charset="-122"/>
+            </a:endParaRPr>
+          </a:p>
+          <a:p>
+            <a:pPr marL="285750" indent="-285750" defTabSz="1219017">
+              <a:lnSpc>
+                <a:spcPct val="130000"/>
+              </a:lnSpc>
+              <a:buFont typeface="Wingdings" panose="05000000000000000000" pitchFamily="2" charset="2"/>
+              <a:buChar char="n"/>
+            </a:pPr>
+            <a:r>
+              <a:rPr lang="zh-CN" altLang="en-US" sz="1599" dirty="0">
+                <a:solidFill>
+                  <a:sysClr val="windowText" lastClr="000000"/>
+                </a:solidFill>
+                <a:latin typeface="微软雅黑" pitchFamily="34" charset="-122"/>
+                <a:ea typeface="微软雅黑" pitchFamily="34" charset="-122"/>
+              </a:rPr>
+              <a:t>高速性</a:t>
+            </a:r>
+            <a:r>
+              <a:rPr lang="en-US" altLang="zh-CN" sz="1599" dirty="0">
+                <a:solidFill>
+                  <a:sysClr val="windowText" lastClr="000000"/>
+                </a:solidFill>
+                <a:latin typeface="微软雅黑" pitchFamily="34" charset="-122"/>
+                <a:ea typeface="微软雅黑" pitchFamily="34" charset="-122"/>
+              </a:rPr>
+              <a:t>:</a:t>
+            </a:r>
+            <a:r>
+              <a:rPr lang="zh-CN" altLang="en-US" sz="1599" dirty="0">
+                <a:solidFill>
+                  <a:sysClr val="windowText" lastClr="000000"/>
+                </a:solidFill>
+                <a:latin typeface="微软雅黑" pitchFamily="34" charset="-122"/>
+                <a:ea typeface="微软雅黑" pitchFamily="34" charset="-122"/>
+              </a:rPr>
+              <a:t>线体高速</a:t>
+            </a:r>
+            <a:r>
+              <a:rPr lang="en-US" altLang="zh-CN" sz="1599" dirty="0">
+                <a:solidFill>
+                  <a:sysClr val="windowText" lastClr="000000"/>
+                </a:solidFill>
+                <a:latin typeface="微软雅黑" pitchFamily="34" charset="-122"/>
+                <a:ea typeface="微软雅黑" pitchFamily="34" charset="-122"/>
+              </a:rPr>
+              <a:t>(1.7m/s)</a:t>
+            </a:r>
+            <a:r>
+              <a:rPr lang="zh-CN" altLang="en-US" sz="1599" dirty="0">
+                <a:solidFill>
+                  <a:sysClr val="windowText" lastClr="000000"/>
+                </a:solidFill>
+                <a:latin typeface="微软雅黑" pitchFamily="34" charset="-122"/>
+                <a:ea typeface="微软雅黑" pitchFamily="34" charset="-122"/>
+              </a:rPr>
+              <a:t>运行状态可快速采集并实时检出。</a:t>
+            </a:r>
+          </a:p>
+        </p:txBody>
+      </p:sp>
+      <p:sp>
+        <p:nvSpPr>
+          <p:cNvPr id="298" name="矩形 297">
+            <a:extLst>
+              <a:ext uri="{FF2B5EF4-FFF2-40B4-BE49-F238E27FC236}">
+                <a16:creationId xmlns:a16="http://schemas.microsoft.com/office/drawing/2014/main" id="{3E87AB8B-F39C-4216-9779-808DD52223F5}"/>
+              </a:ext>
+            </a:extLst>
+          </p:cNvPr>
+          <p:cNvSpPr/>
+          <p:nvPr/>
+        </p:nvSpPr>
+        <p:spPr>
+          <a:xfrm>
+            <a:off x="4068988" y="1401028"/>
+            <a:ext cx="2968497" cy="3428899"/>
+          </a:xfrm>
+          <a:prstGeom prst="rect">
+            <a:avLst/>
+          </a:prstGeom>
+          <a:solidFill>
+            <a:schemeClr val="bg1">
+              <a:lumMod val="85000"/>
+            </a:schemeClr>
+          </a:solidFill>
+          <a:ln>
+            <a:solidFill>
+              <a:srgbClr val="E8E8E6"/>
+            </a:solidFill>
+          </a:ln>
+        </p:spPr>
+        <p:style>
+          <a:lnRef idx="2">
+            <a:schemeClr val="accent1">
+              <a:shade val="50000"/>
+            </a:schemeClr>
+          </a:lnRef>
+          <a:fillRef idx="1">
+            <a:schemeClr val="accent1"/>
+          </a:fillRef>
+          <a:effectRef idx="0">
+            <a:schemeClr val="accent1"/>
+          </a:effectRef>
+          <a:fontRef idx="minor">
+            <a:schemeClr val="lt1"/>
+          </a:fontRef>
+        </p:style>
+        <p:txBody>
+          <a:bodyPr lIns="91424" tIns="45712" rIns="91424" bIns="45712" rtlCol="0" anchor="ctr"/>
+          <a:lstStyle/>
+          <a:p>
+            <a:pPr algn="ctr" defTabSz="1219017"/>
+            <a:endParaRPr lang="zh-CN" altLang="en-US" sz="2399">
+              <a:solidFill>
+                <a:prstClr val="white"/>
+              </a:solidFill>
+              <a:latin typeface="Calibri"/>
+              <a:ea typeface="宋体" panose="02010600030101010101" pitchFamily="2" charset="-122"/>
+            </a:endParaRPr>
+          </a:p>
+        </p:txBody>
+      </p:sp>
+      <p:sp>
+        <p:nvSpPr>
+          <p:cNvPr id="299" name="AutoShape 12">
+            <a:extLst>
+              <a:ext uri="{FF2B5EF4-FFF2-40B4-BE49-F238E27FC236}">
+                <a16:creationId xmlns:a16="http://schemas.microsoft.com/office/drawing/2014/main" id="{DDE158D9-39C5-4275-9A38-75AD629E366B}"/>
+              </a:ext>
+            </a:extLst>
+          </p:cNvPr>
+          <p:cNvSpPr>
+            <a:spLocks noChangeArrowheads="1"/>
+          </p:cNvSpPr>
+          <p:nvPr/>
+        </p:nvSpPr>
+        <p:spPr bwMode="auto">
+          <a:xfrm>
+            <a:off x="4068646" y="1183057"/>
+            <a:ext cx="2968497" cy="417261"/>
+          </a:xfrm>
+          <a:prstGeom prst="homePlate">
+            <a:avLst>
+              <a:gd name="adj" fmla="val 63872"/>
+            </a:avLst>
+          </a:prstGeom>
+          <a:solidFill>
+            <a:schemeClr val="accent1"/>
+          </a:solidFill>
+          <a:ln w="9525">
+            <a:noFill/>
+            <a:miter lim="800000"/>
+            <a:headEnd/>
+            <a:tailEnd/>
+          </a:ln>
+        </p:spPr>
+        <p:txBody>
+          <a:bodyPr wrap="none" lIns="91424" tIns="45712" rIns="91424" bIns="45712" anchor="ctr"/>
+          <a:lstStyle/>
+          <a:p>
+            <a:pPr algn="ctr" defTabSz="1219017"/>
+            <a:r>
+              <a:rPr lang="zh-CN" altLang="en-US" sz="2399" b="1" dirty="0">
+                <a:solidFill>
+                  <a:prstClr val="white"/>
+                </a:solidFill>
+                <a:latin typeface="微软雅黑" pitchFamily="34" charset="-122"/>
+                <a:ea typeface="微软雅黑" pitchFamily="34" charset="-122"/>
+              </a:rPr>
+              <a:t>创新</a:t>
+            </a:r>
+          </a:p>
+        </p:txBody>
+      </p:sp>
+      <p:sp>
+        <p:nvSpPr>
+          <p:cNvPr id="300" name="TextBox 5">
+            <a:extLst>
+              <a:ext uri="{FF2B5EF4-FFF2-40B4-BE49-F238E27FC236}">
+                <a16:creationId xmlns:a16="http://schemas.microsoft.com/office/drawing/2014/main" id="{ABC291DE-6381-4D55-9903-179868B21FB0}"/>
+              </a:ext>
+            </a:extLst>
+          </p:cNvPr>
+          <p:cNvSpPr txBox="1"/>
+          <p:nvPr/>
+        </p:nvSpPr>
+        <p:spPr>
+          <a:xfrm>
+            <a:off x="4031622" y="1651312"/>
+            <a:ext cx="3141117" cy="1660631"/>
+          </a:xfrm>
+          <a:prstGeom prst="rect">
+            <a:avLst/>
+          </a:prstGeom>
+          <a:noFill/>
+        </p:spPr>
+        <p:txBody>
+          <a:bodyPr wrap="square" lIns="91424" tIns="45712" rIns="91424" bIns="45712" rtlCol="0">
+            <a:spAutoFit/>
+          </a:bodyPr>
+          <a:lstStyle/>
+          <a:p>
+            <a:pPr marL="285750" indent="-285750" defTabSz="1219017">
+              <a:lnSpc>
+                <a:spcPct val="130000"/>
+              </a:lnSpc>
+              <a:buFont typeface="Wingdings" panose="05000000000000000000" pitchFamily="2" charset="2"/>
+              <a:buChar char="n"/>
+            </a:pPr>
+            <a:r>
+              <a:rPr lang="zh-CN" altLang="en-US" sz="1599" dirty="0">
+                <a:solidFill>
+                  <a:sysClr val="windowText" lastClr="000000"/>
+                </a:solidFill>
+                <a:latin typeface="微软雅黑" pitchFamily="34" charset="-122"/>
+                <a:ea typeface="微软雅黑" pitchFamily="34" charset="-122"/>
+              </a:rPr>
+              <a:t>采用</a:t>
+            </a:r>
+            <a:r>
+              <a:rPr lang="en-US" altLang="zh-CN" sz="1599" dirty="0">
+                <a:solidFill>
+                  <a:sysClr val="windowText" lastClr="000000"/>
+                </a:solidFill>
+                <a:latin typeface="微软雅黑" pitchFamily="34" charset="-122"/>
+                <a:ea typeface="微软雅黑" pitchFamily="34" charset="-122"/>
+              </a:rPr>
+              <a:t>AI</a:t>
+            </a:r>
+            <a:r>
+              <a:rPr lang="zh-CN" altLang="en-US" sz="1599" dirty="0">
+                <a:solidFill>
+                  <a:sysClr val="windowText" lastClr="000000"/>
+                </a:solidFill>
+                <a:latin typeface="微软雅黑" pitchFamily="34" charset="-122"/>
+                <a:ea typeface="微软雅黑" pitchFamily="34" charset="-122"/>
+              </a:rPr>
+              <a:t>检测算法。</a:t>
+            </a:r>
+            <a:endParaRPr lang="en-US" altLang="zh-CN" sz="1599" dirty="0">
+              <a:solidFill>
+                <a:sysClr val="windowText" lastClr="000000"/>
+              </a:solidFill>
+              <a:latin typeface="微软雅黑" pitchFamily="34" charset="-122"/>
+              <a:ea typeface="微软雅黑" pitchFamily="34" charset="-122"/>
+            </a:endParaRPr>
+          </a:p>
+          <a:p>
+            <a:pPr marL="285750" indent="-285750" defTabSz="1219017">
+              <a:lnSpc>
+                <a:spcPct val="130000"/>
+              </a:lnSpc>
+              <a:buFont typeface="Wingdings" panose="05000000000000000000" pitchFamily="2" charset="2"/>
+              <a:buChar char="n"/>
+            </a:pPr>
+            <a:r>
+              <a:rPr lang="zh-CN" altLang="en-US" sz="1599" dirty="0">
+                <a:solidFill>
+                  <a:sysClr val="windowText" lastClr="000000"/>
+                </a:solidFill>
+                <a:latin typeface="微软雅黑" pitchFamily="34" charset="-122"/>
+                <a:ea typeface="微软雅黑" pitchFamily="34" charset="-122"/>
+              </a:rPr>
+              <a:t>算法极限检测能力</a:t>
+            </a:r>
+            <a:r>
+              <a:rPr lang="en-US" altLang="zh-CN" sz="1599" dirty="0">
+                <a:solidFill>
+                  <a:sysClr val="windowText" lastClr="000000"/>
+                </a:solidFill>
+                <a:latin typeface="微软雅黑" pitchFamily="34" charset="-122"/>
+                <a:ea typeface="微软雅黑" pitchFamily="34" charset="-122"/>
+              </a:rPr>
+              <a:t>3*3pixel</a:t>
+            </a:r>
+            <a:r>
+              <a:rPr lang="zh-CN" altLang="en-US" sz="1599" dirty="0">
+                <a:solidFill>
+                  <a:sysClr val="windowText" lastClr="000000"/>
+                </a:solidFill>
+                <a:latin typeface="微软雅黑" pitchFamily="34" charset="-122"/>
+                <a:ea typeface="微软雅黑" pitchFamily="34" charset="-122"/>
+              </a:rPr>
+              <a:t>。</a:t>
+            </a:r>
+            <a:endParaRPr lang="en-US" altLang="zh-CN" sz="1599" dirty="0">
+              <a:solidFill>
+                <a:sysClr val="windowText" lastClr="000000"/>
+              </a:solidFill>
+              <a:latin typeface="微软雅黑" pitchFamily="34" charset="-122"/>
+              <a:ea typeface="微软雅黑" pitchFamily="34" charset="-122"/>
+            </a:endParaRPr>
+          </a:p>
+          <a:p>
+            <a:pPr marL="285750" indent="-285750" defTabSz="1219017">
+              <a:lnSpc>
+                <a:spcPct val="130000"/>
+              </a:lnSpc>
+              <a:buFont typeface="Wingdings" panose="05000000000000000000" pitchFamily="2" charset="2"/>
+              <a:buChar char="n"/>
+            </a:pPr>
+            <a:r>
+              <a:rPr lang="zh-CN" altLang="en-US" sz="1599" dirty="0">
+                <a:solidFill>
+                  <a:sysClr val="windowText" lastClr="000000"/>
+                </a:solidFill>
+                <a:latin typeface="微软雅黑" pitchFamily="34" charset="-122"/>
+                <a:ea typeface="微软雅黑" pitchFamily="34" charset="-122"/>
+              </a:rPr>
+              <a:t>算法可以准确进行多分类。</a:t>
+            </a:r>
+            <a:endParaRPr lang="en-US" altLang="zh-CN" sz="1599" dirty="0">
+              <a:solidFill>
+                <a:sysClr val="windowText" lastClr="000000"/>
+              </a:solidFill>
+              <a:latin typeface="微软雅黑" pitchFamily="34" charset="-122"/>
+              <a:ea typeface="微软雅黑" pitchFamily="34" charset="-122"/>
+            </a:endParaRPr>
+          </a:p>
+          <a:p>
+            <a:pPr marL="285750" indent="-285750" defTabSz="1219017">
+              <a:lnSpc>
+                <a:spcPct val="130000"/>
+              </a:lnSpc>
+              <a:buFont typeface="Wingdings" panose="05000000000000000000" pitchFamily="2" charset="2"/>
+              <a:buChar char="n"/>
+            </a:pPr>
+            <a:r>
+              <a:rPr lang="zh-CN" altLang="en-US" sz="1599" dirty="0">
+                <a:solidFill>
+                  <a:sysClr val="windowText" lastClr="000000"/>
+                </a:solidFill>
+                <a:latin typeface="微软雅黑" pitchFamily="34" charset="-122"/>
+                <a:ea typeface="微软雅黑" pitchFamily="34" charset="-122"/>
+              </a:rPr>
+              <a:t>各工艺制程算法通用性好。</a:t>
+            </a:r>
+            <a:endParaRPr lang="en-US" altLang="zh-CN" sz="1599" dirty="0">
+              <a:solidFill>
+                <a:sysClr val="windowText" lastClr="000000"/>
+              </a:solidFill>
+              <a:latin typeface="微软雅黑" pitchFamily="34" charset="-122"/>
+              <a:ea typeface="微软雅黑" pitchFamily="34" charset="-122"/>
+            </a:endParaRPr>
+          </a:p>
+          <a:p>
+            <a:pPr defTabSz="1219017">
+              <a:lnSpc>
+                <a:spcPct val="130000"/>
+              </a:lnSpc>
+            </a:pPr>
+            <a:endParaRPr lang="zh-CN" altLang="en-US" sz="1599" dirty="0">
+              <a:solidFill>
+                <a:sysClr val="windowText" lastClr="000000"/>
+              </a:solidFill>
+              <a:latin typeface="微软雅黑" pitchFamily="34" charset="-122"/>
+              <a:ea typeface="微软雅黑" pitchFamily="34" charset="-122"/>
+            </a:endParaRPr>
+          </a:p>
+        </p:txBody>
+      </p:sp>
+      <p:sp>
+        <p:nvSpPr>
+          <p:cNvPr id="301" name="矩形 300">
+            <a:extLst>
+              <a:ext uri="{FF2B5EF4-FFF2-40B4-BE49-F238E27FC236}">
+                <a16:creationId xmlns:a16="http://schemas.microsoft.com/office/drawing/2014/main" id="{5B11EBC8-2FD8-431B-A2DD-8B7CC6540372}"/>
+              </a:ext>
+            </a:extLst>
+          </p:cNvPr>
+          <p:cNvSpPr/>
+          <p:nvPr/>
+        </p:nvSpPr>
+        <p:spPr>
+          <a:xfrm>
+            <a:off x="7617267" y="1414280"/>
+            <a:ext cx="2933494" cy="3457850"/>
+          </a:xfrm>
+          <a:prstGeom prst="rect">
+            <a:avLst/>
+          </a:prstGeom>
+          <a:solidFill>
+            <a:schemeClr val="bg1">
+              <a:lumMod val="85000"/>
+            </a:schemeClr>
+          </a:solidFill>
+          <a:ln>
+            <a:solidFill>
+              <a:srgbClr val="E8E8E6"/>
+            </a:solidFill>
+          </a:ln>
+        </p:spPr>
+        <p:style>
+          <a:lnRef idx="2">
+            <a:schemeClr val="accent1">
+              <a:shade val="50000"/>
+            </a:schemeClr>
+          </a:lnRef>
+          <a:fillRef idx="1">
+            <a:schemeClr val="accent1"/>
+          </a:fillRef>
+          <a:effectRef idx="0">
+            <a:schemeClr val="accent1"/>
+          </a:effectRef>
+          <a:fontRef idx="minor">
+            <a:schemeClr val="lt1"/>
+          </a:fontRef>
+        </p:style>
+        <p:txBody>
+          <a:bodyPr lIns="91424" tIns="45712" rIns="91424" bIns="45712" rtlCol="0" anchor="ctr"/>
+          <a:lstStyle/>
+          <a:p>
+            <a:pPr algn="ctr" defTabSz="1219017"/>
+            <a:endParaRPr lang="zh-CN" altLang="en-US" sz="2399">
+              <a:solidFill>
+                <a:prstClr val="white"/>
+              </a:solidFill>
+              <a:latin typeface="Calibri"/>
+              <a:ea typeface="宋体" panose="02010600030101010101" pitchFamily="2" charset="-122"/>
+            </a:endParaRPr>
+          </a:p>
+        </p:txBody>
+      </p:sp>
+      <p:sp>
+        <p:nvSpPr>
+          <p:cNvPr id="302" name="AutoShape 12">
+            <a:extLst>
+              <a:ext uri="{FF2B5EF4-FFF2-40B4-BE49-F238E27FC236}">
+                <a16:creationId xmlns:a16="http://schemas.microsoft.com/office/drawing/2014/main" id="{A27C6198-CECD-4170-AEC3-FBBF190DA209}"/>
+              </a:ext>
+            </a:extLst>
+          </p:cNvPr>
+          <p:cNvSpPr>
+            <a:spLocks noChangeArrowheads="1"/>
+          </p:cNvSpPr>
+          <p:nvPr/>
+        </p:nvSpPr>
+        <p:spPr bwMode="auto">
+          <a:xfrm>
+            <a:off x="7630292" y="1183988"/>
+            <a:ext cx="2968497" cy="433137"/>
+          </a:xfrm>
+          <a:prstGeom prst="homePlate">
+            <a:avLst>
+              <a:gd name="adj" fmla="val 63872"/>
+            </a:avLst>
+          </a:prstGeom>
+          <a:solidFill>
+            <a:schemeClr val="accent1"/>
+          </a:solidFill>
+          <a:ln w="9525">
+            <a:noFill/>
+            <a:miter lim="800000"/>
+            <a:headEnd/>
+            <a:tailEnd/>
+          </a:ln>
+        </p:spPr>
+        <p:txBody>
+          <a:bodyPr wrap="none" lIns="91424" tIns="45712" rIns="91424" bIns="45712" anchor="ctr"/>
+          <a:lstStyle/>
+          <a:p>
+            <a:pPr algn="ctr" defTabSz="1219017"/>
+            <a:r>
+              <a:rPr lang="zh-CN" altLang="en-US" sz="2399" b="1" dirty="0">
+                <a:solidFill>
+                  <a:prstClr val="white"/>
+                </a:solidFill>
+                <a:latin typeface="微软雅黑" pitchFamily="34" charset="-122"/>
+                <a:ea typeface="微软雅黑" pitchFamily="34" charset="-122"/>
+              </a:rPr>
+              <a:t>未来潜力</a:t>
+            </a:r>
+          </a:p>
+        </p:txBody>
+      </p:sp>
+      <p:sp>
+        <p:nvSpPr>
+          <p:cNvPr id="303" name="TextBox 5">
+            <a:extLst>
+              <a:ext uri="{FF2B5EF4-FFF2-40B4-BE49-F238E27FC236}">
+                <a16:creationId xmlns:a16="http://schemas.microsoft.com/office/drawing/2014/main" id="{7729C9EF-A861-4B44-9139-A8CAE2E2BFC2}"/>
+              </a:ext>
+            </a:extLst>
+          </p:cNvPr>
+          <p:cNvSpPr txBox="1"/>
+          <p:nvPr/>
+        </p:nvSpPr>
+        <p:spPr>
+          <a:xfrm>
+            <a:off x="7654290" y="1597334"/>
+            <a:ext cx="2859448" cy="2300422"/>
+          </a:xfrm>
+          <a:prstGeom prst="rect">
+            <a:avLst/>
+          </a:prstGeom>
+          <a:noFill/>
+        </p:spPr>
+        <p:txBody>
+          <a:bodyPr wrap="square" lIns="91424" tIns="45712" rIns="91424" bIns="45712" rtlCol="0">
+            <a:spAutoFit/>
+          </a:bodyPr>
+          <a:lstStyle/>
+          <a:p>
+            <a:pPr marL="285750" indent="-285750" defTabSz="1219017">
+              <a:lnSpc>
+                <a:spcPct val="130000"/>
+              </a:lnSpc>
+              <a:buFont typeface="Wingdings" panose="05000000000000000000" pitchFamily="2" charset="2"/>
+              <a:buChar char="n"/>
+            </a:pPr>
+            <a:r>
+              <a:rPr lang="zh-CN" altLang="en-US" sz="1599" dirty="0">
+                <a:solidFill>
+                  <a:sysClr val="windowText" lastClr="000000"/>
+                </a:solidFill>
+                <a:latin typeface="微软雅黑" pitchFamily="34" charset="-122"/>
+                <a:ea typeface="微软雅黑" pitchFamily="34" charset="-122"/>
+              </a:rPr>
+              <a:t>可推广至全国各大</a:t>
+            </a:r>
+            <a:r>
+              <a:rPr lang="en-US" altLang="zh-CN" sz="1599" dirty="0">
+                <a:solidFill>
+                  <a:sysClr val="windowText" lastClr="000000"/>
+                </a:solidFill>
+                <a:latin typeface="微软雅黑" pitchFamily="34" charset="-122"/>
+                <a:ea typeface="微软雅黑" pitchFamily="34" charset="-122"/>
+              </a:rPr>
+              <a:t>TFT LCD</a:t>
+            </a:r>
+            <a:r>
+              <a:rPr lang="zh-CN" altLang="en-US" sz="1599" dirty="0">
+                <a:solidFill>
+                  <a:sysClr val="windowText" lastClr="000000"/>
+                </a:solidFill>
+                <a:latin typeface="微软雅黑" pitchFamily="34" charset="-122"/>
+                <a:ea typeface="微软雅黑" pitchFamily="34" charset="-122"/>
+              </a:rPr>
+              <a:t>面板厂。</a:t>
+            </a:r>
+            <a:endParaRPr lang="en-US" altLang="zh-CN" sz="1599" dirty="0">
+              <a:solidFill>
+                <a:sysClr val="windowText" lastClr="000000"/>
+              </a:solidFill>
+              <a:latin typeface="微软雅黑" pitchFamily="34" charset="-122"/>
+              <a:ea typeface="微软雅黑" pitchFamily="34" charset="-122"/>
+            </a:endParaRPr>
+          </a:p>
+          <a:p>
+            <a:pPr marL="285750" indent="-285750" defTabSz="1219017">
+              <a:lnSpc>
+                <a:spcPct val="130000"/>
+              </a:lnSpc>
+              <a:buFont typeface="Wingdings" panose="05000000000000000000" pitchFamily="2" charset="2"/>
+              <a:buChar char="n"/>
+            </a:pPr>
+            <a:r>
+              <a:rPr lang="zh-CN" altLang="en-US" sz="1599" dirty="0">
+                <a:solidFill>
+                  <a:sysClr val="windowText" lastClr="000000"/>
+                </a:solidFill>
+                <a:latin typeface="微软雅黑" pitchFamily="34" charset="-122"/>
+                <a:ea typeface="微软雅黑" pitchFamily="34" charset="-122"/>
+              </a:rPr>
+              <a:t>面板各制程可复刻性强。        </a:t>
+            </a:r>
+            <a:endParaRPr lang="en-US" altLang="zh-CN" sz="1599" dirty="0">
+              <a:solidFill>
+                <a:sysClr val="windowText" lastClr="000000"/>
+              </a:solidFill>
+              <a:latin typeface="微软雅黑" pitchFamily="34" charset="-122"/>
+              <a:ea typeface="微软雅黑" pitchFamily="34" charset="-122"/>
+            </a:endParaRPr>
+          </a:p>
+          <a:p>
+            <a:pPr marL="285750" indent="-285750" defTabSz="1219017">
+              <a:lnSpc>
+                <a:spcPct val="130000"/>
+              </a:lnSpc>
+              <a:buFont typeface="Wingdings" panose="05000000000000000000" pitchFamily="2" charset="2"/>
+              <a:buChar char="Ø"/>
+            </a:pPr>
+            <a:r>
+              <a:rPr lang="zh-CN" altLang="en-US" sz="1599" dirty="0">
+                <a:solidFill>
+                  <a:sysClr val="windowText" lastClr="000000"/>
+                </a:solidFill>
+                <a:latin typeface="微软雅黑" pitchFamily="34" charset="-122"/>
+                <a:ea typeface="微软雅黑" pitchFamily="34" charset="-122"/>
+              </a:rPr>
+              <a:t>     </a:t>
+            </a:r>
+            <a:r>
+              <a:rPr lang="en-US" altLang="zh-CN" sz="1599" dirty="0">
+                <a:solidFill>
+                  <a:sysClr val="windowText" lastClr="000000"/>
+                </a:solidFill>
+                <a:latin typeface="微软雅黑" pitchFamily="34" charset="-122"/>
+                <a:ea typeface="微软雅黑" pitchFamily="34" charset="-122"/>
+              </a:rPr>
+              <a:t>Array</a:t>
+            </a:r>
+            <a:r>
+              <a:rPr lang="zh-CN" altLang="en-US" sz="1599" dirty="0">
+                <a:solidFill>
+                  <a:sysClr val="windowText" lastClr="000000"/>
+                </a:solidFill>
+                <a:latin typeface="微软雅黑" pitchFamily="34" charset="-122"/>
+                <a:ea typeface="微软雅黑" pitchFamily="34" charset="-122"/>
+              </a:rPr>
+              <a:t>制程</a:t>
+            </a:r>
+            <a:endParaRPr lang="en-US" altLang="zh-CN" sz="1599" dirty="0">
+              <a:solidFill>
+                <a:sysClr val="windowText" lastClr="000000"/>
+              </a:solidFill>
+              <a:latin typeface="微软雅黑" pitchFamily="34" charset="-122"/>
+              <a:ea typeface="微软雅黑" pitchFamily="34" charset="-122"/>
+            </a:endParaRPr>
+          </a:p>
+          <a:p>
+            <a:pPr marL="285750" indent="-285750" defTabSz="1219017">
+              <a:lnSpc>
+                <a:spcPct val="130000"/>
+              </a:lnSpc>
+              <a:buFont typeface="Wingdings" panose="05000000000000000000" pitchFamily="2" charset="2"/>
+              <a:buChar char="Ø"/>
+            </a:pPr>
+            <a:r>
+              <a:rPr lang="zh-CN" altLang="en-US" sz="1599" dirty="0">
+                <a:solidFill>
+                  <a:sysClr val="windowText" lastClr="000000"/>
+                </a:solidFill>
+                <a:latin typeface="微软雅黑" pitchFamily="34" charset="-122"/>
+                <a:ea typeface="微软雅黑" pitchFamily="34" charset="-122"/>
+              </a:rPr>
+              <a:t>     </a:t>
+            </a:r>
+            <a:r>
+              <a:rPr lang="en-US" altLang="zh-CN" sz="1599" dirty="0">
+                <a:solidFill>
+                  <a:sysClr val="windowText" lastClr="000000"/>
+                </a:solidFill>
+                <a:latin typeface="微软雅黑" pitchFamily="34" charset="-122"/>
+                <a:ea typeface="微软雅黑" pitchFamily="34" charset="-122"/>
+              </a:rPr>
+              <a:t>CF</a:t>
+            </a:r>
+            <a:r>
+              <a:rPr lang="zh-CN" altLang="en-US" sz="1599" dirty="0">
+                <a:solidFill>
+                  <a:sysClr val="windowText" lastClr="000000"/>
+                </a:solidFill>
+                <a:latin typeface="微软雅黑" pitchFamily="34" charset="-122"/>
+                <a:ea typeface="微软雅黑" pitchFamily="34" charset="-122"/>
+              </a:rPr>
+              <a:t>制程</a:t>
+            </a:r>
+            <a:endParaRPr lang="en-US" altLang="zh-CN" sz="1599" dirty="0">
+              <a:solidFill>
+                <a:sysClr val="windowText" lastClr="000000"/>
+              </a:solidFill>
+              <a:latin typeface="微软雅黑" pitchFamily="34" charset="-122"/>
+              <a:ea typeface="微软雅黑" pitchFamily="34" charset="-122"/>
+            </a:endParaRPr>
+          </a:p>
+          <a:p>
+            <a:pPr marL="285750" indent="-285750" defTabSz="1219017">
+              <a:lnSpc>
+                <a:spcPct val="130000"/>
+              </a:lnSpc>
+              <a:buFont typeface="Wingdings" panose="05000000000000000000" pitchFamily="2" charset="2"/>
+              <a:buChar char="Ø"/>
+            </a:pPr>
+            <a:r>
+              <a:rPr lang="en-US" altLang="zh-CN" sz="1599" dirty="0">
+                <a:solidFill>
+                  <a:sysClr val="windowText" lastClr="000000"/>
+                </a:solidFill>
+                <a:latin typeface="微软雅黑" pitchFamily="34" charset="-122"/>
+                <a:ea typeface="微软雅黑" pitchFamily="34" charset="-122"/>
+              </a:rPr>
+              <a:t>     CELL</a:t>
+            </a:r>
+            <a:r>
+              <a:rPr lang="zh-CN" altLang="en-US" sz="1599" dirty="0">
+                <a:solidFill>
+                  <a:sysClr val="windowText" lastClr="000000"/>
+                </a:solidFill>
+                <a:latin typeface="微软雅黑" pitchFamily="34" charset="-122"/>
+                <a:ea typeface="微软雅黑" pitchFamily="34" charset="-122"/>
+              </a:rPr>
+              <a:t>制程</a:t>
+            </a:r>
+            <a:endParaRPr lang="en-US" altLang="zh-CN" sz="1599" dirty="0">
+              <a:solidFill>
+                <a:sysClr val="windowText" lastClr="000000"/>
+              </a:solidFill>
+              <a:latin typeface="微软雅黑" pitchFamily="34" charset="-122"/>
+              <a:ea typeface="微软雅黑" pitchFamily="34" charset="-122"/>
+            </a:endParaRPr>
+          </a:p>
+          <a:p>
+            <a:pPr defTabSz="1219017">
+              <a:lnSpc>
+                <a:spcPct val="130000"/>
+              </a:lnSpc>
+            </a:pPr>
+            <a:endParaRPr lang="zh-CN" altLang="en-US" sz="1599" dirty="0">
+              <a:solidFill>
+                <a:sysClr val="windowText" lastClr="000000"/>
+              </a:solidFill>
+              <a:latin typeface="微软雅黑" pitchFamily="34" charset="-122"/>
+              <a:ea typeface="微软雅黑" pitchFamily="34" charset="-122"/>
+            </a:endParaRPr>
+          </a:p>
+        </p:txBody>
+      </p:sp>
+      <p:sp>
+        <p:nvSpPr>
+          <p:cNvPr id="304" name="矩形 303">
+            <a:extLst>
+              <a:ext uri="{FF2B5EF4-FFF2-40B4-BE49-F238E27FC236}">
+                <a16:creationId xmlns:a16="http://schemas.microsoft.com/office/drawing/2014/main" id="{7BFFD45C-0914-4966-B406-C2CEC75EAA9C}"/>
+              </a:ext>
+            </a:extLst>
+          </p:cNvPr>
+          <p:cNvSpPr/>
+          <p:nvPr/>
+        </p:nvSpPr>
+        <p:spPr>
+          <a:xfrm>
+            <a:off x="378256" y="697043"/>
+            <a:ext cx="1983475" cy="393758"/>
+          </a:xfrm>
+          <a:prstGeom prst="rect">
+            <a:avLst/>
+          </a:prstGeom>
+          <a:solidFill>
+            <a:schemeClr val="accent1"/>
+          </a:solidFill>
+        </p:spPr>
+        <p:txBody>
+          <a:bodyPr wrap="square" rtlCol="0" anchor="ctr">
+            <a:noAutofit/>
+          </a:bodyPr>
+          <a:lstStyle/>
+          <a:p>
+            <a:pPr algn="l"/>
+            <a:r>
+              <a:rPr lang="zh-CN" altLang="en-US" sz="2000" dirty="0">
+                <a:solidFill>
+                  <a:schemeClr val="bg1"/>
+                </a:solidFill>
+                <a:latin typeface="Arial" panose="020B0604020202020204" pitchFamily="34" charset="0"/>
+                <a:ea typeface="黑体" panose="02010609060101010101" pitchFamily="49" charset="-122"/>
+                <a:cs typeface="Arial" panose="020B0604020202020204" pitchFamily="34" charset="0"/>
+                <a:sym typeface="Arial" panose="020B0604020202020204" pitchFamily="34" charset="0"/>
+              </a:rPr>
+              <a:t>项目内容与成果</a:t>
+            </a:r>
+          </a:p>
+        </p:txBody>
+      </p:sp>
+      <p:pic>
+        <p:nvPicPr>
+          <p:cNvPr id="3" name="图片 2">
+            <a:extLst>
+              <a:ext uri="{FF2B5EF4-FFF2-40B4-BE49-F238E27FC236}">
+                <a16:creationId xmlns:a16="http://schemas.microsoft.com/office/drawing/2014/main" id="{A2448D1B-FB81-41C8-8BDE-ABA6FFD26BF3}"/>
+              </a:ext>
+            </a:extLst>
+          </p:cNvPr>
+          <p:cNvPicPr>
+            <a:picLocks noChangeAspect="1"/>
+          </p:cNvPicPr>
+          <p:nvPr/>
+        </p:nvPicPr>
+        <p:blipFill>
+          <a:blip r:embed="rId2"/>
+          <a:stretch>
+            <a:fillRect/>
+          </a:stretch>
+        </p:blipFill>
+        <p:spPr>
+          <a:xfrm>
+            <a:off x="4507815" y="2978804"/>
+            <a:ext cx="2060627" cy="1902117"/>
+          </a:xfrm>
+          <a:prstGeom prst="rect">
+            <a:avLst/>
+          </a:prstGeom>
+        </p:spPr>
+      </p:pic>
+      <p:grpSp>
+        <p:nvGrpSpPr>
+          <p:cNvPr id="17" name="组合 16">
+            <a:extLst>
+              <a:ext uri="{FF2B5EF4-FFF2-40B4-BE49-F238E27FC236}">
+                <a16:creationId xmlns:a16="http://schemas.microsoft.com/office/drawing/2014/main" id="{02D54D05-B69F-4D5D-A67B-48A8E68FFB37}"/>
+              </a:ext>
+            </a:extLst>
+          </p:cNvPr>
+          <p:cNvGrpSpPr/>
+          <p:nvPr/>
+        </p:nvGrpSpPr>
+        <p:grpSpPr>
+          <a:xfrm>
+            <a:off x="7946563" y="3581400"/>
+            <a:ext cx="2274901" cy="1255761"/>
+            <a:chOff x="7654290" y="3579126"/>
+            <a:chExt cx="2274901" cy="1255761"/>
+          </a:xfrm>
+        </p:grpSpPr>
+        <p:pic>
+          <p:nvPicPr>
+            <p:cNvPr id="129" name="图片 128">
+              <a:extLst>
+                <a:ext uri="{FF2B5EF4-FFF2-40B4-BE49-F238E27FC236}">
+                  <a16:creationId xmlns:a16="http://schemas.microsoft.com/office/drawing/2014/main" id="{935AF210-3CAF-458D-B08D-10A3238037FB}"/>
+                </a:ext>
+              </a:extLst>
+            </p:cNvPr>
+            <p:cNvPicPr>
+              <a:picLocks noChangeAspect="1"/>
+            </p:cNvPicPr>
+            <p:nvPr/>
+          </p:nvPicPr>
+          <p:blipFill>
+            <a:blip r:embed="rId3"/>
+            <a:stretch>
+              <a:fillRect/>
+            </a:stretch>
+          </p:blipFill>
+          <p:spPr>
+            <a:xfrm>
+              <a:off x="7654290" y="3579126"/>
+              <a:ext cx="990109" cy="766665"/>
+            </a:xfrm>
+            <a:prstGeom prst="rect">
+              <a:avLst/>
+            </a:prstGeom>
+          </p:spPr>
+        </p:pic>
+        <p:pic>
+          <p:nvPicPr>
+            <p:cNvPr id="133" name="图片 132">
+              <a:extLst>
+                <a:ext uri="{FF2B5EF4-FFF2-40B4-BE49-F238E27FC236}">
+                  <a16:creationId xmlns:a16="http://schemas.microsoft.com/office/drawing/2014/main" id="{2665ECD0-F148-43D2-9FA2-F9A7403D8B5F}"/>
+                </a:ext>
+              </a:extLst>
+            </p:cNvPr>
+            <p:cNvPicPr>
+              <a:picLocks noChangeAspect="1"/>
+            </p:cNvPicPr>
+            <p:nvPr/>
+          </p:nvPicPr>
+          <p:blipFill>
+            <a:blip r:embed="rId4"/>
+            <a:stretch>
+              <a:fillRect/>
+            </a:stretch>
+          </p:blipFill>
+          <p:spPr>
+            <a:xfrm>
+              <a:off x="7667904" y="4268080"/>
+              <a:ext cx="1297888" cy="552368"/>
+            </a:xfrm>
+            <a:prstGeom prst="rect">
+              <a:avLst/>
+            </a:prstGeom>
+          </p:spPr>
+        </p:pic>
+        <p:pic>
+          <p:nvPicPr>
+            <p:cNvPr id="135" name="图片 134">
+              <a:extLst>
+                <a:ext uri="{FF2B5EF4-FFF2-40B4-BE49-F238E27FC236}">
+                  <a16:creationId xmlns:a16="http://schemas.microsoft.com/office/drawing/2014/main" id="{16142954-8793-4FC9-8813-6F230ACF24AE}"/>
+                </a:ext>
+              </a:extLst>
+            </p:cNvPr>
+            <p:cNvPicPr>
+              <a:picLocks noChangeAspect="1"/>
+            </p:cNvPicPr>
+            <p:nvPr/>
+          </p:nvPicPr>
+          <p:blipFill>
+            <a:blip r:embed="rId5"/>
+            <a:stretch>
+              <a:fillRect/>
+            </a:stretch>
+          </p:blipFill>
+          <p:spPr>
+            <a:xfrm>
+              <a:off x="8658013" y="3579126"/>
+              <a:ext cx="1271178" cy="660175"/>
+            </a:xfrm>
+            <a:prstGeom prst="rect">
+              <a:avLst/>
+            </a:prstGeom>
+          </p:spPr>
+        </p:pic>
+        <p:pic>
+          <p:nvPicPr>
+            <p:cNvPr id="15" name="图片 14">
+              <a:extLst>
+                <a:ext uri="{FF2B5EF4-FFF2-40B4-BE49-F238E27FC236}">
+                  <a16:creationId xmlns:a16="http://schemas.microsoft.com/office/drawing/2014/main" id="{59FC3D58-B332-4C00-A949-37972CA8C4E8}"/>
+                </a:ext>
+              </a:extLst>
+            </p:cNvPr>
+            <p:cNvPicPr>
+              <a:picLocks noChangeAspect="1"/>
+            </p:cNvPicPr>
+            <p:nvPr/>
+          </p:nvPicPr>
+          <p:blipFill>
+            <a:blip r:embed="rId6"/>
+            <a:stretch>
+              <a:fillRect/>
+            </a:stretch>
+          </p:blipFill>
+          <p:spPr>
+            <a:xfrm>
+              <a:off x="8979406" y="4268080"/>
+              <a:ext cx="949785" cy="566807"/>
+            </a:xfrm>
+            <a:prstGeom prst="rect">
+              <a:avLst/>
+            </a:prstGeom>
+          </p:spPr>
+        </p:pic>
+      </p:grpSp>
+    </p:spTree>
+    <p:extLst>
+      <p:ext uri="{BB962C8B-B14F-4D97-AF65-F5344CB8AC3E}">
+        <p14:creationId xmlns:p14="http://schemas.microsoft.com/office/powerpoint/2010/main" val="2696023282"/>
+      </p:ext>
+    </p:extLst>
+  </p:cSld>
+  <p:clrMapOvr>
+    <a:masterClrMapping/>
+  </p:clrMapOvr>
+  <p:transition spd="med"/>
+  <p:timing>
+    <p:tnLst>
+      <p:par>
+        <p:cTn id="1" dur="indefinite" restart="never" nodeType="tmRoot">
+          <p:childTnLst>
+            <p:seq concurrent="1" nextAc="seek">
+              <p:cTn id="2" dur="indefinite" nodeType="mainSeq">
+                <p:childTnLst>
+                  <p:par>
+                    <p:cTn id="3" fill="hold">
+                      <p:stCondLst>
+                        <p:cond delay="indefinite"/>
+                        <p:cond evt="onBegin" delay="0">
+                          <p:tn val="2"/>
+                        </p:cond>
+                      </p:stCondLst>
+                      <p:childTnLst>
+                        <p:par>
+                          <p:cTn id="4" fill="hold">
+                            <p:stCondLst>
+                              <p:cond delay="0"/>
+                            </p:stCondLst>
+                            <p:childTnLst>
+                              <p:par>
+                                <p:cTn id="5" presetID="2" presetClass="entr" presetSubtype="8" fill="hold" grpId="0" nodeType="afterEffect">
+                                  <p:stCondLst>
+                                    <p:cond delay="0"/>
+                                  </p:stCondLst>
+                                  <p:childTnLst>
+                                    <p:set>
+                                      <p:cBhvr>
+                                        <p:cTn id="6" dur="1" fill="hold">
+                                          <p:stCondLst>
+                                            <p:cond delay="0"/>
+                                          </p:stCondLst>
+                                        </p:cTn>
+                                        <p:tgtEl>
+                                          <p:spTgt spid="296"/>
+                                        </p:tgtEl>
+                                        <p:attrNameLst>
+                                          <p:attrName>style.visibility</p:attrName>
+                                        </p:attrNameLst>
+                                      </p:cBhvr>
+                                      <p:to>
+                                        <p:strVal val="visible"/>
+                                      </p:to>
+                                    </p:set>
+                                    <p:anim calcmode="lin" valueType="num">
+                                      <p:cBhvr additive="base">
+                                        <p:cTn id="7" dur="500" fill="hold"/>
+                                        <p:tgtEl>
+                                          <p:spTgt spid="296"/>
+                                        </p:tgtEl>
+                                        <p:attrNameLst>
+                                          <p:attrName>ppt_x</p:attrName>
+                                        </p:attrNameLst>
+                                      </p:cBhvr>
+                                      <p:tavLst>
+                                        <p:tav tm="0">
+                                          <p:val>
+                                            <p:strVal val="0-#ppt_w/2"/>
+                                          </p:val>
+                                        </p:tav>
+                                        <p:tav tm="100000">
+                                          <p:val>
+                                            <p:strVal val="#ppt_x"/>
+                                          </p:val>
+                                        </p:tav>
+                                      </p:tavLst>
+                                    </p:anim>
+                                    <p:anim calcmode="lin" valueType="num">
+                                      <p:cBhvr additive="base">
+                                        <p:cTn id="8" dur="500" fill="hold"/>
+                                        <p:tgtEl>
+                                          <p:spTgt spid="296"/>
+                                        </p:tgtEl>
+                                        <p:attrNameLst>
+                                          <p:attrName>ppt_y</p:attrName>
+                                        </p:attrNameLst>
+                                      </p:cBhvr>
+                                      <p:tavLst>
+                                        <p:tav tm="0">
+                                          <p:val>
+                                            <p:strVal val="#ppt_y"/>
+                                          </p:val>
+                                        </p:tav>
+                                        <p:tav tm="100000">
+                                          <p:val>
+                                            <p:strVal val="#ppt_y"/>
+                                          </p:val>
+                                        </p:tav>
+                                      </p:tavLst>
+                                    </p:anim>
+                                  </p:childTnLst>
+                                </p:cTn>
+                              </p:par>
+                            </p:childTnLst>
+                          </p:cTn>
+                        </p:par>
+                        <p:par>
+                          <p:cTn id="9" fill="hold">
+                            <p:stCondLst>
+                              <p:cond delay="500"/>
+                            </p:stCondLst>
+                            <p:childTnLst>
+                              <p:par>
+                                <p:cTn id="10" presetID="22" presetClass="entr" presetSubtype="1" fill="hold" grpId="0" nodeType="afterEffect">
+                                  <p:stCondLst>
+                                    <p:cond delay="0"/>
+                                  </p:stCondLst>
+                                  <p:childTnLst>
+                                    <p:set>
+                                      <p:cBhvr>
+                                        <p:cTn id="11" dur="1" fill="hold">
+                                          <p:stCondLst>
+                                            <p:cond delay="0"/>
+                                          </p:stCondLst>
+                                        </p:cTn>
+                                        <p:tgtEl>
+                                          <p:spTgt spid="295"/>
+                                        </p:tgtEl>
+                                        <p:attrNameLst>
+                                          <p:attrName>style.visibility</p:attrName>
+                                        </p:attrNameLst>
+                                      </p:cBhvr>
+                                      <p:to>
+                                        <p:strVal val="visible"/>
+                                      </p:to>
+                                    </p:set>
+                                    <p:animEffect transition="in" filter="wipe(up)">
+                                      <p:cBhvr>
+                                        <p:cTn id="12" dur="500"/>
+                                        <p:tgtEl>
+                                          <p:spTgt spid="295"/>
+                                        </p:tgtEl>
+                                      </p:cBhvr>
+                                    </p:animEffect>
+                                  </p:childTnLst>
+                                </p:cTn>
+                              </p:par>
+                            </p:childTnLst>
+                          </p:cTn>
+                        </p:par>
+                        <p:par>
+                          <p:cTn id="13" fill="hold">
+                            <p:stCondLst>
+                              <p:cond delay="1000"/>
+                            </p:stCondLst>
+                            <p:childTnLst>
+                              <p:par>
+                                <p:cTn id="14" presetID="22" presetClass="entr" presetSubtype="8" fill="hold" grpId="0" nodeType="afterEffect">
+                                  <p:stCondLst>
+                                    <p:cond delay="0"/>
+                                  </p:stCondLst>
+                                  <p:iterate type="lt">
+                                    <p:tmPct val="30000"/>
+                                  </p:iterate>
+                                  <p:childTnLst>
+                                    <p:set>
+                                      <p:cBhvr>
+                                        <p:cTn id="15" dur="1" fill="hold">
+                                          <p:stCondLst>
+                                            <p:cond delay="0"/>
+                                          </p:stCondLst>
+                                        </p:cTn>
+                                        <p:tgtEl>
+                                          <p:spTgt spid="297"/>
+                                        </p:tgtEl>
+                                        <p:attrNameLst>
+                                          <p:attrName>style.visibility</p:attrName>
+                                        </p:attrNameLst>
+                                      </p:cBhvr>
+                                      <p:to>
+                                        <p:strVal val="visible"/>
+                                      </p:to>
+                                    </p:set>
+                                    <p:animEffect transition="in" filter="wipe(left)">
+                                      <p:cBhvr>
+                                        <p:cTn id="16" dur="100"/>
+                                        <p:tgtEl>
+                                          <p:spTgt spid="297"/>
+                                        </p:tgtEl>
+                                      </p:cBhvr>
+                                    </p:animEffect>
+                                  </p:childTnLst>
+                                </p:cTn>
+                              </p:par>
+                              <p:par>
+                                <p:cTn id="17" presetID="36" presetClass="emph" presetSubtype="0" fill="hold" grpId="1" nodeType="withEffect">
+                                  <p:stCondLst>
+                                    <p:cond delay="0"/>
+                                  </p:stCondLst>
+                                  <p:iterate type="lt">
+                                    <p:tmPct val="30000"/>
+                                  </p:iterate>
+                                  <p:childTnLst>
+                                    <p:animScale>
+                                      <p:cBhvr>
+                                        <p:cTn id="18" dur="50" autoRev="1" fill="hold">
+                                          <p:stCondLst>
+                                            <p:cond delay="0"/>
+                                          </p:stCondLst>
+                                        </p:cTn>
+                                        <p:tgtEl>
+                                          <p:spTgt spid="297"/>
+                                        </p:tgtEl>
+                                      </p:cBhvr>
+                                      <p:to x="80000" y="100000"/>
+                                    </p:animScale>
+                                    <p:anim by="(#ppt_w*0.10)" calcmode="lin" valueType="num">
+                                      <p:cBhvr>
+                                        <p:cTn id="19" dur="50" autoRev="1" fill="hold">
+                                          <p:stCondLst>
+                                            <p:cond delay="0"/>
+                                          </p:stCondLst>
+                                        </p:cTn>
+                                        <p:tgtEl>
+                                          <p:spTgt spid="297"/>
+                                        </p:tgtEl>
+                                        <p:attrNameLst>
+                                          <p:attrName>ppt_x</p:attrName>
+                                        </p:attrNameLst>
+                                      </p:cBhvr>
+                                    </p:anim>
+                                    <p:anim by="(-#ppt_w*0.10)" calcmode="lin" valueType="num">
+                                      <p:cBhvr>
+                                        <p:cTn id="20" dur="50" autoRev="1" fill="hold">
+                                          <p:stCondLst>
+                                            <p:cond delay="0"/>
+                                          </p:stCondLst>
+                                        </p:cTn>
+                                        <p:tgtEl>
+                                          <p:spTgt spid="297"/>
+                                        </p:tgtEl>
+                                        <p:attrNameLst>
+                                          <p:attrName>ppt_y</p:attrName>
+                                        </p:attrNameLst>
+                                      </p:cBhvr>
+                                    </p:anim>
+                                    <p:animRot by="-480000">
+                                      <p:cBhvr>
+                                        <p:cTn id="21" dur="50" autoRev="1" fill="hold">
+                                          <p:stCondLst>
+                                            <p:cond delay="0"/>
+                                          </p:stCondLst>
+                                        </p:cTn>
+                                        <p:tgtEl>
+                                          <p:spTgt spid="297"/>
+                                        </p:tgtEl>
+                                        <p:attrNameLst>
+                                          <p:attrName>r</p:attrName>
+                                        </p:attrNameLst>
+                                      </p:cBhvr>
+                                    </p:animRot>
+                                  </p:childTnLst>
+                                </p:cTn>
+                              </p:par>
+                            </p:childTnLst>
+                          </p:cTn>
+                        </p:par>
+                        <p:par>
+                          <p:cTn id="22" fill="hold">
+                            <p:stCondLst>
+                              <p:cond delay="4100"/>
+                            </p:stCondLst>
+                            <p:childTnLst>
+                              <p:par>
+                                <p:cTn id="23" presetID="2" presetClass="entr" presetSubtype="8" fill="hold" grpId="0" nodeType="afterEffect">
+                                  <p:stCondLst>
+                                    <p:cond delay="0"/>
+                                  </p:stCondLst>
+                                  <p:childTnLst>
+                                    <p:set>
+                                      <p:cBhvr>
+                                        <p:cTn id="24" dur="1" fill="hold">
+                                          <p:stCondLst>
+                                            <p:cond delay="0"/>
+                                          </p:stCondLst>
+                                        </p:cTn>
+                                        <p:tgtEl>
+                                          <p:spTgt spid="299"/>
+                                        </p:tgtEl>
+                                        <p:attrNameLst>
+                                          <p:attrName>style.visibility</p:attrName>
+                                        </p:attrNameLst>
+                                      </p:cBhvr>
+                                      <p:to>
+                                        <p:strVal val="visible"/>
+                                      </p:to>
+                                    </p:set>
+                                    <p:anim calcmode="lin" valueType="num">
+                                      <p:cBhvr additive="base">
+                                        <p:cTn id="25" dur="500" fill="hold"/>
+                                        <p:tgtEl>
+                                          <p:spTgt spid="299"/>
+                                        </p:tgtEl>
+                                        <p:attrNameLst>
+                                          <p:attrName>ppt_x</p:attrName>
+                                        </p:attrNameLst>
+                                      </p:cBhvr>
+                                      <p:tavLst>
+                                        <p:tav tm="0">
+                                          <p:val>
+                                            <p:strVal val="0-#ppt_w/2"/>
+                                          </p:val>
+                                        </p:tav>
+                                        <p:tav tm="100000">
+                                          <p:val>
+                                            <p:strVal val="#ppt_x"/>
+                                          </p:val>
+                                        </p:tav>
+                                      </p:tavLst>
+                                    </p:anim>
+                                    <p:anim calcmode="lin" valueType="num">
+                                      <p:cBhvr additive="base">
+                                        <p:cTn id="26" dur="500" fill="hold"/>
+                                        <p:tgtEl>
+                                          <p:spTgt spid="299"/>
+                                        </p:tgtEl>
+                                        <p:attrNameLst>
+                                          <p:attrName>ppt_y</p:attrName>
+                                        </p:attrNameLst>
+                                      </p:cBhvr>
+                                      <p:tavLst>
+                                        <p:tav tm="0">
+                                          <p:val>
+                                            <p:strVal val="#ppt_y"/>
+                                          </p:val>
+                                        </p:tav>
+                                        <p:tav tm="100000">
+                                          <p:val>
+                                            <p:strVal val="#ppt_y"/>
+                                          </p:val>
+                                        </p:tav>
+                                      </p:tavLst>
+                                    </p:anim>
+                                  </p:childTnLst>
+                                </p:cTn>
+                              </p:par>
+                            </p:childTnLst>
+                          </p:cTn>
+                        </p:par>
+                        <p:par>
+                          <p:cTn id="27" fill="hold">
+                            <p:stCondLst>
+                              <p:cond delay="4600"/>
+                            </p:stCondLst>
+                            <p:childTnLst>
+                              <p:par>
+                                <p:cTn id="28" presetID="22" presetClass="entr" presetSubtype="1" fill="hold" grpId="0" nodeType="afterEffect">
+                                  <p:stCondLst>
+                                    <p:cond delay="0"/>
+                                  </p:stCondLst>
+                                  <p:childTnLst>
+                                    <p:set>
+                                      <p:cBhvr>
+                                        <p:cTn id="29" dur="1" fill="hold">
+                                          <p:stCondLst>
+                                            <p:cond delay="0"/>
+                                          </p:stCondLst>
+                                        </p:cTn>
+                                        <p:tgtEl>
+                                          <p:spTgt spid="298"/>
+                                        </p:tgtEl>
+                                        <p:attrNameLst>
+                                          <p:attrName>style.visibility</p:attrName>
+                                        </p:attrNameLst>
+                                      </p:cBhvr>
+                                      <p:to>
+                                        <p:strVal val="visible"/>
+                                      </p:to>
+                                    </p:set>
+                                    <p:animEffect transition="in" filter="wipe(up)">
+                                      <p:cBhvr>
+                                        <p:cTn id="30" dur="500"/>
+                                        <p:tgtEl>
+                                          <p:spTgt spid="298"/>
+                                        </p:tgtEl>
+                                      </p:cBhvr>
+                                    </p:animEffect>
+                                  </p:childTnLst>
+                                </p:cTn>
+                              </p:par>
+                            </p:childTnLst>
+                          </p:cTn>
+                        </p:par>
+                        <p:par>
+                          <p:cTn id="31" fill="hold">
+                            <p:stCondLst>
+                              <p:cond delay="5100"/>
+                            </p:stCondLst>
+                            <p:childTnLst>
+                              <p:par>
+                                <p:cTn id="32" presetID="22" presetClass="entr" presetSubtype="8" fill="hold" grpId="0" nodeType="afterEffect">
+                                  <p:stCondLst>
+                                    <p:cond delay="0"/>
+                                  </p:stCondLst>
+                                  <p:iterate type="lt">
+                                    <p:tmPct val="30000"/>
+                                  </p:iterate>
+                                  <p:childTnLst>
+                                    <p:set>
+                                      <p:cBhvr>
+                                        <p:cTn id="33" dur="1" fill="hold">
+                                          <p:stCondLst>
+                                            <p:cond delay="0"/>
+                                          </p:stCondLst>
+                                        </p:cTn>
+                                        <p:tgtEl>
+                                          <p:spTgt spid="300"/>
+                                        </p:tgtEl>
+                                        <p:attrNameLst>
+                                          <p:attrName>style.visibility</p:attrName>
+                                        </p:attrNameLst>
+                                      </p:cBhvr>
+                                      <p:to>
+                                        <p:strVal val="visible"/>
+                                      </p:to>
+                                    </p:set>
+                                    <p:animEffect transition="in" filter="wipe(left)">
+                                      <p:cBhvr>
+                                        <p:cTn id="34" dur="100"/>
+                                        <p:tgtEl>
+                                          <p:spTgt spid="300"/>
+                                        </p:tgtEl>
+                                      </p:cBhvr>
+                                    </p:animEffect>
+                                  </p:childTnLst>
+                                </p:cTn>
+                              </p:par>
+                              <p:par>
+                                <p:cTn id="35" presetID="36" presetClass="emph" presetSubtype="0" fill="hold" grpId="1" nodeType="withEffect">
+                                  <p:stCondLst>
+                                    <p:cond delay="0"/>
+                                  </p:stCondLst>
+                                  <p:iterate type="lt">
+                                    <p:tmPct val="30000"/>
+                                  </p:iterate>
+                                  <p:childTnLst>
+                                    <p:animScale>
+                                      <p:cBhvr>
+                                        <p:cTn id="36" dur="50" autoRev="1" fill="hold">
+                                          <p:stCondLst>
+                                            <p:cond delay="0"/>
+                                          </p:stCondLst>
+                                        </p:cTn>
+                                        <p:tgtEl>
+                                          <p:spTgt spid="300"/>
+                                        </p:tgtEl>
+                                      </p:cBhvr>
+                                      <p:to x="80000" y="100000"/>
+                                    </p:animScale>
+                                    <p:anim by="(#ppt_w*0.10)" calcmode="lin" valueType="num">
+                                      <p:cBhvr>
+                                        <p:cTn id="37" dur="50" autoRev="1" fill="hold">
+                                          <p:stCondLst>
+                                            <p:cond delay="0"/>
+                                          </p:stCondLst>
+                                        </p:cTn>
+                                        <p:tgtEl>
+                                          <p:spTgt spid="300"/>
+                                        </p:tgtEl>
+                                        <p:attrNameLst>
+                                          <p:attrName>ppt_x</p:attrName>
+                                        </p:attrNameLst>
+                                      </p:cBhvr>
+                                    </p:anim>
+                                    <p:anim by="(-#ppt_w*0.10)" calcmode="lin" valueType="num">
+                                      <p:cBhvr>
+                                        <p:cTn id="38" dur="50" autoRev="1" fill="hold">
+                                          <p:stCondLst>
+                                            <p:cond delay="0"/>
+                                          </p:stCondLst>
+                                        </p:cTn>
+                                        <p:tgtEl>
+                                          <p:spTgt spid="300"/>
+                                        </p:tgtEl>
+                                        <p:attrNameLst>
+                                          <p:attrName>ppt_y</p:attrName>
+                                        </p:attrNameLst>
+                                      </p:cBhvr>
+                                    </p:anim>
+                                    <p:animRot by="-480000">
+                                      <p:cBhvr>
+                                        <p:cTn id="39" dur="50" autoRev="1" fill="hold">
+                                          <p:stCondLst>
+                                            <p:cond delay="0"/>
+                                          </p:stCondLst>
+                                        </p:cTn>
+                                        <p:tgtEl>
+                                          <p:spTgt spid="300"/>
+                                        </p:tgtEl>
+                                        <p:attrNameLst>
+                                          <p:attrName>r</p:attrName>
+                                        </p:attrNameLst>
+                                      </p:cBhvr>
+                                    </p:animRot>
+                                  </p:childTnLst>
+                                </p:cTn>
+                              </p:par>
+                            </p:childTnLst>
+                          </p:cTn>
+                        </p:par>
+                        <p:par>
+                          <p:cTn id="40" fill="hold">
+                            <p:stCondLst>
+                              <p:cond delay="6670"/>
+                            </p:stCondLst>
+                            <p:childTnLst>
+                              <p:par>
+                                <p:cTn id="41" presetID="2" presetClass="entr" presetSubtype="8" fill="hold" grpId="0" nodeType="afterEffect">
+                                  <p:stCondLst>
+                                    <p:cond delay="0"/>
+                                  </p:stCondLst>
+                                  <p:childTnLst>
+                                    <p:set>
+                                      <p:cBhvr>
+                                        <p:cTn id="42" dur="1" fill="hold">
+                                          <p:stCondLst>
+                                            <p:cond delay="0"/>
+                                          </p:stCondLst>
+                                        </p:cTn>
+                                        <p:tgtEl>
+                                          <p:spTgt spid="302"/>
+                                        </p:tgtEl>
+                                        <p:attrNameLst>
+                                          <p:attrName>style.visibility</p:attrName>
+                                        </p:attrNameLst>
+                                      </p:cBhvr>
+                                      <p:to>
+                                        <p:strVal val="visible"/>
+                                      </p:to>
+                                    </p:set>
+                                    <p:anim calcmode="lin" valueType="num">
+                                      <p:cBhvr additive="base">
+                                        <p:cTn id="43" dur="500" fill="hold"/>
+                                        <p:tgtEl>
+                                          <p:spTgt spid="302"/>
+                                        </p:tgtEl>
+                                        <p:attrNameLst>
+                                          <p:attrName>ppt_x</p:attrName>
+                                        </p:attrNameLst>
+                                      </p:cBhvr>
+                                      <p:tavLst>
+                                        <p:tav tm="0">
+                                          <p:val>
+                                            <p:strVal val="0-#ppt_w/2"/>
+                                          </p:val>
+                                        </p:tav>
+                                        <p:tav tm="100000">
+                                          <p:val>
+                                            <p:strVal val="#ppt_x"/>
+                                          </p:val>
+                                        </p:tav>
+                                      </p:tavLst>
+                                    </p:anim>
+                                    <p:anim calcmode="lin" valueType="num">
+                                      <p:cBhvr additive="base">
+                                        <p:cTn id="44" dur="500" fill="hold"/>
+                                        <p:tgtEl>
+                                          <p:spTgt spid="302"/>
+                                        </p:tgtEl>
+                                        <p:attrNameLst>
+                                          <p:attrName>ppt_y</p:attrName>
+                                        </p:attrNameLst>
+                                      </p:cBhvr>
+                                      <p:tavLst>
+                                        <p:tav tm="0">
+                                          <p:val>
+                                            <p:strVal val="#ppt_y"/>
+                                          </p:val>
+                                        </p:tav>
+                                        <p:tav tm="100000">
+                                          <p:val>
+                                            <p:strVal val="#ppt_y"/>
+                                          </p:val>
+                                        </p:tav>
+                                      </p:tavLst>
+                                    </p:anim>
+                                  </p:childTnLst>
+                                </p:cTn>
+                              </p:par>
+                            </p:childTnLst>
+                          </p:cTn>
+                        </p:par>
+                        <p:par>
+                          <p:cTn id="45" fill="hold">
+                            <p:stCondLst>
+                              <p:cond delay="7170"/>
+                            </p:stCondLst>
+                            <p:childTnLst>
+                              <p:par>
+                                <p:cTn id="46" presetID="22" presetClass="entr" presetSubtype="1" fill="hold" grpId="0" nodeType="afterEffect">
+                                  <p:stCondLst>
+                                    <p:cond delay="0"/>
+                                  </p:stCondLst>
+                                  <p:childTnLst>
+                                    <p:set>
+                                      <p:cBhvr>
+                                        <p:cTn id="47" dur="1" fill="hold">
+                                          <p:stCondLst>
+                                            <p:cond delay="0"/>
+                                          </p:stCondLst>
+                                        </p:cTn>
+                                        <p:tgtEl>
+                                          <p:spTgt spid="301"/>
+                                        </p:tgtEl>
+                                        <p:attrNameLst>
+                                          <p:attrName>style.visibility</p:attrName>
+                                        </p:attrNameLst>
+                                      </p:cBhvr>
+                                      <p:to>
+                                        <p:strVal val="visible"/>
+                                      </p:to>
+                                    </p:set>
+                                    <p:animEffect transition="in" filter="wipe(up)">
+                                      <p:cBhvr>
+                                        <p:cTn id="48" dur="500"/>
+                                        <p:tgtEl>
+                                          <p:spTgt spid="301"/>
+                                        </p:tgtEl>
+                                      </p:cBhvr>
+                                    </p:animEffect>
+                                  </p:childTnLst>
+                                </p:cTn>
+                              </p:par>
+                            </p:childTnLst>
+                          </p:cTn>
+                        </p:par>
+                        <p:par>
+                          <p:cTn id="49" fill="hold">
+                            <p:stCondLst>
+                              <p:cond delay="7670"/>
+                            </p:stCondLst>
+                            <p:childTnLst>
+                              <p:par>
+                                <p:cTn id="50" presetID="22" presetClass="entr" presetSubtype="8" fill="hold" grpId="0" nodeType="afterEffect">
+                                  <p:stCondLst>
+                                    <p:cond delay="0"/>
+                                  </p:stCondLst>
+                                  <p:iterate type="lt">
+                                    <p:tmPct val="30000"/>
+                                  </p:iterate>
+                                  <p:childTnLst>
+                                    <p:set>
+                                      <p:cBhvr>
+                                        <p:cTn id="51" dur="1" fill="hold">
+                                          <p:stCondLst>
+                                            <p:cond delay="0"/>
+                                          </p:stCondLst>
+                                        </p:cTn>
+                                        <p:tgtEl>
+                                          <p:spTgt spid="303"/>
+                                        </p:tgtEl>
+                                        <p:attrNameLst>
+                                          <p:attrName>style.visibility</p:attrName>
+                                        </p:attrNameLst>
+                                      </p:cBhvr>
+                                      <p:to>
+                                        <p:strVal val="visible"/>
+                                      </p:to>
+                                    </p:set>
+                                    <p:animEffect transition="in" filter="wipe(left)">
+                                      <p:cBhvr>
+                                        <p:cTn id="52" dur="100"/>
+                                        <p:tgtEl>
+                                          <p:spTgt spid="303"/>
+                                        </p:tgtEl>
+                                      </p:cBhvr>
+                                    </p:animEffect>
+                                  </p:childTnLst>
+                                </p:cTn>
+                              </p:par>
+                              <p:par>
+                                <p:cTn id="53" presetID="36" presetClass="emph" presetSubtype="0" fill="hold" grpId="1" nodeType="withEffect">
+                                  <p:stCondLst>
+                                    <p:cond delay="0"/>
+                                  </p:stCondLst>
+                                  <p:iterate type="lt">
+                                    <p:tmPct val="30000"/>
+                                  </p:iterate>
+                                  <p:childTnLst>
+                                    <p:animScale>
+                                      <p:cBhvr>
+                                        <p:cTn id="54" dur="50" autoRev="1" fill="hold">
+                                          <p:stCondLst>
+                                            <p:cond delay="0"/>
+                                          </p:stCondLst>
+                                        </p:cTn>
+                                        <p:tgtEl>
+                                          <p:spTgt spid="303"/>
+                                        </p:tgtEl>
+                                      </p:cBhvr>
+                                      <p:to x="80000" y="100000"/>
+                                    </p:animScale>
+                                    <p:anim by="(#ppt_w*0.10)" calcmode="lin" valueType="num">
+                                      <p:cBhvr>
+                                        <p:cTn id="55" dur="50" autoRev="1" fill="hold">
+                                          <p:stCondLst>
+                                            <p:cond delay="0"/>
+                                          </p:stCondLst>
+                                        </p:cTn>
+                                        <p:tgtEl>
+                                          <p:spTgt spid="303"/>
+                                        </p:tgtEl>
+                                        <p:attrNameLst>
+                                          <p:attrName>ppt_x</p:attrName>
+                                        </p:attrNameLst>
+                                      </p:cBhvr>
+                                    </p:anim>
+                                    <p:anim by="(-#ppt_w*0.10)" calcmode="lin" valueType="num">
+                                      <p:cBhvr>
+                                        <p:cTn id="56" dur="50" autoRev="1" fill="hold">
+                                          <p:stCondLst>
+                                            <p:cond delay="0"/>
+                                          </p:stCondLst>
+                                        </p:cTn>
+                                        <p:tgtEl>
+                                          <p:spTgt spid="303"/>
+                                        </p:tgtEl>
+                                        <p:attrNameLst>
+                                          <p:attrName>ppt_y</p:attrName>
+                                        </p:attrNameLst>
+                                      </p:cBhvr>
+                                    </p:anim>
+                                    <p:animRot by="-480000">
+                                      <p:cBhvr>
+                                        <p:cTn id="57" dur="50" autoRev="1" fill="hold">
+                                          <p:stCondLst>
+                                            <p:cond delay="0"/>
+                                          </p:stCondLst>
+                                        </p:cTn>
+                                        <p:tgtEl>
+                                          <p:spTgt spid="303"/>
+                                        </p:tgtEl>
+                                        <p:attrNameLst>
+                                          <p:attrName>r</p:attrName>
+                                        </p:attrNameLst>
+                                      </p:cBhvr>
+                                    </p:animRot>
+                                  </p:childTnLst>
+                                </p:cTn>
+                              </p:par>
+                            </p:childTnLst>
+                          </p:cTn>
+                        </p:par>
+                      </p:childTnLst>
+                    </p:cTn>
+                  </p:par>
+                </p:childTnLst>
+              </p:cTn>
+              <p:prevCondLst>
+                <p:cond evt="onPrev" delay="0">
+                  <p:tgtEl>
+                    <p:sldTgt/>
+                  </p:tgtEl>
+                </p:cond>
+              </p:prevCondLst>
+              <p:nextCondLst>
+                <p:cond evt="onNext" delay="0">
+                  <p:tgtEl>
+                    <p:sldTgt/>
+                  </p:tgtEl>
+                </p:cond>
+              </p:nextCondLst>
+            </p:seq>
+          </p:childTnLst>
+        </p:cTn>
+      </p:par>
+    </p:tnLst>
+    <p:bldLst>
+      <p:bldP spid="295" grpId="0" animBg="1"/>
+      <p:bldP spid="296" grpId="0" animBg="1"/>
+      <p:bldP spid="297" grpId="0"/>
+      <p:bldP spid="297" grpId="1"/>
+      <p:bldP spid="298" grpId="0" animBg="1"/>
+      <p:bldP spid="299" grpId="0" animBg="1"/>
+      <p:bldP spid="300" grpId="0"/>
+      <p:bldP spid="300" grpId="1"/>
+      <p:bldP spid="301" grpId="0" animBg="1"/>
+      <p:bldP spid="302" grpId="0" animBg="1"/>
+      <p:bldP spid="303" grpId="0"/>
+      <p:bldP spid="303" grpId="1"/>
+    </p:bldLst>
+  </p:timing>
+</p:sld>
+</file>
+
+<file path=ppt/slides/slide2.xml><?xml version="1.0" encoding="utf-8"?>
 <p:sld xmlns:a="http://schemas.openxmlformats.org/drawingml/2006/main" xmlns:r="http://schemas.openxmlformats.org/officeDocument/2006/relationships" xmlns:p="http://schemas.openxmlformats.org/presentationml/2006/main">
   <p:cSld>
     <p:spTree>
@@ -7697,7 +10147,7 @@
         <a:sysClr val="windowText" lastClr="000000"/>
       </a:dk1>
       <a:lt1>
-        <a:sysClr val="window" lastClr="CCE8CF"/>
+        <a:sysClr val="window" lastClr="FFFFFF"/>
       </a:lt1>
       <a:dk2>
         <a:srgbClr val="44546A"/>

--- a/2021/03/惠科彩虹面板玻璃检测/液晶面板AI寻边检测项目方案组(第二版).pptx
+++ b/2021/03/惠科彩虹面板玻璃检测/液晶面板AI寻边检测项目方案组(第二版).pptx
@@ -6,7 +6,6 @@
   </p:sldMasterIdLst>
   <p:sldIdLst>
     <p:sldId id="11089033" r:id="rId2"/>
-    <p:sldId id="11089032" r:id="rId3"/>
   </p:sldIdLst>
   <p:sldSz cx="12192000" cy="6858000"/>
   <p:notesSz cx="6858000" cy="9144000"/>
@@ -6160,3985 +6159,6 @@
 </p:sld>
 </file>
 
-<file path=ppt/slides/slide2.xml><?xml version="1.0" encoding="utf-8"?>
-<p:sld xmlns:a="http://schemas.openxmlformats.org/drawingml/2006/main" xmlns:r="http://schemas.openxmlformats.org/officeDocument/2006/relationships" xmlns:p="http://schemas.openxmlformats.org/presentationml/2006/main">
-  <p:cSld>
-    <p:spTree>
-      <p:nvGrpSpPr>
-        <p:cNvPr id="1" name=""/>
-        <p:cNvGrpSpPr/>
-        <p:nvPr/>
-      </p:nvGrpSpPr>
-      <p:grpSpPr>
-        <a:xfrm>
-          <a:off x="0" y="0"/>
-          <a:ext cx="0" cy="0"/>
-          <a:chOff x="0" y="0"/>
-          <a:chExt cx="0" cy="0"/>
-        </a:xfrm>
-      </p:grpSpPr>
-      <p:sp>
-        <p:nvSpPr>
-          <p:cNvPr id="2" name="标题 1"/>
-          <p:cNvSpPr>
-            <a:spLocks noGrp="1"/>
-          </p:cNvSpPr>
-          <p:nvPr>
-            <p:ph type="title"/>
-          </p:nvPr>
-        </p:nvSpPr>
-        <p:spPr/>
-        <p:txBody>
-          <a:bodyPr vert="horz" rtlCol="0">
-            <a:normAutofit fontScale="90000"/>
-          </a:bodyPr>
-          <a:lstStyle/>
-          <a:p>
-            <a:pPr lvl="0" algn="l">
-              <a:buClrTx/>
-              <a:buSzTx/>
-              <a:buFontTx/>
-            </a:pPr>
-            <a:r>
-              <a:rPr lang="zh-CN" altLang="en-US" dirty="0">
-                <a:solidFill>
-                  <a:srgbClr val="006DB2"/>
-                </a:solidFill>
-                <a:latin typeface="+mn-ea"/>
-                <a:ea typeface="+mn-ea"/>
-                <a:cs typeface="+mn-ea"/>
-                <a:sym typeface="+mn-ea"/>
-              </a:rPr>
-              <a:t>市场突破</a:t>
-            </a:r>
-            <a:r>
-              <a:rPr lang="en-US" altLang="zh-CN" dirty="0">
-                <a:solidFill>
-                  <a:srgbClr val="006DB2"/>
-                </a:solidFill>
-                <a:latin typeface="+mn-ea"/>
-                <a:ea typeface="+mn-ea"/>
-                <a:cs typeface="+mn-ea"/>
-                <a:sym typeface="+mn-ea"/>
-              </a:rPr>
-              <a:t>—</a:t>
-            </a:r>
-            <a:r>
-              <a:rPr lang="zh-CN" altLang="en-US" dirty="0">
-                <a:solidFill>
-                  <a:srgbClr val="006DB2"/>
-                </a:solidFill>
-                <a:latin typeface="+mn-ea"/>
-                <a:ea typeface="+mn-ea"/>
-                <a:cs typeface="+mn-ea"/>
-                <a:sym typeface="+mn-ea"/>
-              </a:rPr>
-              <a:t>液晶面板</a:t>
-            </a:r>
-            <a:r>
-              <a:rPr lang="en-US" altLang="zh-CN" dirty="0">
-                <a:solidFill>
-                  <a:srgbClr val="006DB2"/>
-                </a:solidFill>
-                <a:latin typeface="+mn-ea"/>
-                <a:ea typeface="+mn-ea"/>
-                <a:cs typeface="+mn-ea"/>
-                <a:sym typeface="+mn-ea"/>
-              </a:rPr>
-              <a:t>AI</a:t>
-            </a:r>
-            <a:r>
-              <a:rPr lang="zh-CN" altLang="en-US" dirty="0">
-                <a:solidFill>
-                  <a:srgbClr val="006DB2"/>
-                </a:solidFill>
-                <a:latin typeface="+mn-ea"/>
-                <a:ea typeface="+mn-ea"/>
-                <a:cs typeface="+mn-ea"/>
-                <a:sym typeface="+mn-ea"/>
-              </a:rPr>
-              <a:t>寻边检测项目方案组</a:t>
-            </a:r>
-          </a:p>
-        </p:txBody>
-      </p:sp>
-      <p:grpSp>
-        <p:nvGrpSpPr>
-          <p:cNvPr id="5" name="组合 4">
-            <a:extLst>
-              <a:ext uri="{FF2B5EF4-FFF2-40B4-BE49-F238E27FC236}">
-                <a16:creationId xmlns:a16="http://schemas.microsoft.com/office/drawing/2014/main" id="{F721234D-8D76-4C07-A23A-A9E64EA73882}"/>
-              </a:ext>
-            </a:extLst>
-          </p:cNvPr>
-          <p:cNvGrpSpPr/>
-          <p:nvPr/>
-        </p:nvGrpSpPr>
-        <p:grpSpPr>
-          <a:xfrm>
-            <a:off x="479505" y="920331"/>
-            <a:ext cx="11289708" cy="2864330"/>
-            <a:chOff x="479505" y="700412"/>
-            <a:chExt cx="11289708" cy="2193872"/>
-          </a:xfrm>
-        </p:grpSpPr>
-        <p:sp>
-          <p:nvSpPr>
-            <p:cNvPr id="3" name="文本框 2">
-              <a:extLst>
-                <a:ext uri="{FF2B5EF4-FFF2-40B4-BE49-F238E27FC236}">
-                  <a16:creationId xmlns:a16="http://schemas.microsoft.com/office/drawing/2014/main" id="{0AEBCAE1-45AA-49FD-9456-D1D5996800B9}"/>
-                </a:ext>
-              </a:extLst>
-            </p:cNvPr>
-            <p:cNvSpPr txBox="1"/>
-            <p:nvPr/>
-          </p:nvSpPr>
-          <p:spPr>
-            <a:xfrm>
-              <a:off x="479505" y="715161"/>
-              <a:ext cx="11289708" cy="2179123"/>
-            </a:xfrm>
-            <a:prstGeom prst="rect">
-              <a:avLst/>
-            </a:prstGeom>
-            <a:noFill/>
-          </p:spPr>
-          <p:txBody>
-            <a:bodyPr wrap="square" rtlCol="0">
-              <a:spAutoFit/>
-            </a:bodyPr>
-            <a:lstStyle/>
-            <a:p>
-              <a:pPr>
-                <a:lnSpc>
-                  <a:spcPct val="130000"/>
-                </a:lnSpc>
-                <a:spcBef>
-                  <a:spcPts val="600"/>
-                </a:spcBef>
-              </a:pPr>
-              <a:endParaRPr lang="en-US" altLang="zh-CN" sz="1200" kern="0" dirty="0">
-                <a:latin typeface="微软雅黑" panose="020B0503020204020204" pitchFamily="34" charset="-122"/>
-                <a:ea typeface="微软雅黑" panose="020B0503020204020204" pitchFamily="34" charset="-122"/>
-                <a:cs typeface="+mn-ea"/>
-                <a:sym typeface="+mn-lt"/>
-              </a:endParaRPr>
-            </a:p>
-            <a:p>
-              <a:pPr>
-                <a:lnSpc>
-                  <a:spcPct val="130000"/>
-                </a:lnSpc>
-                <a:spcBef>
-                  <a:spcPts val="600"/>
-                </a:spcBef>
-              </a:pPr>
-              <a:endParaRPr lang="en-US" altLang="zh-CN" sz="1200" kern="0" dirty="0">
-                <a:latin typeface="微软雅黑" panose="020B0503020204020204" pitchFamily="34" charset="-122"/>
-                <a:ea typeface="微软雅黑" panose="020B0503020204020204" pitchFamily="34" charset="-122"/>
-                <a:cs typeface="+mn-ea"/>
-                <a:sym typeface="+mn-lt"/>
-              </a:endParaRPr>
-            </a:p>
-            <a:p>
-              <a:pPr>
-                <a:lnSpc>
-                  <a:spcPct val="130000"/>
-                </a:lnSpc>
-                <a:spcBef>
-                  <a:spcPts val="600"/>
-                </a:spcBef>
-              </a:pPr>
-              <a:endParaRPr lang="en-US" altLang="zh-CN" sz="1200" kern="0" dirty="0">
-                <a:latin typeface="微软雅黑" panose="020B0503020204020204" pitchFamily="34" charset="-122"/>
-                <a:ea typeface="微软雅黑" panose="020B0503020204020204" pitchFamily="34" charset="-122"/>
-                <a:cs typeface="+mn-ea"/>
-                <a:sym typeface="+mn-lt"/>
-              </a:endParaRPr>
-            </a:p>
-            <a:p>
-              <a:pPr>
-                <a:lnSpc>
-                  <a:spcPct val="130000"/>
-                </a:lnSpc>
-                <a:spcBef>
-                  <a:spcPts val="600"/>
-                </a:spcBef>
-              </a:pPr>
-              <a:endParaRPr lang="en-US" altLang="zh-CN" sz="1200" kern="0" dirty="0">
-                <a:latin typeface="微软雅黑" panose="020B0503020204020204" pitchFamily="34" charset="-122"/>
-                <a:ea typeface="微软雅黑" panose="020B0503020204020204" pitchFamily="34" charset="-122"/>
-                <a:cs typeface="+mn-ea"/>
-                <a:sym typeface="+mn-lt"/>
-              </a:endParaRPr>
-            </a:p>
-            <a:p>
-              <a:pPr>
-                <a:lnSpc>
-                  <a:spcPct val="130000"/>
-                </a:lnSpc>
-                <a:spcBef>
-                  <a:spcPts val="600"/>
-                </a:spcBef>
-              </a:pPr>
-              <a:endParaRPr lang="en-US" altLang="zh-CN" sz="1200" kern="0" dirty="0">
-                <a:latin typeface="微软雅黑" panose="020B0503020204020204" pitchFamily="34" charset="-122"/>
-                <a:ea typeface="微软雅黑" panose="020B0503020204020204" pitchFamily="34" charset="-122"/>
-                <a:cs typeface="+mn-ea"/>
-                <a:sym typeface="+mn-lt"/>
-              </a:endParaRPr>
-            </a:p>
-            <a:p>
-              <a:pPr>
-                <a:lnSpc>
-                  <a:spcPct val="130000"/>
-                </a:lnSpc>
-                <a:spcBef>
-                  <a:spcPts val="600"/>
-                </a:spcBef>
-              </a:pPr>
-              <a:endParaRPr lang="en-US" altLang="zh-CN" sz="1200" kern="0" dirty="0">
-                <a:latin typeface="微软雅黑" panose="020B0503020204020204" pitchFamily="34" charset="-122"/>
-                <a:ea typeface="微软雅黑" panose="020B0503020204020204" pitchFamily="34" charset="-122"/>
-                <a:cs typeface="+mn-ea"/>
-                <a:sym typeface="+mn-lt"/>
-              </a:endParaRPr>
-            </a:p>
-            <a:p>
-              <a:pPr>
-                <a:lnSpc>
-                  <a:spcPct val="130000"/>
-                </a:lnSpc>
-                <a:spcBef>
-                  <a:spcPts val="600"/>
-                </a:spcBef>
-              </a:pPr>
-              <a:endParaRPr lang="en-US" altLang="zh-CN" sz="1200" kern="0" dirty="0">
-                <a:latin typeface="微软雅黑" panose="020B0503020204020204" pitchFamily="34" charset="-122"/>
-                <a:ea typeface="微软雅黑" panose="020B0503020204020204" pitchFamily="34" charset="-122"/>
-                <a:cs typeface="+mn-ea"/>
-                <a:sym typeface="+mn-lt"/>
-              </a:endParaRPr>
-            </a:p>
-            <a:p>
-              <a:pPr>
-                <a:lnSpc>
-                  <a:spcPct val="130000"/>
-                </a:lnSpc>
-                <a:spcBef>
-                  <a:spcPts val="600"/>
-                </a:spcBef>
-              </a:pPr>
-              <a:endParaRPr lang="en-US" altLang="zh-CN" sz="1200" kern="0" dirty="0">
-                <a:latin typeface="微软雅黑" panose="020B0503020204020204" pitchFamily="34" charset="-122"/>
-                <a:ea typeface="微软雅黑" panose="020B0503020204020204" pitchFamily="34" charset="-122"/>
-                <a:cs typeface="+mn-ea"/>
-                <a:sym typeface="+mn-lt"/>
-              </a:endParaRPr>
-            </a:p>
-            <a:p>
-              <a:pPr>
-                <a:lnSpc>
-                  <a:spcPct val="130000"/>
-                </a:lnSpc>
-                <a:spcBef>
-                  <a:spcPts val="600"/>
-                </a:spcBef>
-              </a:pPr>
-              <a:endParaRPr lang="en-US" altLang="zh-CN" sz="1200" kern="0" dirty="0">
-                <a:latin typeface="微软雅黑" panose="020B0503020204020204" pitchFamily="34" charset="-122"/>
-                <a:ea typeface="微软雅黑" panose="020B0503020204020204" pitchFamily="34" charset="-122"/>
-                <a:cs typeface="+mn-ea"/>
-                <a:sym typeface="+mn-lt"/>
-              </a:endParaRPr>
-            </a:p>
-          </p:txBody>
-        </p:sp>
-        <p:sp>
-          <p:nvSpPr>
-            <p:cNvPr id="4" name="矩形 3">
-              <a:extLst>
-                <a:ext uri="{FF2B5EF4-FFF2-40B4-BE49-F238E27FC236}">
-                  <a16:creationId xmlns:a16="http://schemas.microsoft.com/office/drawing/2014/main" id="{934BC4BE-B4CA-4F2B-A884-E146211941BA}"/>
-                </a:ext>
-              </a:extLst>
-            </p:cNvPr>
-            <p:cNvSpPr/>
-            <p:nvPr/>
-          </p:nvSpPr>
-          <p:spPr>
-            <a:xfrm>
-              <a:off x="479506" y="700412"/>
-              <a:ext cx="1983473" cy="331078"/>
-            </a:xfrm>
-            <a:prstGeom prst="rect">
-              <a:avLst/>
-            </a:prstGeom>
-            <a:solidFill>
-              <a:schemeClr val="accent1"/>
-            </a:solidFill>
-          </p:spPr>
-          <p:txBody>
-            <a:bodyPr wrap="square" rtlCol="0" anchor="ctr">
-              <a:noAutofit/>
-            </a:bodyPr>
-            <a:lstStyle/>
-            <a:p>
-              <a:pPr algn="l"/>
-              <a:r>
-                <a:rPr lang="zh-CN" altLang="en-US" sz="2000" dirty="0">
-                  <a:solidFill>
-                    <a:schemeClr val="bg1"/>
-                  </a:solidFill>
-                  <a:latin typeface="Arial" panose="020B0604020202020204" pitchFamily="34" charset="0"/>
-                  <a:ea typeface="黑体" panose="02010609060101010101" pitchFamily="49" charset="-122"/>
-                  <a:cs typeface="Arial" panose="020B0604020202020204" pitchFamily="34" charset="0"/>
-                  <a:sym typeface="Arial" panose="020B0604020202020204" pitchFamily="34" charset="0"/>
-                </a:rPr>
-                <a:t>项目内容与成果</a:t>
-              </a:r>
-            </a:p>
-          </p:txBody>
-        </p:sp>
-      </p:grpSp>
-      <p:grpSp>
-        <p:nvGrpSpPr>
-          <p:cNvPr id="8" name="组合 7">
-            <a:extLst>
-              <a:ext uri="{FF2B5EF4-FFF2-40B4-BE49-F238E27FC236}">
-                <a16:creationId xmlns:a16="http://schemas.microsoft.com/office/drawing/2014/main" id="{AF11A775-5357-43A6-B353-B9FAAB8E155F}"/>
-              </a:ext>
-            </a:extLst>
-          </p:cNvPr>
-          <p:cNvGrpSpPr/>
-          <p:nvPr/>
-        </p:nvGrpSpPr>
-        <p:grpSpPr>
-          <a:xfrm>
-            <a:off x="479504" y="4527946"/>
-            <a:ext cx="11009110" cy="1577035"/>
-            <a:chOff x="479505" y="4462990"/>
-            <a:chExt cx="11009110" cy="1577035"/>
-          </a:xfrm>
-        </p:grpSpPr>
-        <p:sp>
-          <p:nvSpPr>
-            <p:cNvPr id="6" name="文本框 5">
-              <a:extLst>
-                <a:ext uri="{FF2B5EF4-FFF2-40B4-BE49-F238E27FC236}">
-                  <a16:creationId xmlns:a16="http://schemas.microsoft.com/office/drawing/2014/main" id="{B6A77415-EFAC-427B-ACE2-8FDD2EB979BE}"/>
-                </a:ext>
-              </a:extLst>
-            </p:cNvPr>
-            <p:cNvSpPr txBox="1"/>
-            <p:nvPr/>
-          </p:nvSpPr>
-          <p:spPr>
-            <a:xfrm>
-              <a:off x="479505" y="4462990"/>
-              <a:ext cx="11009110" cy="1577035"/>
-            </a:xfrm>
-            <a:prstGeom prst="rect">
-              <a:avLst/>
-            </a:prstGeom>
-            <a:noFill/>
-          </p:spPr>
-          <p:txBody>
-            <a:bodyPr wrap="square" rtlCol="0">
-              <a:spAutoFit/>
-            </a:bodyPr>
-            <a:lstStyle/>
-            <a:p>
-              <a:pPr>
-                <a:lnSpc>
-                  <a:spcPct val="130000"/>
-                </a:lnSpc>
-                <a:spcBef>
-                  <a:spcPts val="600"/>
-                </a:spcBef>
-              </a:pPr>
-              <a:endParaRPr lang="en-US" altLang="zh-CN" sz="1200" kern="0" dirty="0">
-                <a:latin typeface="微软雅黑" panose="020B0503020204020204" pitchFamily="34" charset="-122"/>
-                <a:ea typeface="微软雅黑" panose="020B0503020204020204" pitchFamily="34" charset="-122"/>
-                <a:cs typeface="+mn-ea"/>
-                <a:sym typeface="+mn-lt"/>
-              </a:endParaRPr>
-            </a:p>
-            <a:p>
-              <a:pPr>
-                <a:lnSpc>
-                  <a:spcPct val="130000"/>
-                </a:lnSpc>
-                <a:spcBef>
-                  <a:spcPts val="600"/>
-                </a:spcBef>
-              </a:pPr>
-              <a:endParaRPr lang="en-US" altLang="zh-CN" sz="1200" kern="0" dirty="0">
-                <a:latin typeface="微软雅黑" panose="020B0503020204020204" pitchFamily="34" charset="-122"/>
-                <a:ea typeface="微软雅黑" panose="020B0503020204020204" pitchFamily="34" charset="-122"/>
-                <a:cs typeface="+mn-ea"/>
-                <a:sym typeface="+mn-lt"/>
-              </a:endParaRPr>
-            </a:p>
-            <a:p>
-              <a:pPr>
-                <a:lnSpc>
-                  <a:spcPct val="130000"/>
-                </a:lnSpc>
-                <a:spcBef>
-                  <a:spcPts val="600"/>
-                </a:spcBef>
-              </a:pPr>
-              <a:r>
-                <a:rPr lang="zh-CN" altLang="en-US" sz="1200" kern="0" dirty="0">
-                  <a:latin typeface="微软雅黑" panose="020B0503020204020204" pitchFamily="34" charset="-122"/>
-                  <a:ea typeface="微软雅黑" panose="020B0503020204020204" pitchFamily="34" charset="-122"/>
-                  <a:cs typeface="+mn-ea"/>
-                  <a:sym typeface="+mn-lt"/>
-                </a:rPr>
-                <a:t>商务端</a:t>
-              </a:r>
-              <a:r>
-                <a:rPr lang="en-US" altLang="zh-CN" sz="1200" kern="0" dirty="0">
-                  <a:latin typeface="微软雅黑" panose="020B0503020204020204" pitchFamily="34" charset="-122"/>
-                  <a:ea typeface="微软雅黑" panose="020B0503020204020204" pitchFamily="34" charset="-122"/>
-                  <a:cs typeface="+mn-ea"/>
-                  <a:sym typeface="+mn-lt"/>
-                </a:rPr>
-                <a:t>:</a:t>
-              </a:r>
-              <a:r>
-                <a:rPr lang="zh-CN" altLang="en-US" sz="1200" kern="0" dirty="0">
-                  <a:latin typeface="微软雅黑" panose="020B0503020204020204" pitchFamily="34" charset="-122"/>
-                  <a:ea typeface="微软雅黑" panose="020B0503020204020204" pitchFamily="34" charset="-122"/>
-                  <a:cs typeface="+mn-ea"/>
-                  <a:sym typeface="+mn-lt"/>
-                </a:rPr>
-                <a:t>雷朋、王律、武彦林、曾珂</a:t>
-              </a:r>
-              <a:endParaRPr lang="en-US" altLang="zh-CN" sz="1200" kern="0" dirty="0">
-                <a:latin typeface="微软雅黑" panose="020B0503020204020204" pitchFamily="34" charset="-122"/>
-                <a:ea typeface="微软雅黑" panose="020B0503020204020204" pitchFamily="34" charset="-122"/>
-                <a:cs typeface="+mn-ea"/>
-                <a:sym typeface="+mn-lt"/>
-              </a:endParaRPr>
-            </a:p>
-            <a:p>
-              <a:pPr>
-                <a:lnSpc>
-                  <a:spcPct val="130000"/>
-                </a:lnSpc>
-                <a:spcBef>
-                  <a:spcPts val="600"/>
-                </a:spcBef>
-              </a:pPr>
-              <a:r>
-                <a:rPr lang="zh-CN" altLang="en-US" sz="1200" kern="0" dirty="0">
-                  <a:latin typeface="微软雅黑" panose="020B0503020204020204" pitchFamily="34" charset="-122"/>
-                  <a:ea typeface="微软雅黑" panose="020B0503020204020204" pitchFamily="34" charset="-122"/>
-                  <a:cs typeface="+mn-ea"/>
-                  <a:sym typeface="+mn-lt"/>
-                </a:rPr>
-                <a:t>算法、软件</a:t>
-              </a:r>
-              <a:r>
-                <a:rPr lang="en-US" altLang="zh-CN" sz="1200" kern="0" dirty="0">
-                  <a:latin typeface="微软雅黑" panose="020B0503020204020204" pitchFamily="34" charset="-122"/>
-                  <a:ea typeface="微软雅黑" panose="020B0503020204020204" pitchFamily="34" charset="-122"/>
-                  <a:cs typeface="+mn-ea"/>
-                  <a:sym typeface="+mn-lt"/>
-                </a:rPr>
-                <a:t>:</a:t>
-              </a:r>
-              <a:r>
-                <a:rPr lang="zh-CN" altLang="en-US" sz="1200" kern="0" dirty="0">
-                  <a:latin typeface="微软雅黑" panose="020B0503020204020204" pitchFamily="34" charset="-122"/>
-                  <a:ea typeface="微软雅黑" panose="020B0503020204020204" pitchFamily="34" charset="-122"/>
-                  <a:cs typeface="+mn-ea"/>
-                  <a:sym typeface="+mn-lt"/>
-                </a:rPr>
-                <a:t>王远、莫宇、周震东、何水源、马海洋、王超</a:t>
-              </a:r>
-              <a:endParaRPr lang="en-US" altLang="zh-CN" sz="1200" kern="0" dirty="0">
-                <a:latin typeface="微软雅黑" panose="020B0503020204020204" pitchFamily="34" charset="-122"/>
-                <a:ea typeface="微软雅黑" panose="020B0503020204020204" pitchFamily="34" charset="-122"/>
-                <a:cs typeface="+mn-ea"/>
-                <a:sym typeface="+mn-lt"/>
-              </a:endParaRPr>
-            </a:p>
-            <a:p>
-              <a:pPr>
-                <a:lnSpc>
-                  <a:spcPct val="130000"/>
-                </a:lnSpc>
-                <a:spcBef>
-                  <a:spcPts val="600"/>
-                </a:spcBef>
-              </a:pPr>
-              <a:r>
-                <a:rPr lang="en-US" altLang="zh-CN" sz="1200" kern="0" dirty="0">
-                  <a:latin typeface="微软雅黑" panose="020B0503020204020204" pitchFamily="34" charset="-122"/>
-                  <a:ea typeface="微软雅黑" panose="020B0503020204020204" pitchFamily="34" charset="-122"/>
-                  <a:cs typeface="+mn-ea"/>
-                  <a:sym typeface="+mn-lt"/>
-                </a:rPr>
-                <a:t>PM</a:t>
-              </a:r>
-              <a:r>
-                <a:rPr lang="zh-CN" altLang="en-US" sz="1200" kern="0" dirty="0">
-                  <a:latin typeface="微软雅黑" panose="020B0503020204020204" pitchFamily="34" charset="-122"/>
-                  <a:ea typeface="微软雅黑" panose="020B0503020204020204" pitchFamily="34" charset="-122"/>
-                  <a:cs typeface="+mn-ea"/>
-                  <a:sym typeface="+mn-lt"/>
-                </a:rPr>
-                <a:t>、</a:t>
-              </a:r>
-              <a:r>
-                <a:rPr lang="en-US" altLang="zh-CN" sz="1200" kern="0" dirty="0">
-                  <a:latin typeface="微软雅黑" panose="020B0503020204020204" pitchFamily="34" charset="-122"/>
-                  <a:ea typeface="微软雅黑" panose="020B0503020204020204" pitchFamily="34" charset="-122"/>
-                  <a:cs typeface="+mn-ea"/>
-                  <a:sym typeface="+mn-lt"/>
-                </a:rPr>
-                <a:t>FAE</a:t>
-              </a:r>
-              <a:r>
-                <a:rPr lang="zh-CN" altLang="en-US" sz="1200" kern="0" dirty="0">
-                  <a:latin typeface="微软雅黑" panose="020B0503020204020204" pitchFamily="34" charset="-122"/>
-                  <a:ea typeface="微软雅黑" panose="020B0503020204020204" pitchFamily="34" charset="-122"/>
-                  <a:cs typeface="+mn-ea"/>
-                  <a:sym typeface="+mn-lt"/>
-                </a:rPr>
-                <a:t>：汪远、林力、汪桃</a:t>
-              </a:r>
-            </a:p>
-          </p:txBody>
-        </p:sp>
-        <p:sp>
-          <p:nvSpPr>
-            <p:cNvPr id="7" name="矩形 6">
-              <a:extLst>
-                <a:ext uri="{FF2B5EF4-FFF2-40B4-BE49-F238E27FC236}">
-                  <a16:creationId xmlns:a16="http://schemas.microsoft.com/office/drawing/2014/main" id="{5D7729DF-84CE-4F6E-B5D4-DD9C6357DE4E}"/>
-                </a:ext>
-              </a:extLst>
-            </p:cNvPr>
-            <p:cNvSpPr/>
-            <p:nvPr/>
-          </p:nvSpPr>
-          <p:spPr>
-            <a:xfrm>
-              <a:off x="479505" y="4628670"/>
-              <a:ext cx="1983475" cy="410633"/>
-            </a:xfrm>
-            <a:prstGeom prst="rect">
-              <a:avLst/>
-            </a:prstGeom>
-            <a:solidFill>
-              <a:schemeClr val="accent1"/>
-            </a:solidFill>
-          </p:spPr>
-          <p:txBody>
-            <a:bodyPr wrap="square" rtlCol="0" anchor="ctr">
-              <a:noAutofit/>
-            </a:bodyPr>
-            <a:lstStyle/>
-            <a:p>
-              <a:pPr algn="l"/>
-              <a:r>
-                <a:rPr lang="zh-CN" altLang="en-US" sz="2000" dirty="0">
-                  <a:solidFill>
-                    <a:schemeClr val="bg1"/>
-                  </a:solidFill>
-                  <a:latin typeface="Arial" panose="020B0604020202020204" pitchFamily="34" charset="0"/>
-                  <a:ea typeface="黑体" panose="02010609060101010101" pitchFamily="49" charset="-122"/>
-                  <a:cs typeface="Arial" panose="020B0604020202020204" pitchFamily="34" charset="0"/>
-                  <a:sym typeface="Arial" panose="020B0604020202020204" pitchFamily="34" charset="0"/>
-                </a:rPr>
-                <a:t>团队成员</a:t>
-              </a:r>
-            </a:p>
-          </p:txBody>
-        </p:sp>
-      </p:grpSp>
-      <p:grpSp>
-        <p:nvGrpSpPr>
-          <p:cNvPr id="68" name="组合 67">
-            <a:extLst>
-              <a:ext uri="{FF2B5EF4-FFF2-40B4-BE49-F238E27FC236}">
-                <a16:creationId xmlns:a16="http://schemas.microsoft.com/office/drawing/2014/main" id="{8136EB70-2A6D-454D-B807-C4183B491BB7}"/>
-              </a:ext>
-            </a:extLst>
-          </p:cNvPr>
-          <p:cNvGrpSpPr/>
-          <p:nvPr/>
-        </p:nvGrpSpPr>
-        <p:grpSpPr>
-          <a:xfrm>
-            <a:off x="599722" y="1695630"/>
-            <a:ext cx="2720962" cy="1836326"/>
-            <a:chOff x="4965924" y="139273"/>
-            <a:chExt cx="8941531" cy="6068083"/>
-          </a:xfrm>
-        </p:grpSpPr>
-        <p:grpSp>
-          <p:nvGrpSpPr>
-            <p:cNvPr id="69" name="组合 68">
-              <a:extLst>
-                <a:ext uri="{FF2B5EF4-FFF2-40B4-BE49-F238E27FC236}">
-                  <a16:creationId xmlns:a16="http://schemas.microsoft.com/office/drawing/2014/main" id="{93B46D66-CABB-46DF-8F70-45D4D06497F5}"/>
-                </a:ext>
-              </a:extLst>
-            </p:cNvPr>
-            <p:cNvGrpSpPr/>
-            <p:nvPr/>
-          </p:nvGrpSpPr>
-          <p:grpSpPr>
-            <a:xfrm>
-              <a:off x="4965924" y="139273"/>
-              <a:ext cx="8941531" cy="5490684"/>
-              <a:chOff x="4965924" y="139273"/>
-              <a:chExt cx="8941531" cy="5490684"/>
-            </a:xfrm>
-          </p:grpSpPr>
-          <p:grpSp>
-            <p:nvGrpSpPr>
-              <p:cNvPr id="75" name="组合 74">
-                <a:extLst>
-                  <a:ext uri="{FF2B5EF4-FFF2-40B4-BE49-F238E27FC236}">
-                    <a16:creationId xmlns:a16="http://schemas.microsoft.com/office/drawing/2014/main" id="{05C8E55D-6E0D-4D30-B2A7-AB7087D8D390}"/>
-                  </a:ext>
-                </a:extLst>
-              </p:cNvPr>
-              <p:cNvGrpSpPr/>
-              <p:nvPr/>
-            </p:nvGrpSpPr>
-            <p:grpSpPr>
-              <a:xfrm>
-                <a:off x="4965924" y="139273"/>
-                <a:ext cx="8941531" cy="4921043"/>
-                <a:chOff x="5562600" y="130444"/>
-                <a:chExt cx="8941531" cy="4921043"/>
-              </a:xfrm>
-            </p:grpSpPr>
-            <p:cxnSp>
-              <p:nvCxnSpPr>
-                <p:cNvPr id="80" name="直接连接符 79">
-                  <a:extLst>
-                    <a:ext uri="{FF2B5EF4-FFF2-40B4-BE49-F238E27FC236}">
-                      <a16:creationId xmlns:a16="http://schemas.microsoft.com/office/drawing/2014/main" id="{A4A3EEC2-3F55-4696-8D41-49D9D242830D}"/>
-                    </a:ext>
-                  </a:extLst>
-                </p:cNvPr>
-                <p:cNvCxnSpPr/>
-                <p:nvPr/>
-              </p:nvCxnSpPr>
-              <p:spPr>
-                <a:xfrm>
-                  <a:off x="5562600" y="4753293"/>
-                  <a:ext cx="493606" cy="0"/>
-                </a:xfrm>
-                <a:prstGeom prst="line">
-                  <a:avLst/>
-                </a:prstGeom>
-                <a:ln w="19050"/>
-              </p:spPr>
-              <p:style>
-                <a:lnRef idx="1">
-                  <a:schemeClr val="accent1"/>
-                </a:lnRef>
-                <a:fillRef idx="0">
-                  <a:schemeClr val="accent1"/>
-                </a:fillRef>
-                <a:effectRef idx="0">
-                  <a:schemeClr val="accent1"/>
-                </a:effectRef>
-                <a:fontRef idx="minor">
-                  <a:schemeClr val="tx1"/>
-                </a:fontRef>
-              </p:style>
-            </p:cxnSp>
-            <p:cxnSp>
-              <p:nvCxnSpPr>
-                <p:cNvPr id="81" name="直接连接符 80">
-                  <a:extLst>
-                    <a:ext uri="{FF2B5EF4-FFF2-40B4-BE49-F238E27FC236}">
-                      <a16:creationId xmlns:a16="http://schemas.microsoft.com/office/drawing/2014/main" id="{CCF6FE37-B7F6-422A-9E22-2B63DE995EA5}"/>
-                    </a:ext>
-                  </a:extLst>
-                </p:cNvPr>
-                <p:cNvCxnSpPr/>
-                <p:nvPr/>
-              </p:nvCxnSpPr>
-              <p:spPr>
-                <a:xfrm>
-                  <a:off x="6019739" y="4280179"/>
-                  <a:ext cx="493606" cy="0"/>
-                </a:xfrm>
-                <a:prstGeom prst="line">
-                  <a:avLst/>
-                </a:prstGeom>
-                <a:ln w="19050"/>
-              </p:spPr>
-              <p:style>
-                <a:lnRef idx="1">
-                  <a:schemeClr val="accent1"/>
-                </a:lnRef>
-                <a:fillRef idx="0">
-                  <a:schemeClr val="accent1"/>
-                </a:fillRef>
-                <a:effectRef idx="0">
-                  <a:schemeClr val="accent1"/>
-                </a:effectRef>
-                <a:fontRef idx="minor">
-                  <a:schemeClr val="tx1"/>
-                </a:fontRef>
-              </p:style>
-            </p:cxnSp>
-            <p:cxnSp>
-              <p:nvCxnSpPr>
-                <p:cNvPr id="82" name="直接连接符 81">
-                  <a:extLst>
-                    <a:ext uri="{FF2B5EF4-FFF2-40B4-BE49-F238E27FC236}">
-                      <a16:creationId xmlns:a16="http://schemas.microsoft.com/office/drawing/2014/main" id="{165ACA46-F774-4962-8253-DADE777BB02A}"/>
-                    </a:ext>
-                  </a:extLst>
-                </p:cNvPr>
-                <p:cNvCxnSpPr/>
-                <p:nvPr/>
-              </p:nvCxnSpPr>
-              <p:spPr>
-                <a:xfrm>
-                  <a:off x="6450105" y="3837270"/>
-                  <a:ext cx="493606" cy="0"/>
-                </a:xfrm>
-                <a:prstGeom prst="line">
-                  <a:avLst/>
-                </a:prstGeom>
-                <a:ln w="19050"/>
-              </p:spPr>
-              <p:style>
-                <a:lnRef idx="1">
-                  <a:schemeClr val="accent1"/>
-                </a:lnRef>
-                <a:fillRef idx="0">
-                  <a:schemeClr val="accent1"/>
-                </a:fillRef>
-                <a:effectRef idx="0">
-                  <a:schemeClr val="accent1"/>
-                </a:effectRef>
-                <a:fontRef idx="minor">
-                  <a:schemeClr val="tx1"/>
-                </a:fontRef>
-              </p:style>
-            </p:cxnSp>
-            <p:cxnSp>
-              <p:nvCxnSpPr>
-                <p:cNvPr id="83" name="直接连接符 82">
-                  <a:extLst>
-                    <a:ext uri="{FF2B5EF4-FFF2-40B4-BE49-F238E27FC236}">
-                      <a16:creationId xmlns:a16="http://schemas.microsoft.com/office/drawing/2014/main" id="{C5CA9B68-9FD5-4342-97B8-C06E217E80B1}"/>
-                    </a:ext>
-                  </a:extLst>
-                </p:cNvPr>
-                <p:cNvCxnSpPr/>
-                <p:nvPr/>
-              </p:nvCxnSpPr>
-              <p:spPr>
-                <a:xfrm>
-                  <a:off x="6897021" y="3367370"/>
-                  <a:ext cx="493606" cy="0"/>
-                </a:xfrm>
-                <a:prstGeom prst="line">
-                  <a:avLst/>
-                </a:prstGeom>
-                <a:ln w="19050"/>
-              </p:spPr>
-              <p:style>
-                <a:lnRef idx="1">
-                  <a:schemeClr val="accent1"/>
-                </a:lnRef>
-                <a:fillRef idx="0">
-                  <a:schemeClr val="accent1"/>
-                </a:fillRef>
-                <a:effectRef idx="0">
-                  <a:schemeClr val="accent1"/>
-                </a:effectRef>
-                <a:fontRef idx="minor">
-                  <a:schemeClr val="tx1"/>
-                </a:fontRef>
-              </p:style>
-            </p:cxnSp>
-            <p:grpSp>
-              <p:nvGrpSpPr>
-                <p:cNvPr id="84" name="组合 83">
-                  <a:extLst>
-                    <a:ext uri="{FF2B5EF4-FFF2-40B4-BE49-F238E27FC236}">
-                      <a16:creationId xmlns:a16="http://schemas.microsoft.com/office/drawing/2014/main" id="{4593F303-D68C-4E96-9D8D-87F7BD36C4B3}"/>
-                    </a:ext>
-                  </a:extLst>
-                </p:cNvPr>
-                <p:cNvGrpSpPr/>
-                <p:nvPr/>
-              </p:nvGrpSpPr>
-              <p:grpSpPr>
-                <a:xfrm>
-                  <a:off x="6961610" y="1504907"/>
-                  <a:ext cx="7542521" cy="1689325"/>
-                  <a:chOff x="4217438" y="1353494"/>
-                  <a:chExt cx="10039738" cy="2825751"/>
-                </a:xfrm>
-              </p:grpSpPr>
-              <p:sp>
-                <p:nvSpPr>
-                  <p:cNvPr id="120" name="立方体 119">
-                    <a:extLst>
-                      <a:ext uri="{FF2B5EF4-FFF2-40B4-BE49-F238E27FC236}">
-                        <a16:creationId xmlns:a16="http://schemas.microsoft.com/office/drawing/2014/main" id="{44063EDE-4986-4584-83A0-3E71BC1559C9}"/>
-                      </a:ext>
-                    </a:extLst>
-                  </p:cNvPr>
-                  <p:cNvSpPr/>
-                  <p:nvPr/>
-                </p:nvSpPr>
-                <p:spPr>
-                  <a:xfrm>
-                    <a:off x="4217438" y="1353494"/>
-                    <a:ext cx="10039738" cy="2199992"/>
-                  </a:xfrm>
-                  <a:prstGeom prst="cube">
-                    <a:avLst>
-                      <a:gd name="adj" fmla="val 9849"/>
-                    </a:avLst>
-                  </a:prstGeom>
-                  <a:solidFill>
-                    <a:schemeClr val="bg1">
-                      <a:lumMod val="50000"/>
-                    </a:schemeClr>
-                  </a:solidFill>
-                  <a:ln>
-                    <a:solidFill>
-                      <a:schemeClr val="bg1">
-                        <a:lumMod val="50000"/>
-                      </a:schemeClr>
-                    </a:solidFill>
-                  </a:ln>
-                  <a:scene3d>
-                    <a:camera prst="orthographicFront">
-                      <a:rot lat="243718" lon="4202814" rev="15331"/>
-                    </a:camera>
-                    <a:lightRig rig="threePt" dir="t"/>
-                  </a:scene3d>
-                </p:spPr>
-                <p:style>
-                  <a:lnRef idx="2">
-                    <a:schemeClr val="accent1">
-                      <a:shade val="50000"/>
-                    </a:schemeClr>
-                  </a:lnRef>
-                  <a:fillRef idx="1">
-                    <a:schemeClr val="accent1"/>
-                  </a:fillRef>
-                  <a:effectRef idx="0">
-                    <a:schemeClr val="accent1"/>
-                  </a:effectRef>
-                  <a:fontRef idx="minor">
-                    <a:schemeClr val="lt1"/>
-                  </a:fontRef>
-                </p:style>
-                <p:txBody>
-                  <a:bodyPr rtlCol="0" anchor="ctr"/>
-                  <a:lstStyle/>
-                  <a:p>
-                    <a:pPr algn="ctr"/>
-                    <a:endParaRPr lang="zh-CN" altLang="en-US" dirty="0"/>
-                  </a:p>
-                </p:txBody>
-              </p:sp>
-              <p:grpSp>
-                <p:nvGrpSpPr>
-                  <p:cNvPr id="121" name="组合 120">
-                    <a:extLst>
-                      <a:ext uri="{FF2B5EF4-FFF2-40B4-BE49-F238E27FC236}">
-                        <a16:creationId xmlns:a16="http://schemas.microsoft.com/office/drawing/2014/main" id="{5D979322-6D8C-4BA0-8173-58A19BC595FF}"/>
-                      </a:ext>
-                    </a:extLst>
-                  </p:cNvPr>
-                  <p:cNvGrpSpPr/>
-                  <p:nvPr/>
-                </p:nvGrpSpPr>
-                <p:grpSpPr>
-                  <a:xfrm>
-                    <a:off x="4754483" y="1643925"/>
-                    <a:ext cx="8884823" cy="2535320"/>
-                    <a:chOff x="4754483" y="1643925"/>
-                    <a:chExt cx="8884823" cy="2535320"/>
-                  </a:xfrm>
-                </p:grpSpPr>
-                <p:sp>
-                  <p:nvSpPr>
-                    <p:cNvPr id="122" name="矩形 121">
-                      <a:extLst>
-                        <a:ext uri="{FF2B5EF4-FFF2-40B4-BE49-F238E27FC236}">
-                          <a16:creationId xmlns:a16="http://schemas.microsoft.com/office/drawing/2014/main" id="{429AF106-59F1-4D7B-85C8-2A4AFBD1B49F}"/>
-                        </a:ext>
-                      </a:extLst>
-                    </p:cNvPr>
-                    <p:cNvSpPr/>
-                    <p:nvPr/>
-                  </p:nvSpPr>
-                  <p:spPr>
-                    <a:xfrm>
-                      <a:off x="8733455" y="3341874"/>
-                      <a:ext cx="522514" cy="681564"/>
-                    </a:xfrm>
-                    <a:prstGeom prst="rect">
-                      <a:avLst/>
-                    </a:prstGeom>
-                    <a:solidFill>
-                      <a:schemeClr val="bg1">
-                        <a:lumMod val="50000"/>
-                      </a:schemeClr>
-                    </a:solidFill>
-                    <a:ln>
-                      <a:solidFill>
-                        <a:schemeClr val="bg1">
-                          <a:lumMod val="50000"/>
-                        </a:schemeClr>
-                      </a:solidFill>
-                    </a:ln>
-                  </p:spPr>
-                  <p:style>
-                    <a:lnRef idx="2">
-                      <a:schemeClr val="accent1">
-                        <a:shade val="50000"/>
-                      </a:schemeClr>
-                    </a:lnRef>
-                    <a:fillRef idx="1">
-                      <a:schemeClr val="accent1"/>
-                    </a:fillRef>
-                    <a:effectRef idx="0">
-                      <a:schemeClr val="accent1"/>
-                    </a:effectRef>
-                    <a:fontRef idx="minor">
-                      <a:schemeClr val="lt1"/>
-                    </a:fontRef>
-                  </p:style>
-                  <p:txBody>
-                    <a:bodyPr rtlCol="0" anchor="ctr"/>
-                    <a:lstStyle/>
-                    <a:p>
-                      <a:pPr algn="ctr"/>
-                      <a:endParaRPr lang="zh-CN" altLang="en-US"/>
-                    </a:p>
-                  </p:txBody>
-                </p:sp>
-                <p:pic>
-                  <p:nvPicPr>
-                    <p:cNvPr id="123" name="图片 122">
-                      <a:extLst>
-                        <a:ext uri="{FF2B5EF4-FFF2-40B4-BE49-F238E27FC236}">
-                          <a16:creationId xmlns:a16="http://schemas.microsoft.com/office/drawing/2014/main" id="{2C79E17E-4239-4838-B660-4D6BA40A936A}"/>
-                        </a:ext>
-                      </a:extLst>
-                    </p:cNvPr>
-                    <p:cNvPicPr>
-                      <a:picLocks noChangeAspect="1"/>
-                    </p:cNvPicPr>
-                    <p:nvPr/>
-                  </p:nvPicPr>
-                  <p:blipFill>
-                    <a:blip r:embed="rId2"/>
-                    <a:stretch>
-                      <a:fillRect/>
-                    </a:stretch>
-                  </p:blipFill>
-                  <p:spPr>
-                    <a:xfrm>
-                      <a:off x="4754483" y="1643925"/>
-                      <a:ext cx="8884823" cy="1828675"/>
-                    </a:xfrm>
-                    <a:prstGeom prst="rect">
-                      <a:avLst/>
-                    </a:prstGeom>
-                    <a:scene3d>
-                      <a:camera prst="orthographicFront">
-                        <a:rot lat="246000" lon="4200000" rev="18000"/>
-                      </a:camera>
-                      <a:lightRig rig="threePt" dir="t"/>
-                    </a:scene3d>
-                  </p:spPr>
-                </p:pic>
-                <p:sp>
-                  <p:nvSpPr>
-                    <p:cNvPr id="124" name="立方体 123">
-                      <a:extLst>
-                        <a:ext uri="{FF2B5EF4-FFF2-40B4-BE49-F238E27FC236}">
-                          <a16:creationId xmlns:a16="http://schemas.microsoft.com/office/drawing/2014/main" id="{54A8796A-E9ED-49E1-9BD9-3BCE2AB0208D}"/>
-                        </a:ext>
-                      </a:extLst>
-                    </p:cNvPr>
-                    <p:cNvSpPr/>
-                    <p:nvPr/>
-                  </p:nvSpPr>
-                  <p:spPr>
-                    <a:xfrm rot="654931">
-                      <a:off x="7056371" y="3890323"/>
-                      <a:ext cx="3926360" cy="288922"/>
-                    </a:xfrm>
-                    <a:prstGeom prst="cube">
-                      <a:avLst>
-                        <a:gd name="adj" fmla="val 65954"/>
-                      </a:avLst>
-                    </a:prstGeom>
-                    <a:solidFill>
-                      <a:schemeClr val="bg1">
-                        <a:lumMod val="50000"/>
-                      </a:schemeClr>
-                    </a:solidFill>
-                    <a:ln>
-                      <a:solidFill>
-                        <a:schemeClr val="bg1">
-                          <a:lumMod val="50000"/>
-                        </a:schemeClr>
-                      </a:solidFill>
-                    </a:ln>
-                  </p:spPr>
-                  <p:style>
-                    <a:lnRef idx="2">
-                      <a:schemeClr val="accent1">
-                        <a:shade val="50000"/>
-                      </a:schemeClr>
-                    </a:lnRef>
-                    <a:fillRef idx="1">
-                      <a:schemeClr val="accent1"/>
-                    </a:fillRef>
-                    <a:effectRef idx="0">
-                      <a:schemeClr val="accent1"/>
-                    </a:effectRef>
-                    <a:fontRef idx="minor">
-                      <a:schemeClr val="lt1"/>
-                    </a:fontRef>
-                  </p:style>
-                  <p:txBody>
-                    <a:bodyPr rtlCol="0" anchor="ctr"/>
-                    <a:lstStyle/>
-                    <a:p>
-                      <a:pPr algn="ctr"/>
-                      <a:endParaRPr lang="zh-CN" altLang="en-US"/>
-                    </a:p>
-                  </p:txBody>
-                </p:sp>
-              </p:grpSp>
-            </p:grpSp>
-            <p:grpSp>
-              <p:nvGrpSpPr>
-                <p:cNvPr id="85" name="组合 84">
-                  <a:extLst>
-                    <a:ext uri="{FF2B5EF4-FFF2-40B4-BE49-F238E27FC236}">
-                      <a16:creationId xmlns:a16="http://schemas.microsoft.com/office/drawing/2014/main" id="{A1C5BDCB-25DC-41B3-B9B6-A0A92238D831}"/>
-                    </a:ext>
-                  </a:extLst>
-                </p:cNvPr>
-                <p:cNvGrpSpPr/>
-                <p:nvPr/>
-              </p:nvGrpSpPr>
-              <p:grpSpPr>
-                <a:xfrm>
-                  <a:off x="7818662" y="130444"/>
-                  <a:ext cx="660400" cy="1527949"/>
-                  <a:chOff x="10502900" y="3517900"/>
-                  <a:chExt cx="660400" cy="1527949"/>
-                </a:xfrm>
-              </p:grpSpPr>
-              <p:sp>
-                <p:nvSpPr>
-                  <p:cNvPr id="111" name="矩形: 圆角 110">
-                    <a:extLst>
-                      <a:ext uri="{FF2B5EF4-FFF2-40B4-BE49-F238E27FC236}">
-                        <a16:creationId xmlns:a16="http://schemas.microsoft.com/office/drawing/2014/main" id="{21CE7BC1-D253-4CFA-8ED5-768B395FE34D}"/>
-                      </a:ext>
-                    </a:extLst>
-                  </p:cNvPr>
-                  <p:cNvSpPr/>
-                  <p:nvPr/>
-                </p:nvSpPr>
-                <p:spPr>
-                  <a:xfrm>
-                    <a:off x="10631446" y="3517900"/>
-                    <a:ext cx="406400" cy="1185257"/>
-                  </a:xfrm>
-                  <a:prstGeom prst="roundRect">
-                    <a:avLst>
-                      <a:gd name="adj" fmla="val 44792"/>
-                    </a:avLst>
-                  </a:prstGeom>
-                  <a:solidFill>
-                    <a:schemeClr val="bg1">
-                      <a:lumMod val="50000"/>
-                    </a:schemeClr>
-                  </a:solidFill>
-                  <a:ln>
-                    <a:solidFill>
-                      <a:schemeClr val="bg1">
-                        <a:lumMod val="50000"/>
-                      </a:schemeClr>
-                    </a:solidFill>
-                  </a:ln>
-                </p:spPr>
-                <p:style>
-                  <a:lnRef idx="2">
-                    <a:schemeClr val="accent1">
-                      <a:shade val="50000"/>
-                    </a:schemeClr>
-                  </a:lnRef>
-                  <a:fillRef idx="1">
-                    <a:schemeClr val="accent1"/>
-                  </a:fillRef>
-                  <a:effectRef idx="0">
-                    <a:schemeClr val="accent1"/>
-                  </a:effectRef>
-                  <a:fontRef idx="minor">
-                    <a:schemeClr val="lt1"/>
-                  </a:fontRef>
-                </p:style>
-                <p:txBody>
-                  <a:bodyPr rtlCol="0" anchor="ctr"/>
-                  <a:lstStyle/>
-                  <a:p>
-                    <a:pPr algn="ctr"/>
-                    <a:endParaRPr lang="zh-CN" altLang="en-US"/>
-                  </a:p>
-                </p:txBody>
-              </p:sp>
-              <p:sp>
-                <p:nvSpPr>
-                  <p:cNvPr id="112" name="矩形 111">
-                    <a:extLst>
-                      <a:ext uri="{FF2B5EF4-FFF2-40B4-BE49-F238E27FC236}">
-                        <a16:creationId xmlns:a16="http://schemas.microsoft.com/office/drawing/2014/main" id="{FFB37724-FA66-4B96-96F2-DAD77B9519B5}"/>
-                      </a:ext>
-                    </a:extLst>
-                  </p:cNvPr>
-                  <p:cNvSpPr/>
-                  <p:nvPr/>
-                </p:nvSpPr>
-                <p:spPr>
-                  <a:xfrm>
-                    <a:off x="10783846" y="4525357"/>
-                    <a:ext cx="101600" cy="355600"/>
-                  </a:xfrm>
-                  <a:prstGeom prst="rect">
-                    <a:avLst/>
-                  </a:prstGeom>
-                  <a:solidFill>
-                    <a:schemeClr val="bg1">
-                      <a:lumMod val="50000"/>
-                    </a:schemeClr>
-                  </a:solidFill>
-                  <a:ln>
-                    <a:solidFill>
-                      <a:schemeClr val="bg1">
-                        <a:lumMod val="50000"/>
-                      </a:schemeClr>
-                    </a:solidFill>
-                  </a:ln>
-                </p:spPr>
-                <p:style>
-                  <a:lnRef idx="2">
-                    <a:schemeClr val="accent1">
-                      <a:shade val="50000"/>
-                    </a:schemeClr>
-                  </a:lnRef>
-                  <a:fillRef idx="1">
-                    <a:schemeClr val="accent1"/>
-                  </a:fillRef>
-                  <a:effectRef idx="0">
-                    <a:schemeClr val="accent1"/>
-                  </a:effectRef>
-                  <a:fontRef idx="minor">
-                    <a:schemeClr val="lt1"/>
-                  </a:fontRef>
-                </p:style>
-                <p:txBody>
-                  <a:bodyPr rtlCol="0" anchor="ctr"/>
-                  <a:lstStyle/>
-                  <a:p>
-                    <a:pPr algn="ctr"/>
-                    <a:endParaRPr lang="zh-CN" altLang="en-US"/>
-                  </a:p>
-                </p:txBody>
-              </p:sp>
-              <p:sp>
-                <p:nvSpPr>
-                  <p:cNvPr id="113" name="椭圆 112">
-                    <a:extLst>
-                      <a:ext uri="{FF2B5EF4-FFF2-40B4-BE49-F238E27FC236}">
-                        <a16:creationId xmlns:a16="http://schemas.microsoft.com/office/drawing/2014/main" id="{7CA7249A-8580-48F2-A4F0-104D75B021F2}"/>
-                      </a:ext>
-                    </a:extLst>
-                  </p:cNvPr>
-                  <p:cNvSpPr/>
-                  <p:nvPr/>
-                </p:nvSpPr>
-                <p:spPr>
-                  <a:xfrm>
-                    <a:off x="10502900" y="4851400"/>
-                    <a:ext cx="660400" cy="194449"/>
-                  </a:xfrm>
-                  <a:prstGeom prst="ellipse">
-                    <a:avLst/>
-                  </a:prstGeom>
-                  <a:solidFill>
-                    <a:schemeClr val="bg1">
-                      <a:lumMod val="50000"/>
-                    </a:schemeClr>
-                  </a:solidFill>
-                  <a:ln>
-                    <a:solidFill>
-                      <a:schemeClr val="bg1">
-                        <a:lumMod val="50000"/>
-                      </a:schemeClr>
-                    </a:solidFill>
-                  </a:ln>
-                </p:spPr>
-                <p:style>
-                  <a:lnRef idx="2">
-                    <a:schemeClr val="accent1">
-                      <a:shade val="50000"/>
-                    </a:schemeClr>
-                  </a:lnRef>
-                  <a:fillRef idx="1">
-                    <a:schemeClr val="accent1"/>
-                  </a:fillRef>
-                  <a:effectRef idx="0">
-                    <a:schemeClr val="accent1"/>
-                  </a:effectRef>
-                  <a:fontRef idx="minor">
-                    <a:schemeClr val="lt1"/>
-                  </a:fontRef>
-                </p:style>
-                <p:txBody>
-                  <a:bodyPr rtlCol="0" anchor="ctr"/>
-                  <a:lstStyle/>
-                  <a:p>
-                    <a:pPr algn="ctr"/>
-                    <a:endParaRPr lang="zh-CN" altLang="en-US"/>
-                  </a:p>
-                </p:txBody>
-              </p:sp>
-              <p:sp>
-                <p:nvSpPr>
-                  <p:cNvPr id="114" name="矩形 113">
-                    <a:extLst>
-                      <a:ext uri="{FF2B5EF4-FFF2-40B4-BE49-F238E27FC236}">
-                        <a16:creationId xmlns:a16="http://schemas.microsoft.com/office/drawing/2014/main" id="{E4D2FC51-917A-4119-8F2A-ECC39DBC0EA9}"/>
-                      </a:ext>
-                    </a:extLst>
-                  </p:cNvPr>
-                  <p:cNvSpPr/>
-                  <p:nvPr/>
-                </p:nvSpPr>
-                <p:spPr>
-                  <a:xfrm>
-                    <a:off x="10680700" y="3685459"/>
-                    <a:ext cx="304800" cy="895870"/>
-                  </a:xfrm>
-                  <a:prstGeom prst="rect">
-                    <a:avLst/>
-                  </a:prstGeom>
-                  <a:solidFill>
-                    <a:schemeClr val="bg1"/>
-                  </a:solidFill>
-                  <a:ln>
-                    <a:noFill/>
-                  </a:ln>
-                </p:spPr>
-                <p:style>
-                  <a:lnRef idx="2">
-                    <a:schemeClr val="accent1">
-                      <a:shade val="50000"/>
-                    </a:schemeClr>
-                  </a:lnRef>
-                  <a:fillRef idx="1">
-                    <a:schemeClr val="accent1"/>
-                  </a:fillRef>
-                  <a:effectRef idx="0">
-                    <a:schemeClr val="accent1"/>
-                  </a:effectRef>
-                  <a:fontRef idx="minor">
-                    <a:schemeClr val="lt1"/>
-                  </a:fontRef>
-                </p:style>
-                <p:txBody>
-                  <a:bodyPr rtlCol="0" anchor="ctr"/>
-                  <a:lstStyle/>
-                  <a:p>
-                    <a:pPr algn="ctr"/>
-                    <a:endParaRPr lang="zh-CN" altLang="en-US"/>
-                  </a:p>
-                </p:txBody>
-              </p:sp>
-              <p:sp>
-                <p:nvSpPr>
-                  <p:cNvPr id="115" name="矩形 114">
-                    <a:extLst>
-                      <a:ext uri="{FF2B5EF4-FFF2-40B4-BE49-F238E27FC236}">
-                        <a16:creationId xmlns:a16="http://schemas.microsoft.com/office/drawing/2014/main" id="{B57B8D8A-8A84-47E2-B07B-613A39E0AB2F}"/>
-                      </a:ext>
-                    </a:extLst>
-                  </p:cNvPr>
-                  <p:cNvSpPr/>
-                  <p:nvPr/>
-                </p:nvSpPr>
-                <p:spPr>
-                  <a:xfrm>
-                    <a:off x="10631446" y="3928188"/>
-                    <a:ext cx="406400" cy="111967"/>
-                  </a:xfrm>
-                  <a:prstGeom prst="rect">
-                    <a:avLst/>
-                  </a:prstGeom>
-                  <a:solidFill>
-                    <a:schemeClr val="bg1">
-                      <a:lumMod val="50000"/>
-                    </a:schemeClr>
-                  </a:solidFill>
-                  <a:ln>
-                    <a:solidFill>
-                      <a:schemeClr val="bg1">
-                        <a:lumMod val="50000"/>
-                      </a:schemeClr>
-                    </a:solidFill>
-                  </a:ln>
-                </p:spPr>
-                <p:style>
-                  <a:lnRef idx="2">
-                    <a:schemeClr val="accent1">
-                      <a:shade val="50000"/>
-                    </a:schemeClr>
-                  </a:lnRef>
-                  <a:fillRef idx="1">
-                    <a:schemeClr val="accent1"/>
-                  </a:fillRef>
-                  <a:effectRef idx="0">
-                    <a:schemeClr val="accent1"/>
-                  </a:effectRef>
-                  <a:fontRef idx="minor">
-                    <a:schemeClr val="lt1"/>
-                  </a:fontRef>
-                </p:style>
-                <p:txBody>
-                  <a:bodyPr rtlCol="0" anchor="ctr"/>
-                  <a:lstStyle/>
-                  <a:p>
-                    <a:pPr algn="ctr"/>
-                    <a:endParaRPr lang="zh-CN" altLang="en-US"/>
-                  </a:p>
-                </p:txBody>
-              </p:sp>
-              <p:sp>
-                <p:nvSpPr>
-                  <p:cNvPr id="116" name="矩形 115">
-                    <a:extLst>
-                      <a:ext uri="{FF2B5EF4-FFF2-40B4-BE49-F238E27FC236}">
-                        <a16:creationId xmlns:a16="http://schemas.microsoft.com/office/drawing/2014/main" id="{37912CBF-8D3C-460E-9740-C2734D2981FD}"/>
-                      </a:ext>
-                    </a:extLst>
-                  </p:cNvPr>
-                  <p:cNvSpPr/>
-                  <p:nvPr/>
-                </p:nvSpPr>
-                <p:spPr>
-                  <a:xfrm>
-                    <a:off x="10634551" y="4239212"/>
-                    <a:ext cx="406400" cy="111967"/>
-                  </a:xfrm>
-                  <a:prstGeom prst="rect">
-                    <a:avLst/>
-                  </a:prstGeom>
-                  <a:solidFill>
-                    <a:schemeClr val="bg1">
-                      <a:lumMod val="50000"/>
-                    </a:schemeClr>
-                  </a:solidFill>
-                  <a:ln>
-                    <a:solidFill>
-                      <a:schemeClr val="bg1">
-                        <a:lumMod val="50000"/>
-                      </a:schemeClr>
-                    </a:solidFill>
-                  </a:ln>
-                </p:spPr>
-                <p:style>
-                  <a:lnRef idx="2">
-                    <a:schemeClr val="accent1">
-                      <a:shade val="50000"/>
-                    </a:schemeClr>
-                  </a:lnRef>
-                  <a:fillRef idx="1">
-                    <a:schemeClr val="accent1"/>
-                  </a:fillRef>
-                  <a:effectRef idx="0">
-                    <a:schemeClr val="accent1"/>
-                  </a:effectRef>
-                  <a:fontRef idx="minor">
-                    <a:schemeClr val="lt1"/>
-                  </a:fontRef>
-                </p:style>
-                <p:txBody>
-                  <a:bodyPr rtlCol="0" anchor="ctr"/>
-                  <a:lstStyle/>
-                  <a:p>
-                    <a:pPr algn="ctr"/>
-                    <a:endParaRPr lang="zh-CN" altLang="en-US"/>
-                  </a:p>
-                </p:txBody>
-              </p:sp>
-              <p:sp>
-                <p:nvSpPr>
-                  <p:cNvPr id="117" name="矩形 116">
-                    <a:extLst>
-                      <a:ext uri="{FF2B5EF4-FFF2-40B4-BE49-F238E27FC236}">
-                        <a16:creationId xmlns:a16="http://schemas.microsoft.com/office/drawing/2014/main" id="{017ECB8B-9C78-42FE-BFBD-CF2F86FA903D}"/>
-                      </a:ext>
-                    </a:extLst>
-                  </p:cNvPr>
-                  <p:cNvSpPr/>
-                  <p:nvPr/>
-                </p:nvSpPr>
-                <p:spPr>
-                  <a:xfrm>
-                    <a:off x="10677595" y="3669449"/>
-                    <a:ext cx="307905" cy="255738"/>
-                  </a:xfrm>
-                  <a:prstGeom prst="rect">
-                    <a:avLst/>
-                  </a:prstGeom>
-                  <a:solidFill>
-                    <a:srgbClr val="FF6658"/>
-                  </a:solidFill>
-                  <a:ln>
-                    <a:noFill/>
-                  </a:ln>
-                </p:spPr>
-                <p:style>
-                  <a:lnRef idx="2">
-                    <a:schemeClr val="accent1">
-                      <a:shade val="50000"/>
-                    </a:schemeClr>
-                  </a:lnRef>
-                  <a:fillRef idx="1">
-                    <a:schemeClr val="accent1"/>
-                  </a:fillRef>
-                  <a:effectRef idx="0">
-                    <a:schemeClr val="accent1"/>
-                  </a:effectRef>
-                  <a:fontRef idx="minor">
-                    <a:schemeClr val="lt1"/>
-                  </a:fontRef>
-                </p:style>
-                <p:txBody>
-                  <a:bodyPr rtlCol="0" anchor="ctr"/>
-                  <a:lstStyle/>
-                  <a:p>
-                    <a:pPr algn="ctr"/>
-                    <a:endParaRPr lang="zh-CN" altLang="en-US"/>
-                  </a:p>
-                </p:txBody>
-              </p:sp>
-              <p:sp>
-                <p:nvSpPr>
-                  <p:cNvPr id="118" name="矩形 117">
-                    <a:extLst>
-                      <a:ext uri="{FF2B5EF4-FFF2-40B4-BE49-F238E27FC236}">
-                        <a16:creationId xmlns:a16="http://schemas.microsoft.com/office/drawing/2014/main" id="{5E25BD17-4519-4128-81DE-2F6C3B8D9B41}"/>
-                      </a:ext>
-                    </a:extLst>
-                  </p:cNvPr>
-                  <p:cNvSpPr/>
-                  <p:nvPr/>
-                </p:nvSpPr>
-                <p:spPr>
-                  <a:xfrm>
-                    <a:off x="10677595" y="4354180"/>
-                    <a:ext cx="307905" cy="227149"/>
-                  </a:xfrm>
-                  <a:prstGeom prst="rect">
-                    <a:avLst/>
-                  </a:prstGeom>
-                  <a:solidFill>
-                    <a:srgbClr val="92D050"/>
-                  </a:solidFill>
-                  <a:ln>
-                    <a:noFill/>
-                  </a:ln>
-                </p:spPr>
-                <p:style>
-                  <a:lnRef idx="2">
-                    <a:schemeClr val="accent1">
-                      <a:shade val="50000"/>
-                    </a:schemeClr>
-                  </a:lnRef>
-                  <a:fillRef idx="1">
-                    <a:schemeClr val="accent1"/>
-                  </a:fillRef>
-                  <a:effectRef idx="0">
-                    <a:schemeClr val="accent1"/>
-                  </a:effectRef>
-                  <a:fontRef idx="minor">
-                    <a:schemeClr val="lt1"/>
-                  </a:fontRef>
-                </p:style>
-                <p:txBody>
-                  <a:bodyPr rtlCol="0" anchor="ctr"/>
-                  <a:lstStyle/>
-                  <a:p>
-                    <a:pPr algn="ctr"/>
-                    <a:endParaRPr lang="zh-CN" altLang="en-US"/>
-                  </a:p>
-                </p:txBody>
-              </p:sp>
-              <p:sp>
-                <p:nvSpPr>
-                  <p:cNvPr id="119" name="矩形 118">
-                    <a:extLst>
-                      <a:ext uri="{FF2B5EF4-FFF2-40B4-BE49-F238E27FC236}">
-                        <a16:creationId xmlns:a16="http://schemas.microsoft.com/office/drawing/2014/main" id="{407E2A55-1B25-4915-9A83-5C2DFD29D951}"/>
-                      </a:ext>
-                    </a:extLst>
-                  </p:cNvPr>
-                  <p:cNvSpPr/>
-                  <p:nvPr/>
-                </p:nvSpPr>
-                <p:spPr>
-                  <a:xfrm>
-                    <a:off x="10680700" y="4040029"/>
-                    <a:ext cx="304800" cy="217785"/>
-                  </a:xfrm>
-                  <a:prstGeom prst="rect">
-                    <a:avLst/>
-                  </a:prstGeom>
-                  <a:solidFill>
-                    <a:srgbClr val="FFFF00"/>
-                  </a:solidFill>
-                  <a:ln>
-                    <a:noFill/>
-                  </a:ln>
-                </p:spPr>
-                <p:style>
-                  <a:lnRef idx="2">
-                    <a:schemeClr val="accent1">
-                      <a:shade val="50000"/>
-                    </a:schemeClr>
-                  </a:lnRef>
-                  <a:fillRef idx="1">
-                    <a:schemeClr val="accent1"/>
-                  </a:fillRef>
-                  <a:effectRef idx="0">
-                    <a:schemeClr val="accent1"/>
-                  </a:effectRef>
-                  <a:fontRef idx="minor">
-                    <a:schemeClr val="lt1"/>
-                  </a:fontRef>
-                </p:style>
-                <p:txBody>
-                  <a:bodyPr rtlCol="0" anchor="ctr"/>
-                  <a:lstStyle/>
-                  <a:p>
-                    <a:pPr algn="ctr"/>
-                    <a:endParaRPr lang="zh-CN" altLang="en-US">
-                      <a:solidFill>
-                        <a:srgbClr val="FFFF00"/>
-                      </a:solidFill>
-                    </a:endParaRPr>
-                  </a:p>
-                </p:txBody>
-              </p:sp>
-            </p:grpSp>
-            <p:grpSp>
-              <p:nvGrpSpPr>
-                <p:cNvPr id="86" name="组合 85">
-                  <a:extLst>
-                    <a:ext uri="{FF2B5EF4-FFF2-40B4-BE49-F238E27FC236}">
-                      <a16:creationId xmlns:a16="http://schemas.microsoft.com/office/drawing/2014/main" id="{E51F616B-3E68-4851-A81A-B2DD88E27F78}"/>
-                    </a:ext>
-                  </a:extLst>
-                </p:cNvPr>
-                <p:cNvGrpSpPr/>
-                <p:nvPr/>
-              </p:nvGrpSpPr>
-              <p:grpSpPr>
-                <a:xfrm>
-                  <a:off x="5831921" y="1230334"/>
-                  <a:ext cx="1330944" cy="2035264"/>
-                  <a:chOff x="5293056" y="1700468"/>
-                  <a:chExt cx="1642545" cy="2097795"/>
-                </a:xfrm>
-              </p:grpSpPr>
-              <p:sp>
-                <p:nvSpPr>
-                  <p:cNvPr id="103" name="立方体 102">
-                    <a:extLst>
-                      <a:ext uri="{FF2B5EF4-FFF2-40B4-BE49-F238E27FC236}">
-                        <a16:creationId xmlns:a16="http://schemas.microsoft.com/office/drawing/2014/main" id="{B714E5E1-7F81-45CF-8BCB-FFB931F22C53}"/>
-                      </a:ext>
-                    </a:extLst>
-                  </p:cNvPr>
-                  <p:cNvSpPr/>
-                  <p:nvPr/>
-                </p:nvSpPr>
-                <p:spPr>
-                  <a:xfrm>
-                    <a:off x="5293056" y="1700468"/>
-                    <a:ext cx="1642545" cy="2097795"/>
-                  </a:xfrm>
-                  <a:prstGeom prst="cube">
-                    <a:avLst>
-                      <a:gd name="adj" fmla="val 43557"/>
-                    </a:avLst>
-                  </a:prstGeom>
-                  <a:solidFill>
-                    <a:schemeClr val="bg1">
-                      <a:lumMod val="50000"/>
-                    </a:schemeClr>
-                  </a:solidFill>
-                  <a:ln>
-                    <a:solidFill>
-                      <a:schemeClr val="bg1">
-                        <a:lumMod val="50000"/>
-                      </a:schemeClr>
-                    </a:solidFill>
-                  </a:ln>
-                </p:spPr>
-                <p:style>
-                  <a:lnRef idx="2">
-                    <a:schemeClr val="accent1">
-                      <a:shade val="50000"/>
-                    </a:schemeClr>
-                  </a:lnRef>
-                  <a:fillRef idx="1">
-                    <a:schemeClr val="accent1"/>
-                  </a:fillRef>
-                  <a:effectRef idx="0">
-                    <a:schemeClr val="accent1"/>
-                  </a:effectRef>
-                  <a:fontRef idx="minor">
-                    <a:schemeClr val="lt1"/>
-                  </a:fontRef>
-                </p:style>
-                <p:txBody>
-                  <a:bodyPr rtlCol="0" anchor="ctr"/>
-                  <a:lstStyle/>
-                  <a:p>
-                    <a:pPr algn="ctr"/>
-                    <a:endParaRPr lang="zh-CN" altLang="en-US" dirty="0"/>
-                  </a:p>
-                </p:txBody>
-              </p:sp>
-              <p:sp>
-                <p:nvSpPr>
-                  <p:cNvPr id="104" name="矩形 103">
-                    <a:extLst>
-                      <a:ext uri="{FF2B5EF4-FFF2-40B4-BE49-F238E27FC236}">
-                        <a16:creationId xmlns:a16="http://schemas.microsoft.com/office/drawing/2014/main" id="{E0C51D8B-5D7B-4EE3-8B36-351FD81CFC37}"/>
-                      </a:ext>
-                    </a:extLst>
-                  </p:cNvPr>
-                  <p:cNvSpPr/>
-                  <p:nvPr/>
-                </p:nvSpPr>
-                <p:spPr>
-                  <a:xfrm>
-                    <a:off x="5444403" y="2566279"/>
-                    <a:ext cx="657215" cy="164428"/>
-                  </a:xfrm>
-                  <a:prstGeom prst="rect">
-                    <a:avLst/>
-                  </a:prstGeom>
-                  <a:solidFill>
-                    <a:schemeClr val="bg1"/>
-                  </a:solidFill>
-                  <a:ln>
-                    <a:noFill/>
-                  </a:ln>
-                </p:spPr>
-                <p:style>
-                  <a:lnRef idx="2">
-                    <a:schemeClr val="accent1">
-                      <a:shade val="50000"/>
-                    </a:schemeClr>
-                  </a:lnRef>
-                  <a:fillRef idx="1">
-                    <a:schemeClr val="accent1"/>
-                  </a:fillRef>
-                  <a:effectRef idx="0">
-                    <a:schemeClr val="accent1"/>
-                  </a:effectRef>
-                  <a:fontRef idx="minor">
-                    <a:schemeClr val="lt1"/>
-                  </a:fontRef>
-                </p:style>
-                <p:txBody>
-                  <a:bodyPr rtlCol="0" anchor="ctr"/>
-                  <a:lstStyle/>
-                  <a:p>
-                    <a:pPr algn="ctr"/>
-                    <a:endParaRPr lang="zh-CN" altLang="en-US"/>
-                  </a:p>
-                </p:txBody>
-              </p:sp>
-              <p:sp>
-                <p:nvSpPr>
-                  <p:cNvPr id="105" name="矩形 104">
-                    <a:extLst>
-                      <a:ext uri="{FF2B5EF4-FFF2-40B4-BE49-F238E27FC236}">
-                        <a16:creationId xmlns:a16="http://schemas.microsoft.com/office/drawing/2014/main" id="{E3D05741-04A5-49E0-8E80-69E33AF2AC21}"/>
-                      </a:ext>
-                    </a:extLst>
-                  </p:cNvPr>
-                  <p:cNvSpPr/>
-                  <p:nvPr/>
-                </p:nvSpPr>
-                <p:spPr>
-                  <a:xfrm>
-                    <a:off x="5444401" y="3408101"/>
-                    <a:ext cx="657213" cy="58999"/>
-                  </a:xfrm>
-                  <a:prstGeom prst="rect">
-                    <a:avLst/>
-                  </a:prstGeom>
-                  <a:solidFill>
-                    <a:schemeClr val="bg1"/>
-                  </a:solidFill>
-                  <a:ln>
-                    <a:noFill/>
-                  </a:ln>
-                </p:spPr>
-                <p:style>
-                  <a:lnRef idx="2">
-                    <a:schemeClr val="accent1">
-                      <a:shade val="50000"/>
-                    </a:schemeClr>
-                  </a:lnRef>
-                  <a:fillRef idx="1">
-                    <a:schemeClr val="accent1"/>
-                  </a:fillRef>
-                  <a:effectRef idx="0">
-                    <a:schemeClr val="accent1"/>
-                  </a:effectRef>
-                  <a:fontRef idx="minor">
-                    <a:schemeClr val="lt1"/>
-                  </a:fontRef>
-                </p:style>
-                <p:txBody>
-                  <a:bodyPr rtlCol="0" anchor="ctr"/>
-                  <a:lstStyle/>
-                  <a:p>
-                    <a:pPr algn="ctr"/>
-                    <a:endParaRPr lang="zh-CN" altLang="en-US"/>
-                  </a:p>
-                </p:txBody>
-              </p:sp>
-              <p:sp>
-                <p:nvSpPr>
-                  <p:cNvPr id="106" name="矩形 105">
-                    <a:extLst>
-                      <a:ext uri="{FF2B5EF4-FFF2-40B4-BE49-F238E27FC236}">
-                        <a16:creationId xmlns:a16="http://schemas.microsoft.com/office/drawing/2014/main" id="{6244E0B0-E925-442F-ABF0-21914E26C3CF}"/>
-                      </a:ext>
-                    </a:extLst>
-                  </p:cNvPr>
-                  <p:cNvSpPr/>
-                  <p:nvPr/>
-                </p:nvSpPr>
-                <p:spPr>
-                  <a:xfrm>
-                    <a:off x="5444403" y="3541451"/>
-                    <a:ext cx="657215" cy="58999"/>
-                  </a:xfrm>
-                  <a:prstGeom prst="rect">
-                    <a:avLst/>
-                  </a:prstGeom>
-                  <a:solidFill>
-                    <a:schemeClr val="bg1"/>
-                  </a:solidFill>
-                  <a:ln>
-                    <a:noFill/>
-                  </a:ln>
-                </p:spPr>
-                <p:style>
-                  <a:lnRef idx="2">
-                    <a:schemeClr val="accent1">
-                      <a:shade val="50000"/>
-                    </a:schemeClr>
-                  </a:lnRef>
-                  <a:fillRef idx="1">
-                    <a:schemeClr val="accent1"/>
-                  </a:fillRef>
-                  <a:effectRef idx="0">
-                    <a:schemeClr val="accent1"/>
-                  </a:effectRef>
-                  <a:fontRef idx="minor">
-                    <a:schemeClr val="lt1"/>
-                  </a:fontRef>
-                </p:style>
-                <p:txBody>
-                  <a:bodyPr rtlCol="0" anchor="ctr"/>
-                  <a:lstStyle/>
-                  <a:p>
-                    <a:pPr algn="ctr"/>
-                    <a:endParaRPr lang="zh-CN" altLang="en-US"/>
-                  </a:p>
-                </p:txBody>
-              </p:sp>
-              <p:sp>
-                <p:nvSpPr>
-                  <p:cNvPr id="107" name="矩形 106">
-                    <a:extLst>
-                      <a:ext uri="{FF2B5EF4-FFF2-40B4-BE49-F238E27FC236}">
-                        <a16:creationId xmlns:a16="http://schemas.microsoft.com/office/drawing/2014/main" id="{CC1C4D7D-6BD2-4286-9297-91D133256AB5}"/>
-                      </a:ext>
-                    </a:extLst>
-                  </p:cNvPr>
-                  <p:cNvSpPr/>
-                  <p:nvPr/>
-                </p:nvSpPr>
-                <p:spPr>
-                  <a:xfrm>
-                    <a:off x="5444403" y="3674801"/>
-                    <a:ext cx="657215" cy="58999"/>
-                  </a:xfrm>
-                  <a:prstGeom prst="rect">
-                    <a:avLst/>
-                  </a:prstGeom>
-                  <a:solidFill>
-                    <a:schemeClr val="bg1"/>
-                  </a:solidFill>
-                  <a:ln>
-                    <a:noFill/>
-                  </a:ln>
-                </p:spPr>
-                <p:style>
-                  <a:lnRef idx="2">
-                    <a:schemeClr val="accent1">
-                      <a:shade val="50000"/>
-                    </a:schemeClr>
-                  </a:lnRef>
-                  <a:fillRef idx="1">
-                    <a:schemeClr val="accent1"/>
-                  </a:fillRef>
-                  <a:effectRef idx="0">
-                    <a:schemeClr val="accent1"/>
-                  </a:effectRef>
-                  <a:fontRef idx="minor">
-                    <a:schemeClr val="lt1"/>
-                  </a:fontRef>
-                </p:style>
-                <p:txBody>
-                  <a:bodyPr rtlCol="0" anchor="ctr"/>
-                  <a:lstStyle/>
-                  <a:p>
-                    <a:pPr algn="ctr"/>
-                    <a:endParaRPr lang="zh-CN" altLang="en-US"/>
-                  </a:p>
-                </p:txBody>
-              </p:sp>
-              <p:sp>
-                <p:nvSpPr>
-                  <p:cNvPr id="108" name="矩形 107">
-                    <a:extLst>
-                      <a:ext uri="{FF2B5EF4-FFF2-40B4-BE49-F238E27FC236}">
-                        <a16:creationId xmlns:a16="http://schemas.microsoft.com/office/drawing/2014/main" id="{CC27D6CC-046E-4E36-8B9B-C610C29BCD72}"/>
-                      </a:ext>
-                    </a:extLst>
-                  </p:cNvPr>
-                  <p:cNvSpPr/>
-                  <p:nvPr/>
-                </p:nvSpPr>
-                <p:spPr>
-                  <a:xfrm>
-                    <a:off x="5444403" y="2774249"/>
-                    <a:ext cx="657215" cy="164428"/>
-                  </a:xfrm>
-                  <a:prstGeom prst="rect">
-                    <a:avLst/>
-                  </a:prstGeom>
-                  <a:solidFill>
-                    <a:schemeClr val="bg1"/>
-                  </a:solidFill>
-                  <a:ln>
-                    <a:noFill/>
-                  </a:ln>
-                </p:spPr>
-                <p:style>
-                  <a:lnRef idx="2">
-                    <a:schemeClr val="accent1">
-                      <a:shade val="50000"/>
-                    </a:schemeClr>
-                  </a:lnRef>
-                  <a:fillRef idx="1">
-                    <a:schemeClr val="accent1"/>
-                  </a:fillRef>
-                  <a:effectRef idx="0">
-                    <a:schemeClr val="accent1"/>
-                  </a:effectRef>
-                  <a:fontRef idx="minor">
-                    <a:schemeClr val="lt1"/>
-                  </a:fontRef>
-                </p:style>
-                <p:txBody>
-                  <a:bodyPr rtlCol="0" anchor="ctr"/>
-                  <a:lstStyle/>
-                  <a:p>
-                    <a:pPr algn="ctr"/>
-                    <a:endParaRPr lang="zh-CN" altLang="en-US"/>
-                  </a:p>
-                </p:txBody>
-              </p:sp>
-              <p:sp>
-                <p:nvSpPr>
-                  <p:cNvPr id="109" name="矩形 108">
-                    <a:extLst>
-                      <a:ext uri="{FF2B5EF4-FFF2-40B4-BE49-F238E27FC236}">
-                        <a16:creationId xmlns:a16="http://schemas.microsoft.com/office/drawing/2014/main" id="{F8A015F8-9995-4992-B4AB-CD0176F06635}"/>
-                      </a:ext>
-                    </a:extLst>
-                  </p:cNvPr>
-                  <p:cNvSpPr/>
-                  <p:nvPr/>
-                </p:nvSpPr>
-                <p:spPr>
-                  <a:xfrm>
-                    <a:off x="5444403" y="2988307"/>
-                    <a:ext cx="657215" cy="164428"/>
-                  </a:xfrm>
-                  <a:prstGeom prst="rect">
-                    <a:avLst/>
-                  </a:prstGeom>
-                  <a:solidFill>
-                    <a:schemeClr val="bg1"/>
-                  </a:solidFill>
-                  <a:ln>
-                    <a:noFill/>
-                  </a:ln>
-                </p:spPr>
-                <p:style>
-                  <a:lnRef idx="2">
-                    <a:schemeClr val="accent1">
-                      <a:shade val="50000"/>
-                    </a:schemeClr>
-                  </a:lnRef>
-                  <a:fillRef idx="1">
-                    <a:schemeClr val="accent1"/>
-                  </a:fillRef>
-                  <a:effectRef idx="0">
-                    <a:schemeClr val="accent1"/>
-                  </a:effectRef>
-                  <a:fontRef idx="minor">
-                    <a:schemeClr val="lt1"/>
-                  </a:fontRef>
-                </p:style>
-                <p:txBody>
-                  <a:bodyPr rtlCol="0" anchor="ctr"/>
-                  <a:lstStyle/>
-                  <a:p>
-                    <a:pPr algn="ctr"/>
-                    <a:endParaRPr lang="zh-CN" altLang="en-US"/>
-                  </a:p>
-                </p:txBody>
-              </p:sp>
-              <p:sp>
-                <p:nvSpPr>
-                  <p:cNvPr id="110" name="椭圆 109">
-                    <a:extLst>
-                      <a:ext uri="{FF2B5EF4-FFF2-40B4-BE49-F238E27FC236}">
-                        <a16:creationId xmlns:a16="http://schemas.microsoft.com/office/drawing/2014/main" id="{1B151A04-76B3-44AE-A7EC-BA68BAEB83B8}"/>
-                      </a:ext>
-                    </a:extLst>
-                  </p:cNvPr>
-                  <p:cNvSpPr/>
-                  <p:nvPr/>
-                </p:nvSpPr>
-                <p:spPr>
-                  <a:xfrm>
-                    <a:off x="5676811" y="3190833"/>
-                    <a:ext cx="158749" cy="164428"/>
-                  </a:xfrm>
-                  <a:prstGeom prst="ellipse">
-                    <a:avLst/>
-                  </a:prstGeom>
-                  <a:solidFill>
-                    <a:schemeClr val="bg1"/>
-                  </a:solidFill>
-                  <a:ln>
-                    <a:noFill/>
-                  </a:ln>
-                </p:spPr>
-                <p:style>
-                  <a:lnRef idx="2">
-                    <a:schemeClr val="accent1">
-                      <a:shade val="50000"/>
-                    </a:schemeClr>
-                  </a:lnRef>
-                  <a:fillRef idx="1">
-                    <a:schemeClr val="accent1"/>
-                  </a:fillRef>
-                  <a:effectRef idx="0">
-                    <a:schemeClr val="accent1"/>
-                  </a:effectRef>
-                  <a:fontRef idx="minor">
-                    <a:schemeClr val="lt1"/>
-                  </a:fontRef>
-                </p:style>
-                <p:txBody>
-                  <a:bodyPr rtlCol="0" anchor="ctr"/>
-                  <a:lstStyle/>
-                  <a:p>
-                    <a:pPr algn="ctr"/>
-                    <a:endParaRPr lang="zh-CN" altLang="en-US"/>
-                  </a:p>
-                </p:txBody>
-              </p:sp>
-            </p:grpSp>
-            <p:cxnSp>
-              <p:nvCxnSpPr>
-                <p:cNvPr id="87" name="直接连接符 86">
-                  <a:extLst>
-                    <a:ext uri="{FF2B5EF4-FFF2-40B4-BE49-F238E27FC236}">
-                      <a16:creationId xmlns:a16="http://schemas.microsoft.com/office/drawing/2014/main" id="{1EB105B1-4993-4EB5-B622-7F91C8139093}"/>
-                    </a:ext>
-                  </a:extLst>
-                </p:cNvPr>
-                <p:cNvCxnSpPr>
-                  <a:stCxn id="113" idx="2"/>
-                  <a:endCxn id="103" idx="5"/>
-                </p:cNvCxnSpPr>
-                <p:nvPr/>
-              </p:nvCxnSpPr>
-              <p:spPr>
-                <a:xfrm flipH="1">
-                  <a:off x="7162858" y="1561168"/>
-                  <a:ext cx="655803" cy="428619"/>
-                </a:xfrm>
-                <a:prstGeom prst="line">
-                  <a:avLst/>
-                </a:prstGeom>
-                <a:ln w="19050">
-                  <a:solidFill>
-                    <a:srgbClr val="0070C0"/>
-                  </a:solidFill>
-                </a:ln>
-              </p:spPr>
-              <p:style>
-                <a:lnRef idx="1">
-                  <a:schemeClr val="accent5"/>
-                </a:lnRef>
-                <a:fillRef idx="0">
-                  <a:schemeClr val="accent5"/>
-                </a:fillRef>
-                <a:effectRef idx="0">
-                  <a:schemeClr val="accent5"/>
-                </a:effectRef>
-                <a:fontRef idx="minor">
-                  <a:schemeClr val="tx1"/>
-                </a:fontRef>
-              </p:style>
-            </p:cxnSp>
-            <p:cxnSp>
-              <p:nvCxnSpPr>
-                <p:cNvPr id="88" name="直接连接符 87">
-                  <a:extLst>
-                    <a:ext uri="{FF2B5EF4-FFF2-40B4-BE49-F238E27FC236}">
-                      <a16:creationId xmlns:a16="http://schemas.microsoft.com/office/drawing/2014/main" id="{2B59331D-3EE6-4818-ACED-991733764B44}"/>
-                    </a:ext>
-                  </a:extLst>
-                </p:cNvPr>
-                <p:cNvCxnSpPr>
-                  <a:cxnSpLocks/>
-                </p:cNvCxnSpPr>
-                <p:nvPr/>
-              </p:nvCxnSpPr>
-              <p:spPr>
-                <a:xfrm flipH="1">
-                  <a:off x="7177194" y="2092861"/>
-                  <a:ext cx="2290236" cy="0"/>
-                </a:xfrm>
-                <a:prstGeom prst="line">
-                  <a:avLst/>
-                </a:prstGeom>
-                <a:ln w="19050">
-                  <a:solidFill>
-                    <a:srgbClr val="0070C0"/>
-                  </a:solidFill>
-                </a:ln>
-              </p:spPr>
-              <p:style>
-                <a:lnRef idx="1">
-                  <a:schemeClr val="accent5"/>
-                </a:lnRef>
-                <a:fillRef idx="0">
-                  <a:schemeClr val="accent5"/>
-                </a:fillRef>
-                <a:effectRef idx="0">
-                  <a:schemeClr val="accent5"/>
-                </a:effectRef>
-                <a:fontRef idx="minor">
-                  <a:schemeClr val="tx1"/>
-                </a:fontRef>
-              </p:style>
-            </p:cxnSp>
-            <p:cxnSp>
-              <p:nvCxnSpPr>
-                <p:cNvPr id="89" name="直接连接符 88">
-                  <a:extLst>
-                    <a:ext uri="{FF2B5EF4-FFF2-40B4-BE49-F238E27FC236}">
-                      <a16:creationId xmlns:a16="http://schemas.microsoft.com/office/drawing/2014/main" id="{3A0EF584-2CC1-4031-B538-1892EA566DD2}"/>
-                    </a:ext>
-                  </a:extLst>
-                </p:cNvPr>
-                <p:cNvCxnSpPr/>
-                <p:nvPr/>
-              </p:nvCxnSpPr>
-              <p:spPr>
-                <a:xfrm>
-                  <a:off x="7177194" y="2559548"/>
-                  <a:ext cx="493606" cy="0"/>
-                </a:xfrm>
-                <a:prstGeom prst="line">
-                  <a:avLst/>
-                </a:prstGeom>
-                <a:ln w="19050"/>
-              </p:spPr>
-              <p:style>
-                <a:lnRef idx="1">
-                  <a:schemeClr val="accent1"/>
-                </a:lnRef>
-                <a:fillRef idx="0">
-                  <a:schemeClr val="accent1"/>
-                </a:fillRef>
-                <a:effectRef idx="0">
-                  <a:schemeClr val="accent1"/>
-                </a:effectRef>
-                <a:fontRef idx="minor">
-                  <a:schemeClr val="tx1"/>
-                </a:fontRef>
-              </p:style>
-            </p:cxnSp>
-            <p:cxnSp>
-              <p:nvCxnSpPr>
-                <p:cNvPr id="90" name="直接连接符 89">
-                  <a:extLst>
-                    <a:ext uri="{FF2B5EF4-FFF2-40B4-BE49-F238E27FC236}">
-                      <a16:creationId xmlns:a16="http://schemas.microsoft.com/office/drawing/2014/main" id="{5A0CB25C-155A-418F-8110-6FCF5858DD5D}"/>
-                    </a:ext>
-                  </a:extLst>
-                </p:cNvPr>
-                <p:cNvCxnSpPr>
-                  <a:cxnSpLocks/>
-                </p:cNvCxnSpPr>
-                <p:nvPr/>
-              </p:nvCxnSpPr>
-              <p:spPr>
-                <a:xfrm flipH="1">
-                  <a:off x="5562600" y="2559548"/>
-                  <a:ext cx="2108202" cy="2205591"/>
-                </a:xfrm>
-                <a:prstGeom prst="line">
-                  <a:avLst/>
-                </a:prstGeom>
-                <a:ln w="19050"/>
-              </p:spPr>
-              <p:style>
-                <a:lnRef idx="1">
-                  <a:schemeClr val="accent1"/>
-                </a:lnRef>
-                <a:fillRef idx="0">
-                  <a:schemeClr val="accent1"/>
-                </a:fillRef>
-                <a:effectRef idx="0">
-                  <a:schemeClr val="accent1"/>
-                </a:effectRef>
-                <a:fontRef idx="minor">
-                  <a:schemeClr val="tx1"/>
-                </a:fontRef>
-              </p:style>
-            </p:cxnSp>
-            <p:grpSp>
-              <p:nvGrpSpPr>
-                <p:cNvPr id="91" name="组合 90">
-                  <a:extLst>
-                    <a:ext uri="{FF2B5EF4-FFF2-40B4-BE49-F238E27FC236}">
-                      <a16:creationId xmlns:a16="http://schemas.microsoft.com/office/drawing/2014/main" id="{C2B66FC7-6200-4A80-8CFE-75B1100639B1}"/>
-                    </a:ext>
-                  </a:extLst>
-                </p:cNvPr>
-                <p:cNvGrpSpPr/>
-                <p:nvPr/>
-              </p:nvGrpSpPr>
-              <p:grpSpPr>
-                <a:xfrm rot="1130137">
-                  <a:off x="6011204" y="4697542"/>
-                  <a:ext cx="620017" cy="353945"/>
-                  <a:chOff x="6445516" y="4602650"/>
-                  <a:chExt cx="620017" cy="353945"/>
-                </a:xfrm>
-              </p:grpSpPr>
-              <p:sp>
-                <p:nvSpPr>
-                  <p:cNvPr id="101" name="立方体 100">
-                    <a:extLst>
-                      <a:ext uri="{FF2B5EF4-FFF2-40B4-BE49-F238E27FC236}">
-                        <a16:creationId xmlns:a16="http://schemas.microsoft.com/office/drawing/2014/main" id="{113DA099-67F3-49B2-9CCE-9ECE48B6080B}"/>
-                      </a:ext>
-                    </a:extLst>
-                  </p:cNvPr>
-                  <p:cNvSpPr/>
-                  <p:nvPr/>
-                </p:nvSpPr>
-                <p:spPr>
-                  <a:xfrm rot="1301951">
-                    <a:off x="6445516" y="4602650"/>
-                    <a:ext cx="508483" cy="299937"/>
-                  </a:xfrm>
-                  <a:prstGeom prst="cube">
-                    <a:avLst/>
-                  </a:prstGeom>
-                  <a:solidFill>
-                    <a:schemeClr val="bg1">
-                      <a:lumMod val="50000"/>
-                    </a:schemeClr>
-                  </a:solidFill>
-                  <a:ln>
-                    <a:solidFill>
-                      <a:schemeClr val="bg1">
-                        <a:lumMod val="50000"/>
-                      </a:schemeClr>
-                    </a:solidFill>
-                  </a:ln>
-                </p:spPr>
-                <p:style>
-                  <a:lnRef idx="2">
-                    <a:schemeClr val="accent1">
-                      <a:shade val="50000"/>
-                    </a:schemeClr>
-                  </a:lnRef>
-                  <a:fillRef idx="1">
-                    <a:schemeClr val="accent1"/>
-                  </a:fillRef>
-                  <a:effectRef idx="0">
-                    <a:schemeClr val="accent1"/>
-                  </a:effectRef>
-                  <a:fontRef idx="minor">
-                    <a:schemeClr val="lt1"/>
-                  </a:fontRef>
-                </p:style>
-                <p:txBody>
-                  <a:bodyPr rtlCol="0" anchor="ctr"/>
-                  <a:lstStyle/>
-                  <a:p>
-                    <a:pPr algn="ctr"/>
-                    <a:endParaRPr lang="zh-CN" altLang="en-US"/>
-                  </a:p>
-                </p:txBody>
-              </p:sp>
-              <p:sp>
-                <p:nvSpPr>
-                  <p:cNvPr id="102" name="圆柱体 101">
-                    <a:extLst>
-                      <a:ext uri="{FF2B5EF4-FFF2-40B4-BE49-F238E27FC236}">
-                        <a16:creationId xmlns:a16="http://schemas.microsoft.com/office/drawing/2014/main" id="{D3BEAEB9-B4C3-4305-9B7F-6FEF47D3D06C}"/>
-                      </a:ext>
-                    </a:extLst>
-                  </p:cNvPr>
-                  <p:cNvSpPr/>
-                  <p:nvPr/>
-                </p:nvSpPr>
-                <p:spPr>
-                  <a:xfrm rot="6690973">
-                    <a:off x="6873676" y="4764737"/>
-                    <a:ext cx="187880" cy="195835"/>
-                  </a:xfrm>
-                  <a:prstGeom prst="can">
-                    <a:avLst/>
-                  </a:prstGeom>
-                  <a:solidFill>
-                    <a:schemeClr val="bg1">
-                      <a:lumMod val="50000"/>
-                    </a:schemeClr>
-                  </a:solidFill>
-                  <a:ln>
-                    <a:solidFill>
-                      <a:schemeClr val="bg1">
-                        <a:lumMod val="50000"/>
-                      </a:schemeClr>
-                    </a:solidFill>
-                  </a:ln>
-                </p:spPr>
-                <p:style>
-                  <a:lnRef idx="2">
-                    <a:schemeClr val="accent1">
-                      <a:shade val="50000"/>
-                    </a:schemeClr>
-                  </a:lnRef>
-                  <a:fillRef idx="1">
-                    <a:schemeClr val="accent1"/>
-                  </a:fillRef>
-                  <a:effectRef idx="0">
-                    <a:schemeClr val="accent1"/>
-                  </a:effectRef>
-                  <a:fontRef idx="minor">
-                    <a:schemeClr val="lt1"/>
-                  </a:fontRef>
-                </p:style>
-                <p:txBody>
-                  <a:bodyPr rtlCol="0" anchor="ctr"/>
-                  <a:lstStyle/>
-                  <a:p>
-                    <a:pPr algn="ctr"/>
-                    <a:endParaRPr lang="zh-CN" altLang="en-US"/>
-                  </a:p>
-                </p:txBody>
-              </p:sp>
-            </p:grpSp>
-            <p:grpSp>
-              <p:nvGrpSpPr>
-                <p:cNvPr id="92" name="组合 91">
-                  <a:extLst>
-                    <a:ext uri="{FF2B5EF4-FFF2-40B4-BE49-F238E27FC236}">
-                      <a16:creationId xmlns:a16="http://schemas.microsoft.com/office/drawing/2014/main" id="{D9A58FCA-1EEA-468A-AD85-3CADA8163BCF}"/>
-                    </a:ext>
-                  </a:extLst>
-                </p:cNvPr>
-                <p:cNvGrpSpPr/>
-                <p:nvPr/>
-              </p:nvGrpSpPr>
-              <p:grpSpPr>
-                <a:xfrm rot="1358988">
-                  <a:off x="6413059" y="4205929"/>
-                  <a:ext cx="620017" cy="353946"/>
-                  <a:chOff x="6377675" y="4606078"/>
-                  <a:chExt cx="620017" cy="353946"/>
-                </a:xfrm>
-              </p:grpSpPr>
-              <p:sp>
-                <p:nvSpPr>
-                  <p:cNvPr id="99" name="立方体 98">
-                    <a:extLst>
-                      <a:ext uri="{FF2B5EF4-FFF2-40B4-BE49-F238E27FC236}">
-                        <a16:creationId xmlns:a16="http://schemas.microsoft.com/office/drawing/2014/main" id="{1C555FFB-CA5B-4751-89C4-7E5341593372}"/>
-                      </a:ext>
-                    </a:extLst>
-                  </p:cNvPr>
-                  <p:cNvSpPr/>
-                  <p:nvPr/>
-                </p:nvSpPr>
-                <p:spPr>
-                  <a:xfrm rot="1301951">
-                    <a:off x="6377675" y="4606078"/>
-                    <a:ext cx="508483" cy="299937"/>
-                  </a:xfrm>
-                  <a:prstGeom prst="cube">
-                    <a:avLst/>
-                  </a:prstGeom>
-                  <a:solidFill>
-                    <a:schemeClr val="bg1">
-                      <a:lumMod val="50000"/>
-                    </a:schemeClr>
-                  </a:solidFill>
-                  <a:ln>
-                    <a:solidFill>
-                      <a:schemeClr val="bg1">
-                        <a:lumMod val="50000"/>
-                      </a:schemeClr>
-                    </a:solidFill>
-                  </a:ln>
-                </p:spPr>
-                <p:style>
-                  <a:lnRef idx="2">
-                    <a:schemeClr val="accent1">
-                      <a:shade val="50000"/>
-                    </a:schemeClr>
-                  </a:lnRef>
-                  <a:fillRef idx="1">
-                    <a:schemeClr val="accent1"/>
-                  </a:fillRef>
-                  <a:effectRef idx="0">
-                    <a:schemeClr val="accent1"/>
-                  </a:effectRef>
-                  <a:fontRef idx="minor">
-                    <a:schemeClr val="lt1"/>
-                  </a:fontRef>
-                </p:style>
-                <p:txBody>
-                  <a:bodyPr rtlCol="0" anchor="ctr"/>
-                  <a:lstStyle/>
-                  <a:p>
-                    <a:pPr algn="ctr"/>
-                    <a:endParaRPr lang="zh-CN" altLang="en-US"/>
-                  </a:p>
-                </p:txBody>
-              </p:sp>
-              <p:sp>
-                <p:nvSpPr>
-                  <p:cNvPr id="100" name="圆柱体 99">
-                    <a:extLst>
-                      <a:ext uri="{FF2B5EF4-FFF2-40B4-BE49-F238E27FC236}">
-                        <a16:creationId xmlns:a16="http://schemas.microsoft.com/office/drawing/2014/main" id="{D531AA5D-158F-43F3-BA98-CFDA3A82CCF4}"/>
-                      </a:ext>
-                    </a:extLst>
-                  </p:cNvPr>
-                  <p:cNvSpPr/>
-                  <p:nvPr/>
-                </p:nvSpPr>
-                <p:spPr>
-                  <a:xfrm rot="6690973">
-                    <a:off x="6805835" y="4768166"/>
-                    <a:ext cx="187880" cy="195835"/>
-                  </a:xfrm>
-                  <a:prstGeom prst="can">
-                    <a:avLst/>
-                  </a:prstGeom>
-                  <a:solidFill>
-                    <a:schemeClr val="bg1">
-                      <a:lumMod val="50000"/>
-                    </a:schemeClr>
-                  </a:solidFill>
-                  <a:ln>
-                    <a:solidFill>
-                      <a:schemeClr val="bg1">
-                        <a:lumMod val="50000"/>
-                      </a:schemeClr>
-                    </a:solidFill>
-                  </a:ln>
-                </p:spPr>
-                <p:style>
-                  <a:lnRef idx="2">
-                    <a:schemeClr val="accent1">
-                      <a:shade val="50000"/>
-                    </a:schemeClr>
-                  </a:lnRef>
-                  <a:fillRef idx="1">
-                    <a:schemeClr val="accent1"/>
-                  </a:fillRef>
-                  <a:effectRef idx="0">
-                    <a:schemeClr val="accent1"/>
-                  </a:effectRef>
-                  <a:fontRef idx="minor">
-                    <a:schemeClr val="lt1"/>
-                  </a:fontRef>
-                </p:style>
-                <p:txBody>
-                  <a:bodyPr rtlCol="0" anchor="ctr"/>
-                  <a:lstStyle/>
-                  <a:p>
-                    <a:pPr algn="ctr"/>
-                    <a:endParaRPr lang="zh-CN" altLang="en-US"/>
-                  </a:p>
-                </p:txBody>
-              </p:sp>
-            </p:grpSp>
-            <p:grpSp>
-              <p:nvGrpSpPr>
-                <p:cNvPr id="93" name="组合 92">
-                  <a:extLst>
-                    <a:ext uri="{FF2B5EF4-FFF2-40B4-BE49-F238E27FC236}">
-                      <a16:creationId xmlns:a16="http://schemas.microsoft.com/office/drawing/2014/main" id="{5389A007-E155-4A68-8343-6895719C8A8B}"/>
-                    </a:ext>
-                  </a:extLst>
-                </p:cNvPr>
-                <p:cNvGrpSpPr/>
-                <p:nvPr/>
-              </p:nvGrpSpPr>
-              <p:grpSpPr>
-                <a:xfrm rot="1416988">
-                  <a:off x="6782865" y="3778687"/>
-                  <a:ext cx="620017" cy="353946"/>
-                  <a:chOff x="6360577" y="4613554"/>
-                  <a:chExt cx="620017" cy="353946"/>
-                </a:xfrm>
-              </p:grpSpPr>
-              <p:sp>
-                <p:nvSpPr>
-                  <p:cNvPr id="97" name="立方体 96">
-                    <a:extLst>
-                      <a:ext uri="{FF2B5EF4-FFF2-40B4-BE49-F238E27FC236}">
-                        <a16:creationId xmlns:a16="http://schemas.microsoft.com/office/drawing/2014/main" id="{BE765586-5584-4E50-8165-E53857D64EE8}"/>
-                      </a:ext>
-                    </a:extLst>
-                  </p:cNvPr>
-                  <p:cNvSpPr/>
-                  <p:nvPr/>
-                </p:nvSpPr>
-                <p:spPr>
-                  <a:xfrm rot="1301951">
-                    <a:off x="6360577" y="4613554"/>
-                    <a:ext cx="508483" cy="299937"/>
-                  </a:xfrm>
-                  <a:prstGeom prst="cube">
-                    <a:avLst/>
-                  </a:prstGeom>
-                  <a:solidFill>
-                    <a:schemeClr val="bg1">
-                      <a:lumMod val="50000"/>
-                    </a:schemeClr>
-                  </a:solidFill>
-                  <a:ln>
-                    <a:solidFill>
-                      <a:schemeClr val="bg1">
-                        <a:lumMod val="50000"/>
-                      </a:schemeClr>
-                    </a:solidFill>
-                  </a:ln>
-                </p:spPr>
-                <p:style>
-                  <a:lnRef idx="2">
-                    <a:schemeClr val="accent1">
-                      <a:shade val="50000"/>
-                    </a:schemeClr>
-                  </a:lnRef>
-                  <a:fillRef idx="1">
-                    <a:schemeClr val="accent1"/>
-                  </a:fillRef>
-                  <a:effectRef idx="0">
-                    <a:schemeClr val="accent1"/>
-                  </a:effectRef>
-                  <a:fontRef idx="minor">
-                    <a:schemeClr val="lt1"/>
-                  </a:fontRef>
-                </p:style>
-                <p:txBody>
-                  <a:bodyPr rtlCol="0" anchor="ctr"/>
-                  <a:lstStyle/>
-                  <a:p>
-                    <a:pPr algn="ctr"/>
-                    <a:endParaRPr lang="zh-CN" altLang="en-US"/>
-                  </a:p>
-                </p:txBody>
-              </p:sp>
-              <p:sp>
-                <p:nvSpPr>
-                  <p:cNvPr id="98" name="圆柱体 97">
-                    <a:extLst>
-                      <a:ext uri="{FF2B5EF4-FFF2-40B4-BE49-F238E27FC236}">
-                        <a16:creationId xmlns:a16="http://schemas.microsoft.com/office/drawing/2014/main" id="{B7C3A17E-AC37-4297-9952-C4B78AB9A2FD}"/>
-                      </a:ext>
-                    </a:extLst>
-                  </p:cNvPr>
-                  <p:cNvSpPr/>
-                  <p:nvPr/>
-                </p:nvSpPr>
-                <p:spPr>
-                  <a:xfrm rot="6690973">
-                    <a:off x="6788737" y="4775642"/>
-                    <a:ext cx="187880" cy="195835"/>
-                  </a:xfrm>
-                  <a:prstGeom prst="can">
-                    <a:avLst/>
-                  </a:prstGeom>
-                  <a:solidFill>
-                    <a:schemeClr val="bg1">
-                      <a:lumMod val="50000"/>
-                    </a:schemeClr>
-                  </a:solidFill>
-                  <a:ln>
-                    <a:solidFill>
-                      <a:schemeClr val="bg1">
-                        <a:lumMod val="50000"/>
-                      </a:schemeClr>
-                    </a:solidFill>
-                  </a:ln>
-                </p:spPr>
-                <p:style>
-                  <a:lnRef idx="2">
-                    <a:schemeClr val="accent1">
-                      <a:shade val="50000"/>
-                    </a:schemeClr>
-                  </a:lnRef>
-                  <a:fillRef idx="1">
-                    <a:schemeClr val="accent1"/>
-                  </a:fillRef>
-                  <a:effectRef idx="0">
-                    <a:schemeClr val="accent1"/>
-                  </a:effectRef>
-                  <a:fontRef idx="minor">
-                    <a:schemeClr val="lt1"/>
-                  </a:fontRef>
-                </p:style>
-                <p:txBody>
-                  <a:bodyPr rtlCol="0" anchor="ctr"/>
-                  <a:lstStyle/>
-                  <a:p>
-                    <a:pPr algn="ctr"/>
-                    <a:endParaRPr lang="zh-CN" altLang="en-US"/>
-                  </a:p>
-                </p:txBody>
-              </p:sp>
-            </p:grpSp>
-            <p:grpSp>
-              <p:nvGrpSpPr>
-                <p:cNvPr id="94" name="组合 93">
-                  <a:extLst>
-                    <a:ext uri="{FF2B5EF4-FFF2-40B4-BE49-F238E27FC236}">
-                      <a16:creationId xmlns:a16="http://schemas.microsoft.com/office/drawing/2014/main" id="{5741D7F9-3122-4029-A5A6-A9207010AF24}"/>
-                    </a:ext>
-                  </a:extLst>
-                </p:cNvPr>
-                <p:cNvGrpSpPr/>
-                <p:nvPr/>
-              </p:nvGrpSpPr>
-              <p:grpSpPr>
-                <a:xfrm rot="1484310">
-                  <a:off x="7093186" y="3332524"/>
-                  <a:ext cx="620017" cy="353946"/>
-                  <a:chOff x="6280556" y="4640557"/>
-                  <a:chExt cx="620017" cy="353946"/>
-                </a:xfrm>
-              </p:grpSpPr>
-              <p:sp>
-                <p:nvSpPr>
-                  <p:cNvPr id="95" name="立方体 94">
-                    <a:extLst>
-                      <a:ext uri="{FF2B5EF4-FFF2-40B4-BE49-F238E27FC236}">
-                        <a16:creationId xmlns:a16="http://schemas.microsoft.com/office/drawing/2014/main" id="{6C4308B7-FE15-47E7-BD29-ABD4A0425B7B}"/>
-                      </a:ext>
-                    </a:extLst>
-                  </p:cNvPr>
-                  <p:cNvSpPr/>
-                  <p:nvPr/>
-                </p:nvSpPr>
-                <p:spPr>
-                  <a:xfrm rot="1301951">
-                    <a:off x="6280556" y="4640557"/>
-                    <a:ext cx="508483" cy="299937"/>
-                  </a:xfrm>
-                  <a:prstGeom prst="cube">
-                    <a:avLst/>
-                  </a:prstGeom>
-                  <a:solidFill>
-                    <a:schemeClr val="bg1">
-                      <a:lumMod val="50000"/>
-                    </a:schemeClr>
-                  </a:solidFill>
-                  <a:ln>
-                    <a:solidFill>
-                      <a:schemeClr val="bg1">
-                        <a:lumMod val="50000"/>
-                      </a:schemeClr>
-                    </a:solidFill>
-                  </a:ln>
-                </p:spPr>
-                <p:style>
-                  <a:lnRef idx="2">
-                    <a:schemeClr val="accent1">
-                      <a:shade val="50000"/>
-                    </a:schemeClr>
-                  </a:lnRef>
-                  <a:fillRef idx="1">
-                    <a:schemeClr val="accent1"/>
-                  </a:fillRef>
-                  <a:effectRef idx="0">
-                    <a:schemeClr val="accent1"/>
-                  </a:effectRef>
-                  <a:fontRef idx="minor">
-                    <a:schemeClr val="lt1"/>
-                  </a:fontRef>
-                </p:style>
-                <p:txBody>
-                  <a:bodyPr rtlCol="0" anchor="ctr"/>
-                  <a:lstStyle/>
-                  <a:p>
-                    <a:pPr algn="ctr"/>
-                    <a:endParaRPr lang="zh-CN" altLang="en-US"/>
-                  </a:p>
-                </p:txBody>
-              </p:sp>
-              <p:sp>
-                <p:nvSpPr>
-                  <p:cNvPr id="96" name="圆柱体 95">
-                    <a:extLst>
-                      <a:ext uri="{FF2B5EF4-FFF2-40B4-BE49-F238E27FC236}">
-                        <a16:creationId xmlns:a16="http://schemas.microsoft.com/office/drawing/2014/main" id="{64F7B0C8-AA88-460B-A29D-0498002BEBF8}"/>
-                      </a:ext>
-                    </a:extLst>
-                  </p:cNvPr>
-                  <p:cNvSpPr/>
-                  <p:nvPr/>
-                </p:nvSpPr>
-                <p:spPr>
-                  <a:xfrm rot="6690973">
-                    <a:off x="6708716" y="4802645"/>
-                    <a:ext cx="187880" cy="195835"/>
-                  </a:xfrm>
-                  <a:prstGeom prst="can">
-                    <a:avLst/>
-                  </a:prstGeom>
-                  <a:solidFill>
-                    <a:schemeClr val="bg1">
-                      <a:lumMod val="50000"/>
-                    </a:schemeClr>
-                  </a:solidFill>
-                  <a:ln>
-                    <a:solidFill>
-                      <a:schemeClr val="bg1">
-                        <a:lumMod val="50000"/>
-                      </a:schemeClr>
-                    </a:solidFill>
-                  </a:ln>
-                </p:spPr>
-                <p:style>
-                  <a:lnRef idx="2">
-                    <a:schemeClr val="accent1">
-                      <a:shade val="50000"/>
-                    </a:schemeClr>
-                  </a:lnRef>
-                  <a:fillRef idx="1">
-                    <a:schemeClr val="accent1"/>
-                  </a:fillRef>
-                  <a:effectRef idx="0">
-                    <a:schemeClr val="accent1"/>
-                  </a:effectRef>
-                  <a:fontRef idx="minor">
-                    <a:schemeClr val="lt1"/>
-                  </a:fontRef>
-                </p:style>
-                <p:txBody>
-                  <a:bodyPr rtlCol="0" anchor="ctr"/>
-                  <a:lstStyle/>
-                  <a:p>
-                    <a:pPr algn="ctr"/>
-                    <a:endParaRPr lang="zh-CN" altLang="en-US"/>
-                  </a:p>
-                </p:txBody>
-              </p:sp>
-            </p:grpSp>
-          </p:grpSp>
-          <p:sp>
-            <p:nvSpPr>
-              <p:cNvPr id="76" name="立方体 75">
-                <a:extLst>
-                  <a:ext uri="{FF2B5EF4-FFF2-40B4-BE49-F238E27FC236}">
-                    <a16:creationId xmlns:a16="http://schemas.microsoft.com/office/drawing/2014/main" id="{E2B3DC73-3883-4253-8E75-40CE7E01FDF1}"/>
-                  </a:ext>
-                </a:extLst>
-              </p:cNvPr>
-              <p:cNvSpPr/>
-              <p:nvPr/>
-            </p:nvSpPr>
-            <p:spPr>
-              <a:xfrm rot="19091835">
-                <a:off x="6795332" y="4305716"/>
-                <a:ext cx="544725" cy="397382"/>
-              </a:xfrm>
-              <a:prstGeom prst="cube">
-                <a:avLst>
-                  <a:gd name="adj" fmla="val 0"/>
-                </a:avLst>
-              </a:prstGeom>
-              <a:solidFill>
-                <a:schemeClr val="bg1">
-                  <a:lumMod val="50000"/>
-                </a:schemeClr>
-              </a:solidFill>
-              <a:ln>
-                <a:solidFill>
-                  <a:schemeClr val="bg1">
-                    <a:lumMod val="50000"/>
-                  </a:schemeClr>
-                </a:solidFill>
-              </a:ln>
-              <a:scene3d>
-                <a:camera prst="orthographicFront">
-                  <a:rot lat="19907899" lon="2209017" rev="21338811"/>
-                </a:camera>
-                <a:lightRig rig="threePt" dir="t"/>
-              </a:scene3d>
-            </p:spPr>
-            <p:style>
-              <a:lnRef idx="2">
-                <a:schemeClr val="accent1">
-                  <a:shade val="50000"/>
-                </a:schemeClr>
-              </a:lnRef>
-              <a:fillRef idx="1">
-                <a:schemeClr val="accent1"/>
-              </a:fillRef>
-              <a:effectRef idx="0">
-                <a:schemeClr val="accent1"/>
-              </a:effectRef>
-              <a:fontRef idx="minor">
-                <a:schemeClr val="lt1"/>
-              </a:fontRef>
-            </p:style>
-            <p:txBody>
-              <a:bodyPr rtlCol="0" anchor="ctr"/>
-              <a:lstStyle/>
-              <a:p>
-                <a:pPr algn="ctr"/>
-                <a:endParaRPr lang="zh-CN" altLang="en-US"/>
-              </a:p>
-            </p:txBody>
-          </p:sp>
-          <p:sp>
-            <p:nvSpPr>
-              <p:cNvPr id="77" name="立方体 76">
-                <a:extLst>
-                  <a:ext uri="{FF2B5EF4-FFF2-40B4-BE49-F238E27FC236}">
-                    <a16:creationId xmlns:a16="http://schemas.microsoft.com/office/drawing/2014/main" id="{AA468190-38CB-4631-84FB-00060F3D0FA4}"/>
-                  </a:ext>
-                </a:extLst>
-              </p:cNvPr>
-              <p:cNvSpPr/>
-              <p:nvPr/>
-            </p:nvSpPr>
-            <p:spPr>
-              <a:xfrm rot="19091835">
-                <a:off x="7132833" y="3818937"/>
-                <a:ext cx="544725" cy="397382"/>
-              </a:xfrm>
-              <a:prstGeom prst="cube">
-                <a:avLst>
-                  <a:gd name="adj" fmla="val 0"/>
-                </a:avLst>
-              </a:prstGeom>
-              <a:solidFill>
-                <a:schemeClr val="bg1">
-                  <a:lumMod val="50000"/>
-                </a:schemeClr>
-              </a:solidFill>
-              <a:ln>
-                <a:solidFill>
-                  <a:schemeClr val="bg1">
-                    <a:lumMod val="50000"/>
-                  </a:schemeClr>
-                </a:solidFill>
-              </a:ln>
-              <a:scene3d>
-                <a:camera prst="orthographicFront">
-                  <a:rot lat="19907899" lon="2209017" rev="21338811"/>
-                </a:camera>
-                <a:lightRig rig="threePt" dir="t"/>
-              </a:scene3d>
-            </p:spPr>
-            <p:style>
-              <a:lnRef idx="2">
-                <a:schemeClr val="accent1">
-                  <a:shade val="50000"/>
-                </a:schemeClr>
-              </a:lnRef>
-              <a:fillRef idx="1">
-                <a:schemeClr val="accent1"/>
-              </a:fillRef>
-              <a:effectRef idx="0">
-                <a:schemeClr val="accent1"/>
-              </a:effectRef>
-              <a:fontRef idx="minor">
-                <a:schemeClr val="lt1"/>
-              </a:fontRef>
-            </p:style>
-            <p:txBody>
-              <a:bodyPr rtlCol="0" anchor="ctr"/>
-              <a:lstStyle/>
-              <a:p>
-                <a:pPr algn="ctr"/>
-                <a:endParaRPr lang="zh-CN" altLang="en-US"/>
-              </a:p>
-            </p:txBody>
-          </p:sp>
-          <p:sp>
-            <p:nvSpPr>
-              <p:cNvPr id="78" name="立方体 77">
-                <a:extLst>
-                  <a:ext uri="{FF2B5EF4-FFF2-40B4-BE49-F238E27FC236}">
-                    <a16:creationId xmlns:a16="http://schemas.microsoft.com/office/drawing/2014/main" id="{E1AD9601-827E-4300-93E9-8292AFD8AC40}"/>
-                  </a:ext>
-                </a:extLst>
-              </p:cNvPr>
-              <p:cNvSpPr/>
-              <p:nvPr/>
-            </p:nvSpPr>
-            <p:spPr>
-              <a:xfrm rot="19091835">
-                <a:off x="6464374" y="4765882"/>
-                <a:ext cx="544725" cy="397382"/>
-              </a:xfrm>
-              <a:prstGeom prst="cube">
-                <a:avLst>
-                  <a:gd name="adj" fmla="val 0"/>
-                </a:avLst>
-              </a:prstGeom>
-              <a:solidFill>
-                <a:schemeClr val="bg1">
-                  <a:lumMod val="50000"/>
-                </a:schemeClr>
-              </a:solidFill>
-              <a:ln>
-                <a:solidFill>
-                  <a:schemeClr val="bg1">
-                    <a:lumMod val="50000"/>
-                  </a:schemeClr>
-                </a:solidFill>
-              </a:ln>
-              <a:scene3d>
-                <a:camera prst="orthographicFront">
-                  <a:rot lat="19907899" lon="2209017" rev="21338811"/>
-                </a:camera>
-                <a:lightRig rig="threePt" dir="t"/>
-              </a:scene3d>
-            </p:spPr>
-            <p:style>
-              <a:lnRef idx="2">
-                <a:schemeClr val="accent1">
-                  <a:shade val="50000"/>
-                </a:schemeClr>
-              </a:lnRef>
-              <a:fillRef idx="1">
-                <a:schemeClr val="accent1"/>
-              </a:fillRef>
-              <a:effectRef idx="0">
-                <a:schemeClr val="accent1"/>
-              </a:effectRef>
-              <a:fontRef idx="minor">
-                <a:schemeClr val="lt1"/>
-              </a:fontRef>
-            </p:style>
-            <p:txBody>
-              <a:bodyPr rtlCol="0" anchor="ctr"/>
-              <a:lstStyle/>
-              <a:p>
-                <a:pPr algn="ctr"/>
-                <a:endParaRPr lang="zh-CN" altLang="en-US"/>
-              </a:p>
-            </p:txBody>
-          </p:sp>
-          <p:sp>
-            <p:nvSpPr>
-              <p:cNvPr id="79" name="立方体 78">
-                <a:extLst>
-                  <a:ext uri="{FF2B5EF4-FFF2-40B4-BE49-F238E27FC236}">
-                    <a16:creationId xmlns:a16="http://schemas.microsoft.com/office/drawing/2014/main" id="{4D25ADF7-26C4-4446-97A5-DFF680649E6B}"/>
-                  </a:ext>
-                </a:extLst>
-              </p:cNvPr>
-              <p:cNvSpPr/>
-              <p:nvPr/>
-            </p:nvSpPr>
-            <p:spPr>
-              <a:xfrm rot="19091835">
-                <a:off x="6118104" y="5232575"/>
-                <a:ext cx="544725" cy="397382"/>
-              </a:xfrm>
-              <a:prstGeom prst="cube">
-                <a:avLst>
-                  <a:gd name="adj" fmla="val 0"/>
-                </a:avLst>
-              </a:prstGeom>
-              <a:solidFill>
-                <a:schemeClr val="bg1">
-                  <a:lumMod val="50000"/>
-                </a:schemeClr>
-              </a:solidFill>
-              <a:ln>
-                <a:solidFill>
-                  <a:schemeClr val="bg1">
-                    <a:lumMod val="50000"/>
-                  </a:schemeClr>
-                </a:solidFill>
-              </a:ln>
-              <a:scene3d>
-                <a:camera prst="orthographicFront">
-                  <a:rot lat="19907899" lon="2209017" rev="21338811"/>
-                </a:camera>
-                <a:lightRig rig="threePt" dir="t"/>
-              </a:scene3d>
-            </p:spPr>
-            <p:style>
-              <a:lnRef idx="2">
-                <a:schemeClr val="accent1">
-                  <a:shade val="50000"/>
-                </a:schemeClr>
-              </a:lnRef>
-              <a:fillRef idx="1">
-                <a:schemeClr val="accent1"/>
-              </a:fillRef>
-              <a:effectRef idx="0">
-                <a:schemeClr val="accent1"/>
-              </a:effectRef>
-              <a:fontRef idx="minor">
-                <a:schemeClr val="lt1"/>
-              </a:fontRef>
-            </p:style>
-            <p:txBody>
-              <a:bodyPr rtlCol="0" anchor="ctr"/>
-              <a:lstStyle/>
-              <a:p>
-                <a:pPr algn="ctr"/>
-                <a:endParaRPr lang="zh-CN" altLang="en-US"/>
-              </a:p>
-            </p:txBody>
-          </p:sp>
-        </p:grpSp>
-        <p:sp>
-          <p:nvSpPr>
-            <p:cNvPr id="70" name="平行四边形 69">
-              <a:extLst>
-                <a:ext uri="{FF2B5EF4-FFF2-40B4-BE49-F238E27FC236}">
-                  <a16:creationId xmlns:a16="http://schemas.microsoft.com/office/drawing/2014/main" id="{25C79BAA-8652-45A7-9196-A775EC11DE9B}"/>
-                </a:ext>
-              </a:extLst>
-            </p:cNvPr>
-            <p:cNvSpPr/>
-            <p:nvPr/>
-          </p:nvSpPr>
-          <p:spPr>
-            <a:xfrm>
-              <a:off x="6802061" y="4345670"/>
-              <a:ext cx="4915161" cy="1754507"/>
-            </a:xfrm>
-            <a:prstGeom prst="parallelogram">
-              <a:avLst>
-                <a:gd name="adj" fmla="val 63002"/>
-              </a:avLst>
-            </a:prstGeom>
-            <a:solidFill>
-              <a:srgbClr val="85D4F3">
-                <a:alpha val="59000"/>
-              </a:srgbClr>
-            </a:solidFill>
-            <a:ln>
-              <a:noFill/>
-            </a:ln>
-          </p:spPr>
-          <p:style>
-            <a:lnRef idx="2">
-              <a:schemeClr val="accent1">
-                <a:shade val="50000"/>
-              </a:schemeClr>
-            </a:lnRef>
-            <a:fillRef idx="1">
-              <a:schemeClr val="accent1"/>
-            </a:fillRef>
-            <a:effectRef idx="0">
-              <a:schemeClr val="accent1"/>
-            </a:effectRef>
-            <a:fontRef idx="minor">
-              <a:schemeClr val="lt1"/>
-            </a:fontRef>
-          </p:style>
-          <p:txBody>
-            <a:bodyPr rtlCol="0" anchor="ctr"/>
-            <a:lstStyle/>
-            <a:p>
-              <a:pPr algn="ctr"/>
-              <a:endParaRPr lang="zh-CN" altLang="en-US" dirty="0"/>
-            </a:p>
-          </p:txBody>
-        </p:sp>
-        <p:sp>
-          <p:nvSpPr>
-            <p:cNvPr id="71" name="等腰三角形 70">
-              <a:extLst>
-                <a:ext uri="{FF2B5EF4-FFF2-40B4-BE49-F238E27FC236}">
-                  <a16:creationId xmlns:a16="http://schemas.microsoft.com/office/drawing/2014/main" id="{ED5582FB-A99D-4AEE-889A-F96542E04B64}"/>
-                </a:ext>
-              </a:extLst>
-            </p:cNvPr>
-            <p:cNvSpPr/>
-            <p:nvPr/>
-          </p:nvSpPr>
-          <p:spPr>
-            <a:xfrm rot="18826933">
-              <a:off x="6388942" y="5434450"/>
-              <a:ext cx="798338" cy="747473"/>
-            </a:xfrm>
-            <a:prstGeom prst="triangle">
-              <a:avLst>
-                <a:gd name="adj" fmla="val 42248"/>
-              </a:avLst>
-            </a:prstGeom>
-            <a:solidFill>
-              <a:schemeClr val="accent1">
-                <a:alpha val="55000"/>
-              </a:schemeClr>
-            </a:solidFill>
-            <a:ln>
-              <a:noFill/>
-            </a:ln>
-            <a:scene3d>
-              <a:camera prst="orthographicFront">
-                <a:rot lat="2389038" lon="20009038" rev="21349034"/>
-              </a:camera>
-              <a:lightRig rig="threePt" dir="t"/>
-            </a:scene3d>
-          </p:spPr>
-          <p:style>
-            <a:lnRef idx="2">
-              <a:schemeClr val="accent1">
-                <a:shade val="50000"/>
-              </a:schemeClr>
-            </a:lnRef>
-            <a:fillRef idx="1">
-              <a:schemeClr val="accent1"/>
-            </a:fillRef>
-            <a:effectRef idx="0">
-              <a:schemeClr val="accent1"/>
-            </a:effectRef>
-            <a:fontRef idx="minor">
-              <a:schemeClr val="lt1"/>
-            </a:fontRef>
-          </p:style>
-          <p:txBody>
-            <a:bodyPr rtlCol="0" anchor="ctr"/>
-            <a:lstStyle/>
-            <a:p>
-              <a:pPr algn="ctr"/>
-              <a:endParaRPr lang="zh-CN" altLang="en-US"/>
-            </a:p>
-          </p:txBody>
-        </p:sp>
-        <p:sp>
-          <p:nvSpPr>
-            <p:cNvPr id="72" name="等腰三角形 71">
-              <a:extLst>
-                <a:ext uri="{FF2B5EF4-FFF2-40B4-BE49-F238E27FC236}">
-                  <a16:creationId xmlns:a16="http://schemas.microsoft.com/office/drawing/2014/main" id="{23F2CA1A-97B1-44DE-BAB9-943E49951556}"/>
-                </a:ext>
-              </a:extLst>
-            </p:cNvPr>
-            <p:cNvSpPr/>
-            <p:nvPr/>
-          </p:nvSpPr>
-          <p:spPr>
-            <a:xfrm rot="18826933">
-              <a:off x="6703816" y="4937125"/>
-              <a:ext cx="798338" cy="747473"/>
-            </a:xfrm>
-            <a:prstGeom prst="triangle">
-              <a:avLst>
-                <a:gd name="adj" fmla="val 42248"/>
-              </a:avLst>
-            </a:prstGeom>
-            <a:solidFill>
-              <a:schemeClr val="accent1">
-                <a:alpha val="55000"/>
-              </a:schemeClr>
-            </a:solidFill>
-            <a:ln>
-              <a:noFill/>
-            </a:ln>
-            <a:scene3d>
-              <a:camera prst="orthographicFront">
-                <a:rot lat="2389038" lon="20009038" rev="21349034"/>
-              </a:camera>
-              <a:lightRig rig="threePt" dir="t"/>
-            </a:scene3d>
-          </p:spPr>
-          <p:style>
-            <a:lnRef idx="2">
-              <a:schemeClr val="accent1">
-                <a:shade val="50000"/>
-              </a:schemeClr>
-            </a:lnRef>
-            <a:fillRef idx="1">
-              <a:schemeClr val="accent1"/>
-            </a:fillRef>
-            <a:effectRef idx="0">
-              <a:schemeClr val="accent1"/>
-            </a:effectRef>
-            <a:fontRef idx="minor">
-              <a:schemeClr val="lt1"/>
-            </a:fontRef>
-          </p:style>
-          <p:txBody>
-            <a:bodyPr rtlCol="0" anchor="ctr"/>
-            <a:lstStyle/>
-            <a:p>
-              <a:pPr algn="ctr"/>
-              <a:endParaRPr lang="zh-CN" altLang="en-US"/>
-            </a:p>
-          </p:txBody>
-        </p:sp>
-        <p:sp>
-          <p:nvSpPr>
-            <p:cNvPr id="73" name="等腰三角形 72">
-              <a:extLst>
-                <a:ext uri="{FF2B5EF4-FFF2-40B4-BE49-F238E27FC236}">
-                  <a16:creationId xmlns:a16="http://schemas.microsoft.com/office/drawing/2014/main" id="{3850F019-4869-4A6B-8269-6E65EDD7EDA8}"/>
-                </a:ext>
-              </a:extLst>
-            </p:cNvPr>
-            <p:cNvSpPr/>
-            <p:nvPr/>
-          </p:nvSpPr>
-          <p:spPr>
-            <a:xfrm rot="18826933">
-              <a:off x="7054290" y="4434073"/>
-              <a:ext cx="798338" cy="747474"/>
-            </a:xfrm>
-            <a:prstGeom prst="triangle">
-              <a:avLst>
-                <a:gd name="adj" fmla="val 42248"/>
-              </a:avLst>
-            </a:prstGeom>
-            <a:solidFill>
-              <a:schemeClr val="accent1">
-                <a:alpha val="55000"/>
-              </a:schemeClr>
-            </a:solidFill>
-            <a:ln>
-              <a:noFill/>
-            </a:ln>
-            <a:scene3d>
-              <a:camera prst="orthographicFront">
-                <a:rot lat="2389038" lon="20009038" rev="21349034"/>
-              </a:camera>
-              <a:lightRig rig="threePt" dir="t"/>
-            </a:scene3d>
-          </p:spPr>
-          <p:style>
-            <a:lnRef idx="2">
-              <a:schemeClr val="accent1">
-                <a:shade val="50000"/>
-              </a:schemeClr>
-            </a:lnRef>
-            <a:fillRef idx="1">
-              <a:schemeClr val="accent1"/>
-            </a:fillRef>
-            <a:effectRef idx="0">
-              <a:schemeClr val="accent1"/>
-            </a:effectRef>
-            <a:fontRef idx="minor">
-              <a:schemeClr val="lt1"/>
-            </a:fontRef>
-          </p:style>
-          <p:txBody>
-            <a:bodyPr rtlCol="0" anchor="ctr"/>
-            <a:lstStyle/>
-            <a:p>
-              <a:pPr algn="ctr"/>
-              <a:endParaRPr lang="zh-CN" altLang="en-US"/>
-            </a:p>
-          </p:txBody>
-        </p:sp>
-        <p:sp>
-          <p:nvSpPr>
-            <p:cNvPr id="74" name="等腰三角形 73">
-              <a:extLst>
-                <a:ext uri="{FF2B5EF4-FFF2-40B4-BE49-F238E27FC236}">
-                  <a16:creationId xmlns:a16="http://schemas.microsoft.com/office/drawing/2014/main" id="{56C5F730-662D-4663-82E2-A8FBCE8F9C0C}"/>
-                </a:ext>
-              </a:extLst>
-            </p:cNvPr>
-            <p:cNvSpPr/>
-            <p:nvPr/>
-          </p:nvSpPr>
-          <p:spPr>
-            <a:xfrm rot="18826933">
-              <a:off x="7398163" y="3924611"/>
-              <a:ext cx="798338" cy="747473"/>
-            </a:xfrm>
-            <a:prstGeom prst="triangle">
-              <a:avLst>
-                <a:gd name="adj" fmla="val 42248"/>
-              </a:avLst>
-            </a:prstGeom>
-            <a:solidFill>
-              <a:schemeClr val="accent1">
-                <a:alpha val="55000"/>
-              </a:schemeClr>
-            </a:solidFill>
-            <a:ln>
-              <a:noFill/>
-            </a:ln>
-            <a:scene3d>
-              <a:camera prst="orthographicFront">
-                <a:rot lat="2389038" lon="20009038" rev="21349034"/>
-              </a:camera>
-              <a:lightRig rig="threePt" dir="t"/>
-            </a:scene3d>
-          </p:spPr>
-          <p:style>
-            <a:lnRef idx="2">
-              <a:schemeClr val="accent1">
-                <a:shade val="50000"/>
-              </a:schemeClr>
-            </a:lnRef>
-            <a:fillRef idx="1">
-              <a:schemeClr val="accent1"/>
-            </a:fillRef>
-            <a:effectRef idx="0">
-              <a:schemeClr val="accent1"/>
-            </a:effectRef>
-            <a:fontRef idx="minor">
-              <a:schemeClr val="lt1"/>
-            </a:fontRef>
-          </p:style>
-          <p:txBody>
-            <a:bodyPr rtlCol="0" anchor="ctr"/>
-            <a:lstStyle/>
-            <a:p>
-              <a:pPr algn="ctr"/>
-              <a:endParaRPr lang="zh-CN" altLang="en-US"/>
-            </a:p>
-          </p:txBody>
-        </p:sp>
-      </p:grpSp>
-      <p:pic>
-        <p:nvPicPr>
-          <p:cNvPr id="125" name="图片 124">
-            <a:extLst>
-              <a:ext uri="{FF2B5EF4-FFF2-40B4-BE49-F238E27FC236}">
-                <a16:creationId xmlns:a16="http://schemas.microsoft.com/office/drawing/2014/main" id="{4C2AD340-5B3D-478E-8C54-E76FF36AE111}"/>
-              </a:ext>
-            </a:extLst>
-          </p:cNvPr>
-          <p:cNvPicPr>
-            <a:picLocks noChangeAspect="1"/>
-          </p:cNvPicPr>
-          <p:nvPr/>
-        </p:nvPicPr>
-        <p:blipFill>
-          <a:blip r:embed="rId3"/>
-          <a:stretch>
-            <a:fillRect/>
-          </a:stretch>
-        </p:blipFill>
-        <p:spPr>
-          <a:xfrm>
-            <a:off x="4022034" y="1802552"/>
-            <a:ext cx="3382445" cy="1898917"/>
-          </a:xfrm>
-          <a:prstGeom prst="rect">
-            <a:avLst/>
-          </a:prstGeom>
-        </p:spPr>
-      </p:pic>
-      <p:sp>
-        <p:nvSpPr>
-          <p:cNvPr id="126" name="文本框 125">
-            <a:extLst>
-              <a:ext uri="{FF2B5EF4-FFF2-40B4-BE49-F238E27FC236}">
-                <a16:creationId xmlns:a16="http://schemas.microsoft.com/office/drawing/2014/main" id="{46B469FE-E677-4387-95D5-B89A5427FD72}"/>
-              </a:ext>
-            </a:extLst>
-          </p:cNvPr>
-          <p:cNvSpPr txBox="1"/>
-          <p:nvPr/>
-        </p:nvSpPr>
-        <p:spPr>
-          <a:xfrm>
-            <a:off x="4025347" y="3821717"/>
-            <a:ext cx="2954655" cy="308995"/>
-          </a:xfrm>
-          <a:prstGeom prst="rect">
-            <a:avLst/>
-          </a:prstGeom>
-          <a:noFill/>
-        </p:spPr>
-        <p:txBody>
-          <a:bodyPr wrap="none" rtlCol="0">
-            <a:spAutoFit/>
-          </a:bodyPr>
-          <a:lstStyle/>
-          <a:p>
-            <a:pPr>
-              <a:lnSpc>
-                <a:spcPct val="130000"/>
-              </a:lnSpc>
-              <a:spcBef>
-                <a:spcPts val="600"/>
-              </a:spcBef>
-            </a:pPr>
-            <a:r>
-              <a:rPr lang="zh-CN" altLang="en-US" sz="1200" kern="0" dirty="0">
-                <a:latin typeface="微软雅黑" panose="020B0503020204020204" pitchFamily="34" charset="-122"/>
-                <a:ea typeface="微软雅黑" panose="020B0503020204020204" pitchFamily="34" charset="-122"/>
-                <a:cs typeface="+mn-ea"/>
-                <a:sym typeface="+mn-lt"/>
-              </a:rPr>
-              <a:t>模块化的检测软件配合高效稳定的</a:t>
-            </a:r>
-            <a:r>
-              <a:rPr lang="en-US" altLang="zh-CN" sz="1200" kern="0" dirty="0">
-                <a:latin typeface="微软雅黑" panose="020B0503020204020204" pitchFamily="34" charset="-122"/>
-                <a:ea typeface="微软雅黑" panose="020B0503020204020204" pitchFamily="34" charset="-122"/>
-                <a:cs typeface="+mn-ea"/>
-                <a:sym typeface="+mn-lt"/>
-              </a:rPr>
-              <a:t>AI</a:t>
-            </a:r>
-            <a:r>
-              <a:rPr lang="zh-CN" altLang="en-US" sz="1200" kern="0" dirty="0">
-                <a:latin typeface="微软雅黑" panose="020B0503020204020204" pitchFamily="34" charset="-122"/>
-                <a:ea typeface="微软雅黑" panose="020B0503020204020204" pitchFamily="34" charset="-122"/>
-                <a:cs typeface="+mn-ea"/>
-                <a:sym typeface="+mn-lt"/>
-              </a:rPr>
-              <a:t>算法</a:t>
-            </a:r>
-          </a:p>
-        </p:txBody>
-      </p:sp>
-      <p:sp>
-        <p:nvSpPr>
-          <p:cNvPr id="127" name="箭头: 右 126">
-            <a:extLst>
-              <a:ext uri="{FF2B5EF4-FFF2-40B4-BE49-F238E27FC236}">
-                <a16:creationId xmlns:a16="http://schemas.microsoft.com/office/drawing/2014/main" id="{77883D7B-C19C-4AD9-AA26-E4C05CE81375}"/>
-              </a:ext>
-            </a:extLst>
-          </p:cNvPr>
-          <p:cNvSpPr/>
-          <p:nvPr/>
-        </p:nvSpPr>
-        <p:spPr>
-          <a:xfrm>
-            <a:off x="7636548" y="2618416"/>
-            <a:ext cx="727557" cy="288323"/>
-          </a:xfrm>
-          <a:prstGeom prst="rightArrow">
-            <a:avLst/>
-          </a:prstGeom>
-          <a:solidFill>
-            <a:schemeClr val="accent1"/>
-          </a:solidFill>
-          <a:ln>
-            <a:solidFill>
-              <a:schemeClr val="accent1"/>
-            </a:solidFill>
-          </a:ln>
-        </p:spPr>
-        <p:txBody>
-          <a:bodyPr wrap="square" rtlCol="0" anchor="ctr">
-            <a:noAutofit/>
-          </a:bodyPr>
-          <a:lstStyle/>
-          <a:p>
-            <a:pPr algn="l"/>
-            <a:endParaRPr lang="zh-CN" altLang="en-US" sz="2000" dirty="0">
-              <a:solidFill>
-                <a:schemeClr val="bg2">
-                  <a:lumMod val="50000"/>
-                </a:schemeClr>
-              </a:solidFill>
-              <a:latin typeface="Arial" panose="020B0604020202020204" pitchFamily="34" charset="0"/>
-              <a:ea typeface="黑体" panose="02010609060101010101" pitchFamily="49" charset="-122"/>
-              <a:cs typeface="Arial" panose="020B0604020202020204" pitchFamily="34" charset="0"/>
-              <a:sym typeface="Arial" panose="020B0604020202020204" pitchFamily="34" charset="0"/>
-            </a:endParaRPr>
-          </a:p>
-        </p:txBody>
-      </p:sp>
-      <p:sp>
-        <p:nvSpPr>
-          <p:cNvPr id="128" name="AutoShape 2">
-            <a:extLst>
-              <a:ext uri="{FF2B5EF4-FFF2-40B4-BE49-F238E27FC236}">
-                <a16:creationId xmlns:a16="http://schemas.microsoft.com/office/drawing/2014/main" id="{2C8E54E3-6918-408F-9B85-1492734B98E9}"/>
-              </a:ext>
-            </a:extLst>
-          </p:cNvPr>
-          <p:cNvSpPr>
-            <a:spLocks noChangeAspect="1" noChangeArrowheads="1"/>
-          </p:cNvSpPr>
-          <p:nvPr/>
-        </p:nvSpPr>
-        <p:spPr bwMode="auto">
-          <a:xfrm>
-            <a:off x="5943600" y="3276600"/>
-            <a:ext cx="304800" cy="304800"/>
-          </a:xfrm>
-          <a:prstGeom prst="rect">
-            <a:avLst/>
-          </a:prstGeom>
-          <a:noFill/>
-          <a:extLst>
-            <a:ext uri="{909E8E84-426E-40DD-AFC4-6F175D3DCCD1}">
-              <a14:hiddenFill xmlns:a14="http://schemas.microsoft.com/office/drawing/2010/main">
-                <a:solidFill>
-                  <a:srgbClr val="FFFFFF"/>
-                </a:solidFill>
-              </a14:hiddenFill>
-            </a:ext>
-          </a:extLst>
-        </p:spPr>
-        <p:txBody>
-          <a:bodyPr vert="horz" wrap="square" lIns="91440" tIns="45720" rIns="91440" bIns="45720" numCol="1" anchor="t" anchorCtr="0" compatLnSpc="1">
-            <a:prstTxWarp prst="textNoShape">
-              <a:avLst/>
-            </a:prstTxWarp>
-          </a:bodyPr>
-          <a:lstStyle/>
-          <a:p>
-            <a:endParaRPr lang="zh-CN" altLang="en-US"/>
-          </a:p>
-        </p:txBody>
-      </p:sp>
-      <p:pic>
-        <p:nvPicPr>
-          <p:cNvPr id="129" name="图片 128">
-            <a:extLst>
-              <a:ext uri="{FF2B5EF4-FFF2-40B4-BE49-F238E27FC236}">
-                <a16:creationId xmlns:a16="http://schemas.microsoft.com/office/drawing/2014/main" id="{935AF210-3CAF-458D-B08D-10A3238037FB}"/>
-              </a:ext>
-            </a:extLst>
-          </p:cNvPr>
-          <p:cNvPicPr>
-            <a:picLocks noChangeAspect="1"/>
-          </p:cNvPicPr>
-          <p:nvPr/>
-        </p:nvPicPr>
-        <p:blipFill>
-          <a:blip r:embed="rId4"/>
-          <a:stretch>
-            <a:fillRect/>
-          </a:stretch>
-        </p:blipFill>
-        <p:spPr>
-          <a:xfrm>
-            <a:off x="9073892" y="965312"/>
-            <a:ext cx="1365256" cy="1365256"/>
-          </a:xfrm>
-          <a:prstGeom prst="rect">
-            <a:avLst/>
-          </a:prstGeom>
-        </p:spPr>
-      </p:pic>
-      <p:pic>
-        <p:nvPicPr>
-          <p:cNvPr id="133" name="图片 132">
-            <a:extLst>
-              <a:ext uri="{FF2B5EF4-FFF2-40B4-BE49-F238E27FC236}">
-                <a16:creationId xmlns:a16="http://schemas.microsoft.com/office/drawing/2014/main" id="{2665ECD0-F148-43D2-9FA2-F9A7403D8B5F}"/>
-              </a:ext>
-            </a:extLst>
-          </p:cNvPr>
-          <p:cNvPicPr>
-            <a:picLocks noChangeAspect="1"/>
-          </p:cNvPicPr>
-          <p:nvPr/>
-        </p:nvPicPr>
-        <p:blipFill>
-          <a:blip r:embed="rId5"/>
-          <a:stretch>
-            <a:fillRect/>
-          </a:stretch>
-        </p:blipFill>
-        <p:spPr>
-          <a:xfrm>
-            <a:off x="8565895" y="2128585"/>
-            <a:ext cx="2381250" cy="762000"/>
-          </a:xfrm>
-          <a:prstGeom prst="rect">
-            <a:avLst/>
-          </a:prstGeom>
-        </p:spPr>
-      </p:pic>
-      <p:pic>
-        <p:nvPicPr>
-          <p:cNvPr id="135" name="图片 134">
-            <a:extLst>
-              <a:ext uri="{FF2B5EF4-FFF2-40B4-BE49-F238E27FC236}">
-                <a16:creationId xmlns:a16="http://schemas.microsoft.com/office/drawing/2014/main" id="{16142954-8793-4FC9-8813-6F230ACF24AE}"/>
-              </a:ext>
-            </a:extLst>
-          </p:cNvPr>
-          <p:cNvPicPr>
-            <a:picLocks noChangeAspect="1"/>
-          </p:cNvPicPr>
-          <p:nvPr/>
-        </p:nvPicPr>
-        <p:blipFill>
-          <a:blip r:embed="rId6"/>
-          <a:stretch>
-            <a:fillRect/>
-          </a:stretch>
-        </p:blipFill>
-        <p:spPr>
-          <a:xfrm>
-            <a:off x="8780610" y="2866170"/>
-            <a:ext cx="1837362" cy="828810"/>
-          </a:xfrm>
-          <a:prstGeom prst="rect">
-            <a:avLst/>
-          </a:prstGeom>
-        </p:spPr>
-      </p:pic>
-      <p:sp>
-        <p:nvSpPr>
-          <p:cNvPr id="136" name="文本框 135">
-            <a:extLst>
-              <a:ext uri="{FF2B5EF4-FFF2-40B4-BE49-F238E27FC236}">
-                <a16:creationId xmlns:a16="http://schemas.microsoft.com/office/drawing/2014/main" id="{A7D3DEE4-CEFA-4407-924D-263DC5359A35}"/>
-              </a:ext>
-            </a:extLst>
-          </p:cNvPr>
-          <p:cNvSpPr txBox="1"/>
-          <p:nvPr/>
-        </p:nvSpPr>
-        <p:spPr>
-          <a:xfrm>
-            <a:off x="7695651" y="3784023"/>
-            <a:ext cx="4362092" cy="345094"/>
-          </a:xfrm>
-          <a:prstGeom prst="rect">
-            <a:avLst/>
-          </a:prstGeom>
-          <a:noFill/>
-        </p:spPr>
-        <p:txBody>
-          <a:bodyPr wrap="none" rtlCol="0">
-            <a:spAutoFit/>
-          </a:bodyPr>
-          <a:lstStyle/>
-          <a:p>
-            <a:pPr>
-              <a:lnSpc>
-                <a:spcPct val="130000"/>
-              </a:lnSpc>
-              <a:spcBef>
-                <a:spcPts val="600"/>
-              </a:spcBef>
-            </a:pPr>
-            <a:r>
-              <a:rPr lang="zh-CN" altLang="en-US" sz="1200" kern="0" dirty="0">
-                <a:latin typeface="微软雅黑" panose="020B0503020204020204" pitchFamily="34" charset="-122"/>
-                <a:ea typeface="微软雅黑" panose="020B0503020204020204" pitchFamily="34" charset="-122"/>
-                <a:cs typeface="+mn-ea"/>
-                <a:sym typeface="+mn-lt"/>
-              </a:rPr>
-              <a:t>各大主流面板厂订单复制中</a:t>
-            </a:r>
-            <a:r>
-              <a:rPr lang="en-US" altLang="zh-CN" sz="1200" kern="0" dirty="0">
-                <a:latin typeface="微软雅黑" panose="020B0503020204020204" pitchFamily="34" charset="-122"/>
-                <a:ea typeface="微软雅黑" panose="020B0503020204020204" pitchFamily="34" charset="-122"/>
-                <a:cs typeface="+mn-ea"/>
-                <a:sym typeface="+mn-lt"/>
-              </a:rPr>
-              <a:t>(</a:t>
-            </a:r>
-            <a:r>
-              <a:rPr lang="zh-CN" altLang="en-US" sz="1200" kern="0" dirty="0">
-                <a:latin typeface="微软雅黑" panose="020B0503020204020204" pitchFamily="34" charset="-122"/>
-                <a:ea typeface="微软雅黑" panose="020B0503020204020204" pitchFamily="34" charset="-122"/>
-                <a:cs typeface="+mn-ea"/>
-                <a:sym typeface="+mn-lt"/>
-              </a:rPr>
-              <a:t>惠科</a:t>
-            </a:r>
-            <a:r>
-              <a:rPr lang="en-US" altLang="zh-CN" sz="1200" kern="0" dirty="0">
-                <a:latin typeface="微软雅黑" panose="020B0503020204020204" pitchFamily="34" charset="-122"/>
-                <a:ea typeface="微软雅黑" panose="020B0503020204020204" pitchFamily="34" charset="-122"/>
-                <a:cs typeface="+mn-ea"/>
-                <a:sym typeface="+mn-lt"/>
-              </a:rPr>
-              <a:t>:</a:t>
-            </a:r>
-            <a:r>
-              <a:rPr lang="en-US" altLang="zh-CN" sz="1400" b="1" kern="0" dirty="0">
-                <a:latin typeface="微软雅黑" panose="020B0503020204020204" pitchFamily="34" charset="-122"/>
-                <a:ea typeface="微软雅黑" panose="020B0503020204020204" pitchFamily="34" charset="-122"/>
-                <a:cs typeface="+mn-ea"/>
-                <a:sym typeface="+mn-lt"/>
-              </a:rPr>
-              <a:t>10</a:t>
-            </a:r>
-            <a:r>
-              <a:rPr lang="zh-CN" altLang="en-US" sz="1200" kern="0" dirty="0">
-                <a:latin typeface="微软雅黑" panose="020B0503020204020204" pitchFamily="34" charset="-122"/>
-                <a:ea typeface="微软雅黑" panose="020B0503020204020204" pitchFamily="34" charset="-122"/>
-                <a:cs typeface="+mn-ea"/>
-                <a:sym typeface="+mn-lt"/>
-              </a:rPr>
-              <a:t>套、华星</a:t>
-            </a:r>
-            <a:r>
-              <a:rPr lang="en-US" altLang="zh-CN" sz="1200" kern="0" dirty="0">
-                <a:latin typeface="微软雅黑" panose="020B0503020204020204" pitchFamily="34" charset="-122"/>
-                <a:ea typeface="微软雅黑" panose="020B0503020204020204" pitchFamily="34" charset="-122"/>
-                <a:cs typeface="+mn-ea"/>
-                <a:sym typeface="+mn-lt"/>
-              </a:rPr>
-              <a:t>:</a:t>
-            </a:r>
-            <a:r>
-              <a:rPr lang="en-US" altLang="zh-CN" sz="1400" b="1" kern="0" dirty="0">
-                <a:latin typeface="微软雅黑" panose="020B0503020204020204" pitchFamily="34" charset="-122"/>
-                <a:ea typeface="微软雅黑" panose="020B0503020204020204" pitchFamily="34" charset="-122"/>
-                <a:cs typeface="+mn-ea"/>
-                <a:sym typeface="+mn-lt"/>
-              </a:rPr>
-              <a:t>9</a:t>
-            </a:r>
-            <a:r>
-              <a:rPr lang="zh-CN" altLang="en-US" sz="1200" kern="0" dirty="0">
-                <a:latin typeface="微软雅黑" panose="020B0503020204020204" pitchFamily="34" charset="-122"/>
-                <a:ea typeface="微软雅黑" panose="020B0503020204020204" pitchFamily="34" charset="-122"/>
-                <a:cs typeface="+mn-ea"/>
-                <a:sym typeface="+mn-lt"/>
-              </a:rPr>
-              <a:t>套、</a:t>
-            </a:r>
-            <a:r>
-              <a:rPr lang="en-US" altLang="zh-CN" sz="1200" kern="0" dirty="0">
-                <a:latin typeface="微软雅黑" panose="020B0503020204020204" pitchFamily="34" charset="-122"/>
-                <a:ea typeface="微软雅黑" panose="020B0503020204020204" pitchFamily="34" charset="-122"/>
-                <a:cs typeface="+mn-ea"/>
-                <a:sym typeface="+mn-lt"/>
-              </a:rPr>
-              <a:t>SDP:</a:t>
-            </a:r>
-            <a:r>
-              <a:rPr lang="en-US" altLang="zh-CN" sz="1400" b="1" kern="0" dirty="0">
-                <a:latin typeface="微软雅黑" panose="020B0503020204020204" pitchFamily="34" charset="-122"/>
-                <a:ea typeface="微软雅黑" panose="020B0503020204020204" pitchFamily="34" charset="-122"/>
-                <a:cs typeface="+mn-ea"/>
-                <a:sym typeface="+mn-lt"/>
-              </a:rPr>
-              <a:t>9</a:t>
-            </a:r>
-            <a:r>
-              <a:rPr lang="zh-CN" altLang="en-US" sz="1200" kern="0" dirty="0">
-                <a:latin typeface="微软雅黑" panose="020B0503020204020204" pitchFamily="34" charset="-122"/>
-                <a:ea typeface="微软雅黑" panose="020B0503020204020204" pitchFamily="34" charset="-122"/>
-                <a:cs typeface="+mn-ea"/>
-                <a:sym typeface="+mn-lt"/>
-              </a:rPr>
-              <a:t>套</a:t>
-            </a:r>
-            <a:r>
-              <a:rPr lang="en-US" altLang="zh-CN" sz="1200" kern="0" dirty="0">
-                <a:latin typeface="微软雅黑" panose="020B0503020204020204" pitchFamily="34" charset="-122"/>
-                <a:ea typeface="微软雅黑" panose="020B0503020204020204" pitchFamily="34" charset="-122"/>
-                <a:cs typeface="+mn-ea"/>
-                <a:sym typeface="+mn-lt"/>
-              </a:rPr>
-              <a:t>)</a:t>
-            </a:r>
-            <a:endParaRPr lang="zh-CN" altLang="en-US" sz="1200" kern="0" dirty="0">
-              <a:latin typeface="微软雅黑" panose="020B0503020204020204" pitchFamily="34" charset="-122"/>
-              <a:ea typeface="微软雅黑" panose="020B0503020204020204" pitchFamily="34" charset="-122"/>
-              <a:cs typeface="+mn-ea"/>
-              <a:sym typeface="+mn-lt"/>
-            </a:endParaRPr>
-          </a:p>
-        </p:txBody>
-      </p:sp>
-      <p:sp>
-        <p:nvSpPr>
-          <p:cNvPr id="130" name="文本框 129">
-            <a:extLst>
-              <a:ext uri="{FF2B5EF4-FFF2-40B4-BE49-F238E27FC236}">
-                <a16:creationId xmlns:a16="http://schemas.microsoft.com/office/drawing/2014/main" id="{38A98D31-1F59-49DC-91A4-47DEB61E2522}"/>
-              </a:ext>
-            </a:extLst>
-          </p:cNvPr>
-          <p:cNvSpPr txBox="1"/>
-          <p:nvPr/>
-        </p:nvSpPr>
-        <p:spPr>
-          <a:xfrm>
-            <a:off x="738832" y="3824782"/>
-            <a:ext cx="1569660" cy="308995"/>
-          </a:xfrm>
-          <a:prstGeom prst="rect">
-            <a:avLst/>
-          </a:prstGeom>
-          <a:noFill/>
-        </p:spPr>
-        <p:txBody>
-          <a:bodyPr wrap="none" rtlCol="0">
-            <a:spAutoFit/>
-          </a:bodyPr>
-          <a:lstStyle/>
-          <a:p>
-            <a:pPr>
-              <a:lnSpc>
-                <a:spcPct val="130000"/>
-              </a:lnSpc>
-              <a:spcBef>
-                <a:spcPts val="600"/>
-              </a:spcBef>
-            </a:pPr>
-            <a:r>
-              <a:rPr lang="zh-CN" altLang="en-US" sz="1200" kern="0" dirty="0">
-                <a:latin typeface="微软雅黑" panose="020B0503020204020204" pitchFamily="34" charset="-122"/>
-                <a:ea typeface="微软雅黑" panose="020B0503020204020204" pitchFamily="34" charset="-122"/>
-                <a:cs typeface="+mn-ea"/>
-                <a:sym typeface="+mn-lt"/>
-              </a:rPr>
-              <a:t>成熟的硬件配套方案</a:t>
-            </a:r>
-          </a:p>
-        </p:txBody>
-      </p:sp>
-      <p:sp>
-        <p:nvSpPr>
-          <p:cNvPr id="10" name="矩形: 圆角 9">
-            <a:extLst>
-              <a:ext uri="{FF2B5EF4-FFF2-40B4-BE49-F238E27FC236}">
-                <a16:creationId xmlns:a16="http://schemas.microsoft.com/office/drawing/2014/main" id="{F359305A-6859-4868-ACAE-6FA383472983}"/>
-              </a:ext>
-            </a:extLst>
-          </p:cNvPr>
-          <p:cNvSpPr/>
-          <p:nvPr/>
-        </p:nvSpPr>
-        <p:spPr>
-          <a:xfrm>
-            <a:off x="190975" y="1395106"/>
-            <a:ext cx="7362764" cy="3017868"/>
-          </a:xfrm>
-          <a:prstGeom prst="roundRect">
-            <a:avLst/>
-          </a:prstGeom>
-          <a:noFill/>
-          <a:ln>
-            <a:prstDash val="sysDash"/>
-          </a:ln>
-        </p:spPr>
-        <p:style>
-          <a:lnRef idx="2">
-            <a:schemeClr val="accent1">
-              <a:shade val="50000"/>
-            </a:schemeClr>
-          </a:lnRef>
-          <a:fillRef idx="1">
-            <a:schemeClr val="accent1"/>
-          </a:fillRef>
-          <a:effectRef idx="0">
-            <a:schemeClr val="accent1"/>
-          </a:effectRef>
-          <a:fontRef idx="minor">
-            <a:schemeClr val="lt1"/>
-          </a:fontRef>
-        </p:style>
-        <p:txBody>
-          <a:bodyPr rtlCol="0" anchor="ctr"/>
-          <a:lstStyle/>
-          <a:p>
-            <a:pPr algn="ctr"/>
-            <a:endParaRPr lang="zh-CN" altLang="en-US"/>
-          </a:p>
-        </p:txBody>
-      </p:sp>
-      <p:sp>
-        <p:nvSpPr>
-          <p:cNvPr id="12" name="加号 11">
-            <a:extLst>
-              <a:ext uri="{FF2B5EF4-FFF2-40B4-BE49-F238E27FC236}">
-                <a16:creationId xmlns:a16="http://schemas.microsoft.com/office/drawing/2014/main" id="{20200D8A-1464-4326-86B6-C4F944918860}"/>
-              </a:ext>
-            </a:extLst>
-          </p:cNvPr>
-          <p:cNvSpPr/>
-          <p:nvPr/>
-        </p:nvSpPr>
-        <p:spPr>
-          <a:xfrm>
-            <a:off x="3199414" y="2604567"/>
-            <a:ext cx="498979" cy="459753"/>
-          </a:xfrm>
-          <a:prstGeom prst="mathPlus">
-            <a:avLst/>
-          </a:prstGeom>
-        </p:spPr>
-        <p:style>
-          <a:lnRef idx="2">
-            <a:schemeClr val="accent1">
-              <a:shade val="50000"/>
-            </a:schemeClr>
-          </a:lnRef>
-          <a:fillRef idx="1">
-            <a:schemeClr val="accent1"/>
-          </a:fillRef>
-          <a:effectRef idx="0">
-            <a:schemeClr val="accent1"/>
-          </a:effectRef>
-          <a:fontRef idx="minor">
-            <a:schemeClr val="lt1"/>
-          </a:fontRef>
-        </p:style>
-        <p:txBody>
-          <a:bodyPr rtlCol="0" anchor="ctr"/>
-          <a:lstStyle/>
-          <a:p>
-            <a:pPr algn="ctr"/>
-            <a:endParaRPr lang="zh-CN" altLang="en-US"/>
-          </a:p>
-        </p:txBody>
-      </p:sp>
-      <p:sp>
-        <p:nvSpPr>
-          <p:cNvPr id="131" name="文本框 130">
-            <a:extLst>
-              <a:ext uri="{FF2B5EF4-FFF2-40B4-BE49-F238E27FC236}">
-                <a16:creationId xmlns:a16="http://schemas.microsoft.com/office/drawing/2014/main" id="{B8EA2502-42C2-4260-89C2-40968AD801C2}"/>
-              </a:ext>
-            </a:extLst>
-          </p:cNvPr>
-          <p:cNvSpPr txBox="1"/>
-          <p:nvPr/>
-        </p:nvSpPr>
-        <p:spPr>
-          <a:xfrm>
-            <a:off x="7657191" y="2869299"/>
-            <a:ext cx="1103663" cy="381258"/>
-          </a:xfrm>
-          <a:prstGeom prst="rect">
-            <a:avLst/>
-          </a:prstGeom>
-          <a:noFill/>
-        </p:spPr>
-        <p:txBody>
-          <a:bodyPr wrap="square" rtlCol="0">
-            <a:spAutoFit/>
-          </a:bodyPr>
-          <a:lstStyle/>
-          <a:p>
-            <a:pPr>
-              <a:lnSpc>
-                <a:spcPct val="130000"/>
-              </a:lnSpc>
-              <a:spcBef>
-                <a:spcPts val="600"/>
-              </a:spcBef>
-            </a:pPr>
-            <a:r>
-              <a:rPr lang="en-US" altLang="zh-CN" sz="1600" b="1" kern="0" dirty="0">
-                <a:latin typeface="微软雅黑" panose="020B0503020204020204" pitchFamily="34" charset="-122"/>
-                <a:ea typeface="微软雅黑" panose="020B0503020204020204" pitchFamily="34" charset="-122"/>
-                <a:cs typeface="+mn-ea"/>
-                <a:sym typeface="+mn-lt"/>
-              </a:rPr>
-              <a:t>1~N</a:t>
-            </a:r>
-            <a:endParaRPr lang="zh-CN" altLang="en-US" sz="1600" b="1" kern="0" dirty="0">
-              <a:latin typeface="微软雅黑" panose="020B0503020204020204" pitchFamily="34" charset="-122"/>
-              <a:ea typeface="微软雅黑" panose="020B0503020204020204" pitchFamily="34" charset="-122"/>
-              <a:cs typeface="+mn-ea"/>
-              <a:sym typeface="+mn-lt"/>
-            </a:endParaRPr>
-          </a:p>
-        </p:txBody>
-      </p:sp>
-    </p:spTree>
-    <p:extLst>
-      <p:ext uri="{BB962C8B-B14F-4D97-AF65-F5344CB8AC3E}">
-        <p14:creationId xmlns:p14="http://schemas.microsoft.com/office/powerpoint/2010/main" val="2828974717"/>
-      </p:ext>
-    </p:extLst>
-  </p:cSld>
-  <p:clrMapOvr>
-    <a:masterClrMapping/>
-  </p:clrMapOvr>
-  <p:transition spd="med"/>
-</p:sld>
-</file>
-
 <file path=ppt/theme/theme1.xml><?xml version="1.0" encoding="utf-8"?>
 <a:theme xmlns:a="http://schemas.openxmlformats.org/drawingml/2006/main" name="Office 主题​​">
   <a:themeElements>
